--- a/Presentación1.pptx
+++ b/Presentación1.pptx
@@ -5,7 +5,7 @@
     <p:sldMasterId id="2147483648" r:id="rId1"/>
   </p:sldMasterIdLst>
   <p:notesMasterIdLst>
-    <p:notesMasterId r:id="rId15"/>
+    <p:notesMasterId r:id="rId13"/>
   </p:notesMasterIdLst>
   <p:sldIdLst>
     <p:sldId id="256" r:id="rId2"/>
@@ -13,14 +13,12 @@
     <p:sldId id="266" r:id="rId4"/>
     <p:sldId id="264" r:id="rId5"/>
     <p:sldId id="265" r:id="rId6"/>
-    <p:sldId id="262" r:id="rId7"/>
-    <p:sldId id="267" r:id="rId8"/>
-    <p:sldId id="263" r:id="rId9"/>
-    <p:sldId id="268" r:id="rId10"/>
-    <p:sldId id="270" r:id="rId11"/>
-    <p:sldId id="271" r:id="rId12"/>
-    <p:sldId id="269" r:id="rId13"/>
-    <p:sldId id="258" r:id="rId14"/>
+    <p:sldId id="263" r:id="rId7"/>
+    <p:sldId id="268" r:id="rId8"/>
+    <p:sldId id="258" r:id="rId9"/>
+    <p:sldId id="272" r:id="rId10"/>
+    <p:sldId id="262" r:id="rId11"/>
+    <p:sldId id="267" r:id="rId12"/>
   </p:sldIdLst>
   <p:sldSz cx="12192000" cy="6858000"/>
   <p:notesSz cx="6858000" cy="9144000"/>
@@ -209,7 +207,7 @@
           <a:p>
             <a:fld id="{210D0E56-572C-4E1D-8A19-A5ACACEA5721}" type="datetimeFigureOut">
               <a:rPr lang="es-ES" smtClean="0"/>
-              <a:t>11/03/2021</a:t>
+              <a:t>12/03/2021</a:t>
             </a:fld>
             <a:endParaRPr lang="es-ES"/>
           </a:p>
@@ -784,7 +782,7 @@
           <a:p>
             <a:fld id="{09EA9D83-780C-474D-BEA2-236EE24182D3}" type="datetimeFigureOut">
               <a:rPr lang="es-ES" smtClean="0"/>
-              <a:t>11/03/2021</a:t>
+              <a:t>12/03/2021</a:t>
             </a:fld>
             <a:endParaRPr lang="es-ES"/>
           </a:p>
@@ -954,7 +952,7 @@
           <a:p>
             <a:fld id="{09EA9D83-780C-474D-BEA2-236EE24182D3}" type="datetimeFigureOut">
               <a:rPr lang="es-ES" smtClean="0"/>
-              <a:t>11/03/2021</a:t>
+              <a:t>12/03/2021</a:t>
             </a:fld>
             <a:endParaRPr lang="es-ES"/>
           </a:p>
@@ -1134,7 +1132,7 @@
           <a:p>
             <a:fld id="{09EA9D83-780C-474D-BEA2-236EE24182D3}" type="datetimeFigureOut">
               <a:rPr lang="es-ES" smtClean="0"/>
-              <a:t>11/03/2021</a:t>
+              <a:t>12/03/2021</a:t>
             </a:fld>
             <a:endParaRPr lang="es-ES"/>
           </a:p>
@@ -1304,7 +1302,7 @@
           <a:p>
             <a:fld id="{09EA9D83-780C-474D-BEA2-236EE24182D3}" type="datetimeFigureOut">
               <a:rPr lang="es-ES" smtClean="0"/>
-              <a:t>11/03/2021</a:t>
+              <a:t>12/03/2021</a:t>
             </a:fld>
             <a:endParaRPr lang="es-ES"/>
           </a:p>
@@ -1550,7 +1548,7 @@
           <a:p>
             <a:fld id="{09EA9D83-780C-474D-BEA2-236EE24182D3}" type="datetimeFigureOut">
               <a:rPr lang="es-ES" smtClean="0"/>
-              <a:t>11/03/2021</a:t>
+              <a:t>12/03/2021</a:t>
             </a:fld>
             <a:endParaRPr lang="es-ES"/>
           </a:p>
@@ -1782,7 +1780,7 @@
           <a:p>
             <a:fld id="{09EA9D83-780C-474D-BEA2-236EE24182D3}" type="datetimeFigureOut">
               <a:rPr lang="es-ES" smtClean="0"/>
-              <a:t>11/03/2021</a:t>
+              <a:t>12/03/2021</a:t>
             </a:fld>
             <a:endParaRPr lang="es-ES"/>
           </a:p>
@@ -2149,7 +2147,7 @@
           <a:p>
             <a:fld id="{09EA9D83-780C-474D-BEA2-236EE24182D3}" type="datetimeFigureOut">
               <a:rPr lang="es-ES" smtClean="0"/>
-              <a:t>11/03/2021</a:t>
+              <a:t>12/03/2021</a:t>
             </a:fld>
             <a:endParaRPr lang="es-ES"/>
           </a:p>
@@ -2267,7 +2265,7 @@
           <a:p>
             <a:fld id="{09EA9D83-780C-474D-BEA2-236EE24182D3}" type="datetimeFigureOut">
               <a:rPr lang="es-ES" smtClean="0"/>
-              <a:t>11/03/2021</a:t>
+              <a:t>12/03/2021</a:t>
             </a:fld>
             <a:endParaRPr lang="es-ES"/>
           </a:p>
@@ -2362,7 +2360,7 @@
           <a:p>
             <a:fld id="{09EA9D83-780C-474D-BEA2-236EE24182D3}" type="datetimeFigureOut">
               <a:rPr lang="es-ES" smtClean="0"/>
-              <a:t>11/03/2021</a:t>
+              <a:t>12/03/2021</a:t>
             </a:fld>
             <a:endParaRPr lang="es-ES"/>
           </a:p>
@@ -2639,7 +2637,7 @@
           <a:p>
             <a:fld id="{09EA9D83-780C-474D-BEA2-236EE24182D3}" type="datetimeFigureOut">
               <a:rPr lang="es-ES" smtClean="0"/>
-              <a:t>11/03/2021</a:t>
+              <a:t>12/03/2021</a:t>
             </a:fld>
             <a:endParaRPr lang="es-ES"/>
           </a:p>
@@ -2892,7 +2890,7 @@
           <a:p>
             <a:fld id="{09EA9D83-780C-474D-BEA2-236EE24182D3}" type="datetimeFigureOut">
               <a:rPr lang="es-ES" smtClean="0"/>
-              <a:t>11/03/2021</a:t>
+              <a:t>12/03/2021</a:t>
             </a:fld>
             <a:endParaRPr lang="es-ES"/>
           </a:p>
@@ -3105,7 +3103,7 @@
           <a:p>
             <a:fld id="{09EA9D83-780C-474D-BEA2-236EE24182D3}" type="datetimeFigureOut">
               <a:rPr lang="es-ES" smtClean="0"/>
-              <a:t>11/03/2021</a:t>
+              <a:t>12/03/2021</a:t>
             </a:fld>
             <a:endParaRPr lang="es-ES"/>
           </a:p>
@@ -3699,13 +3697,7 @@
               <a:rPr lang="es-ES" sz="1400" dirty="0" smtClean="0">
                 <a:latin typeface="Garamond" panose="02020404030301010803" pitchFamily="18" charset="0"/>
               </a:rPr>
-              <a:t> Enero </a:t>
-            </a:r>
-            <a:r>
-              <a:rPr lang="es-ES" sz="1400" dirty="0" smtClean="0">
-                <a:latin typeface="Garamond" panose="02020404030301010803" pitchFamily="18" charset="0"/>
-              </a:rPr>
-              <a:t>2020</a:t>
+              <a:t> Enero 2020</a:t>
             </a:r>
             <a:endParaRPr lang="es-ES" sz="1100" dirty="0">
               <a:latin typeface="Garamond" panose="02020404030301010803" pitchFamily="18" charset="0"/>
@@ -3713,6 +3705,30 @@
           </a:p>
         </p:txBody>
       </p:sp>
+      <p:pic>
+        <p:nvPicPr>
+          <p:cNvPr id="2" name="Imagen 1"/>
+          <p:cNvPicPr>
+            <a:picLocks noChangeAspect="1"/>
+          </p:cNvPicPr>
+          <p:nvPr/>
+        </p:nvPicPr>
+        <p:blipFill>
+          <a:blip r:embed="rId4"/>
+          <a:stretch>
+            <a:fillRect/>
+          </a:stretch>
+        </p:blipFill>
+        <p:spPr>
+          <a:xfrm>
+            <a:off x="10879282" y="5545282"/>
+            <a:ext cx="1312718" cy="1312718"/>
+          </a:xfrm>
+          <a:prstGeom prst="rect">
+            <a:avLst/>
+          </a:prstGeom>
+        </p:spPr>
+      </p:pic>
     </p:spTree>
     <p:extLst>
       <p:ext uri="{BB962C8B-B14F-4D97-AF65-F5344CB8AC3E}">
@@ -3750,109 +3766,12 @@
           <a:chExt cx="0" cy="0"/>
         </a:xfrm>
       </p:grpSpPr>
-      <p:grpSp>
-        <p:nvGrpSpPr>
-          <p:cNvPr id="8" name="Grupo 7"/>
-          <p:cNvGrpSpPr/>
-          <p:nvPr/>
-        </p:nvGrpSpPr>
-        <p:grpSpPr>
-          <a:xfrm>
-            <a:off x="5460571" y="4882276"/>
-            <a:ext cx="3008536" cy="1706941"/>
-            <a:chOff x="468123" y="2026859"/>
-            <a:chExt cx="3008536" cy="1706941"/>
-          </a:xfrm>
-        </p:grpSpPr>
-        <p:pic>
-          <p:nvPicPr>
-            <p:cNvPr id="5" name="Imagen 4"/>
-            <p:cNvPicPr>
-              <a:picLocks noChangeAspect="1"/>
-            </p:cNvPicPr>
-            <p:nvPr/>
-          </p:nvPicPr>
-          <p:blipFill rotWithShape="1">
-            <a:blip r:embed="rId2">
-              <a:clrChange>
-                <a:clrFrom>
-                  <a:srgbClr val="262626"/>
-                </a:clrFrom>
-                <a:clrTo>
-                  <a:srgbClr val="262626">
-                    <a:alpha val="0"/>
-                  </a:srgbClr>
-                </a:clrTo>
-              </a:clrChange>
-            </a:blip>
-            <a:srcRect l="30083" t="43926" r="35916" b="20370"/>
-            <a:stretch/>
-          </p:blipFill>
-          <p:spPr>
-            <a:xfrm>
-              <a:off x="468123" y="2026859"/>
-              <a:ext cx="2537049" cy="1498600"/>
-            </a:xfrm>
-            <a:prstGeom prst="rect">
-              <a:avLst/>
-            </a:prstGeom>
-          </p:spPr>
-        </p:pic>
-        <p:sp>
-          <p:nvSpPr>
-            <p:cNvPr id="7" name="Rectángulo redondeado 6"/>
-            <p:cNvSpPr/>
-            <p:nvPr/>
-          </p:nvSpPr>
-          <p:spPr>
-            <a:xfrm>
-              <a:off x="2533684" y="3095625"/>
-              <a:ext cx="942975" cy="638175"/>
-            </a:xfrm>
-            <a:prstGeom prst="roundRect">
-              <a:avLst/>
-            </a:prstGeom>
-            <a:solidFill>
-              <a:schemeClr val="bg1"/>
-            </a:solidFill>
-            <a:ln>
-              <a:solidFill>
-                <a:schemeClr val="bg1"/>
-              </a:solidFill>
-            </a:ln>
-          </p:spPr>
-          <p:style>
-            <a:lnRef idx="2">
-              <a:schemeClr val="accent1">
-                <a:shade val="50000"/>
-              </a:schemeClr>
-            </a:lnRef>
-            <a:fillRef idx="1">
-              <a:schemeClr val="accent1"/>
-            </a:fillRef>
-            <a:effectRef idx="0">
-              <a:schemeClr val="accent1"/>
-            </a:effectRef>
-            <a:fontRef idx="minor">
-              <a:schemeClr val="lt1"/>
-            </a:fontRef>
-          </p:style>
-          <p:txBody>
-            <a:bodyPr rtlCol="0" anchor="ctr"/>
-            <a:lstStyle/>
-            <a:p>
-              <a:pPr algn="ctr"/>
-              <a:endParaRPr lang="es-ES"/>
-            </a:p>
-          </p:txBody>
-        </p:sp>
-      </p:grpSp>
       <p:sp>
         <p:nvSpPr>
           <p:cNvPr id="4" name="Marcador de número de diapositiva 3">
             <a:extLst>
               <a:ext uri="{FF2B5EF4-FFF2-40B4-BE49-F238E27FC236}">
-                <a16:creationId xmlns:a16="http://schemas.microsoft.com/office/drawing/2014/main" xmlns="" id="{70E5FB58-2A6B-4635-9E5F-721FB4B3F5D2}"/>
+                <a16:creationId xmlns="" xmlns:a16="http://schemas.microsoft.com/office/drawing/2014/main" id="{70E5FB58-2A6B-4635-9E5F-721FB4B3F5D2}"/>
               </a:ext>
             </a:extLst>
           </p:cNvPr>
@@ -3871,4135 +3790,6 @@
             <a:fld id="{072220C6-3BBB-43D4-AF5F-545732F78A03}" type="slidenum">
               <a:rPr lang="es-ES" smtClean="0"/>
               <a:t>10</a:t>
-            </a:fld>
-            <a:endParaRPr lang="es-ES"/>
-          </a:p>
-        </p:txBody>
-      </p:sp>
-      <p:pic>
-        <p:nvPicPr>
-          <p:cNvPr id="3" name="Imagen 2"/>
-          <p:cNvPicPr>
-            <a:picLocks noChangeAspect="1"/>
-          </p:cNvPicPr>
-          <p:nvPr/>
-        </p:nvPicPr>
-        <p:blipFill rotWithShape="1">
-          <a:blip r:embed="rId3">
-            <a:clrChange>
-              <a:clrFrom>
-                <a:srgbClr val="262626"/>
-              </a:clrFrom>
-              <a:clrTo>
-                <a:srgbClr val="262626">
-                  <a:alpha val="0"/>
-                </a:srgbClr>
-              </a:clrTo>
-            </a:clrChange>
-          </a:blip>
-          <a:srcRect l="29000" t="26420" r="23750" b="8371"/>
-          <a:stretch/>
-        </p:blipFill>
-        <p:spPr>
-          <a:xfrm>
-            <a:off x="5863489" y="1010334"/>
-            <a:ext cx="6218736" cy="4827559"/>
-          </a:xfrm>
-          <a:prstGeom prst="rect">
-            <a:avLst/>
-          </a:prstGeom>
-        </p:spPr>
-      </p:pic>
-      <p:pic>
-        <p:nvPicPr>
-          <p:cNvPr id="24" name="Imagen 23"/>
-          <p:cNvPicPr>
-            <a:picLocks noChangeAspect="1"/>
-          </p:cNvPicPr>
-          <p:nvPr/>
-        </p:nvPicPr>
-        <p:blipFill>
-          <a:blip r:embed="rId4" cstate="print">
-            <a:extLst>
-              <a:ext uri="{28A0092B-C50C-407E-A947-70E740481C1C}">
-                <a14:useLocalDpi xmlns:a14="http://schemas.microsoft.com/office/drawing/2010/main" val="0"/>
-              </a:ext>
-            </a:extLst>
-          </a:blip>
-          <a:stretch>
-            <a:fillRect/>
-          </a:stretch>
-        </p:blipFill>
-        <p:spPr>
-          <a:xfrm>
-            <a:off x="88638" y="1678542"/>
-            <a:ext cx="5491913" cy="1866885"/>
-          </a:xfrm>
-          <a:prstGeom prst="rect">
-            <a:avLst/>
-          </a:prstGeom>
-        </p:spPr>
-      </p:pic>
-      <p:pic>
-        <p:nvPicPr>
-          <p:cNvPr id="25" name="Imagen 24"/>
-          <p:cNvPicPr>
-            <a:picLocks noChangeAspect="1"/>
-          </p:cNvPicPr>
-          <p:nvPr/>
-        </p:nvPicPr>
-        <p:blipFill>
-          <a:blip r:embed="rId5" cstate="print">
-            <a:extLst>
-              <a:ext uri="{28A0092B-C50C-407E-A947-70E740481C1C}">
-                <a14:useLocalDpi xmlns:a14="http://schemas.microsoft.com/office/drawing/2010/main" val="0"/>
-              </a:ext>
-            </a:extLst>
-          </a:blip>
-          <a:stretch>
-            <a:fillRect/>
-          </a:stretch>
-        </p:blipFill>
-        <p:spPr>
-          <a:xfrm>
-            <a:off x="88638" y="4891375"/>
-            <a:ext cx="5491912" cy="1906300"/>
-          </a:xfrm>
-          <a:prstGeom prst="rect">
-            <a:avLst/>
-          </a:prstGeom>
-        </p:spPr>
-      </p:pic>
-      <p:pic>
-        <p:nvPicPr>
-          <p:cNvPr id="26" name="Imagen 25"/>
-          <p:cNvPicPr>
-            <a:picLocks noChangeAspect="1"/>
-          </p:cNvPicPr>
-          <p:nvPr/>
-        </p:nvPicPr>
-        <p:blipFill>
-          <a:blip r:embed="rId6" cstate="print">
-            <a:extLst>
-              <a:ext uri="{28A0092B-C50C-407E-A947-70E740481C1C}">
-                <a14:useLocalDpi xmlns:a14="http://schemas.microsoft.com/office/drawing/2010/main" val="0"/>
-              </a:ext>
-            </a:extLst>
-          </a:blip>
-          <a:stretch>
-            <a:fillRect/>
-          </a:stretch>
-        </p:blipFill>
-        <p:spPr>
-          <a:xfrm>
-            <a:off x="88901" y="3280409"/>
-            <a:ext cx="5491602" cy="1875983"/>
-          </a:xfrm>
-          <a:prstGeom prst="rect">
-            <a:avLst/>
-          </a:prstGeom>
-        </p:spPr>
-      </p:pic>
-      <p:pic>
-        <p:nvPicPr>
-          <p:cNvPr id="27" name="Imagen 26"/>
-          <p:cNvPicPr>
-            <a:picLocks noChangeAspect="1"/>
-          </p:cNvPicPr>
-          <p:nvPr/>
-        </p:nvPicPr>
-        <p:blipFill>
-          <a:blip r:embed="rId7" cstate="print">
-            <a:extLst>
-              <a:ext uri="{28A0092B-C50C-407E-A947-70E740481C1C}">
-                <a14:useLocalDpi xmlns:a14="http://schemas.microsoft.com/office/drawing/2010/main" val="0"/>
-              </a:ext>
-            </a:extLst>
-          </a:blip>
-          <a:stretch>
-            <a:fillRect/>
-          </a:stretch>
-        </p:blipFill>
-        <p:spPr>
-          <a:xfrm>
-            <a:off x="88900" y="77108"/>
-            <a:ext cx="5491602" cy="1866452"/>
-          </a:xfrm>
-          <a:prstGeom prst="rect">
-            <a:avLst/>
-          </a:prstGeom>
-        </p:spPr>
-      </p:pic>
-    </p:spTree>
-    <p:extLst>
-      <p:ext uri="{BB962C8B-B14F-4D97-AF65-F5344CB8AC3E}">
-        <p14:creationId xmlns:p14="http://schemas.microsoft.com/office/powerpoint/2010/main" val="1769067111"/>
-      </p:ext>
-    </p:extLst>
-  </p:cSld>
-  <p:clrMapOvr>
-    <a:masterClrMapping/>
-  </p:clrMapOvr>
-  <p:timing>
-    <p:tnLst>
-      <p:par>
-        <p:cTn id="1" dur="indefinite" restart="never" nodeType="tmRoot"/>
-      </p:par>
-    </p:tnLst>
-  </p:timing>
-</p:sld>
-</file>
-
-<file path=ppt/slides/slide11.xml><?xml version="1.0" encoding="utf-8"?>
-<p:sld xmlns:a="http://schemas.openxmlformats.org/drawingml/2006/main" xmlns:r="http://schemas.openxmlformats.org/officeDocument/2006/relationships" xmlns:p="http://schemas.openxmlformats.org/presentationml/2006/main">
-  <p:cSld>
-    <p:spTree>
-      <p:nvGrpSpPr>
-        <p:cNvPr id="1" name=""/>
-        <p:cNvGrpSpPr/>
-        <p:nvPr/>
-      </p:nvGrpSpPr>
-      <p:grpSpPr>
-        <a:xfrm>
-          <a:off x="0" y="0"/>
-          <a:ext cx="0" cy="0"/>
-          <a:chOff x="0" y="0"/>
-          <a:chExt cx="0" cy="0"/>
-        </a:xfrm>
-      </p:grpSpPr>
-      <p:grpSp>
-        <p:nvGrpSpPr>
-          <p:cNvPr id="8" name="Grupo 7"/>
-          <p:cNvGrpSpPr/>
-          <p:nvPr/>
-        </p:nvGrpSpPr>
-        <p:grpSpPr>
-          <a:xfrm>
-            <a:off x="5460571" y="4882276"/>
-            <a:ext cx="3008536" cy="1706941"/>
-            <a:chOff x="468123" y="2026859"/>
-            <a:chExt cx="3008536" cy="1706941"/>
-          </a:xfrm>
-        </p:grpSpPr>
-        <p:pic>
-          <p:nvPicPr>
-            <p:cNvPr id="5" name="Imagen 4"/>
-            <p:cNvPicPr>
-              <a:picLocks noChangeAspect="1"/>
-            </p:cNvPicPr>
-            <p:nvPr/>
-          </p:nvPicPr>
-          <p:blipFill rotWithShape="1">
-            <a:blip r:embed="rId2">
-              <a:clrChange>
-                <a:clrFrom>
-                  <a:srgbClr val="262626"/>
-                </a:clrFrom>
-                <a:clrTo>
-                  <a:srgbClr val="262626">
-                    <a:alpha val="0"/>
-                  </a:srgbClr>
-                </a:clrTo>
-              </a:clrChange>
-            </a:blip>
-            <a:srcRect l="30083" t="43926" r="35916" b="20370"/>
-            <a:stretch/>
-          </p:blipFill>
-          <p:spPr>
-            <a:xfrm>
-              <a:off x="468123" y="2026859"/>
-              <a:ext cx="2537049" cy="1498600"/>
-            </a:xfrm>
-            <a:prstGeom prst="rect">
-              <a:avLst/>
-            </a:prstGeom>
-          </p:spPr>
-        </p:pic>
-        <p:sp>
-          <p:nvSpPr>
-            <p:cNvPr id="7" name="Rectángulo redondeado 6"/>
-            <p:cNvSpPr/>
-            <p:nvPr/>
-          </p:nvSpPr>
-          <p:spPr>
-            <a:xfrm>
-              <a:off x="2533684" y="3095625"/>
-              <a:ext cx="942975" cy="638175"/>
-            </a:xfrm>
-            <a:prstGeom prst="roundRect">
-              <a:avLst/>
-            </a:prstGeom>
-            <a:solidFill>
-              <a:schemeClr val="bg1"/>
-            </a:solidFill>
-            <a:ln>
-              <a:solidFill>
-                <a:schemeClr val="bg1"/>
-              </a:solidFill>
-            </a:ln>
-          </p:spPr>
-          <p:style>
-            <a:lnRef idx="2">
-              <a:schemeClr val="accent1">
-                <a:shade val="50000"/>
-              </a:schemeClr>
-            </a:lnRef>
-            <a:fillRef idx="1">
-              <a:schemeClr val="accent1"/>
-            </a:fillRef>
-            <a:effectRef idx="0">
-              <a:schemeClr val="accent1"/>
-            </a:effectRef>
-            <a:fontRef idx="minor">
-              <a:schemeClr val="lt1"/>
-            </a:fontRef>
-          </p:style>
-          <p:txBody>
-            <a:bodyPr rtlCol="0" anchor="ctr"/>
-            <a:lstStyle/>
-            <a:p>
-              <a:pPr algn="ctr"/>
-              <a:endParaRPr lang="es-ES"/>
-            </a:p>
-          </p:txBody>
-        </p:sp>
-      </p:grpSp>
-      <p:sp>
-        <p:nvSpPr>
-          <p:cNvPr id="4" name="Marcador de número de diapositiva 3">
-            <a:extLst>
-              <a:ext uri="{FF2B5EF4-FFF2-40B4-BE49-F238E27FC236}">
-                <a16:creationId xmlns:a16="http://schemas.microsoft.com/office/drawing/2014/main" xmlns="" id="{70E5FB58-2A6B-4635-9E5F-721FB4B3F5D2}"/>
-              </a:ext>
-            </a:extLst>
-          </p:cNvPr>
-          <p:cNvSpPr>
-            <a:spLocks noGrp="1"/>
-          </p:cNvSpPr>
-          <p:nvPr>
-            <p:ph type="sldNum" sz="quarter" idx="12"/>
-          </p:nvPr>
-        </p:nvSpPr>
-        <p:spPr/>
-        <p:txBody>
-          <a:bodyPr/>
-          <a:lstStyle/>
-          <a:p>
-            <a:fld id="{072220C6-3BBB-43D4-AF5F-545732F78A03}" type="slidenum">
-              <a:rPr lang="es-ES" smtClean="0"/>
-              <a:t>11</a:t>
-            </a:fld>
-            <a:endParaRPr lang="es-ES"/>
-          </a:p>
-        </p:txBody>
-      </p:sp>
-      <p:pic>
-        <p:nvPicPr>
-          <p:cNvPr id="3" name="Imagen 2"/>
-          <p:cNvPicPr>
-            <a:picLocks noChangeAspect="1"/>
-          </p:cNvPicPr>
-          <p:nvPr/>
-        </p:nvPicPr>
-        <p:blipFill rotWithShape="1">
-          <a:blip r:embed="rId3">
-            <a:clrChange>
-              <a:clrFrom>
-                <a:srgbClr val="262626"/>
-              </a:clrFrom>
-              <a:clrTo>
-                <a:srgbClr val="262626">
-                  <a:alpha val="0"/>
-                </a:srgbClr>
-              </a:clrTo>
-            </a:clrChange>
-          </a:blip>
-          <a:srcRect l="29000" t="26420" r="23750" b="8371"/>
-          <a:stretch/>
-        </p:blipFill>
-        <p:spPr>
-          <a:xfrm>
-            <a:off x="5863489" y="1010334"/>
-            <a:ext cx="6218736" cy="4827559"/>
-          </a:xfrm>
-          <a:prstGeom prst="rect">
-            <a:avLst/>
-          </a:prstGeom>
-        </p:spPr>
-      </p:pic>
-      <p:pic>
-        <p:nvPicPr>
-          <p:cNvPr id="24" name="Imagen 23"/>
-          <p:cNvPicPr>
-            <a:picLocks noChangeAspect="1"/>
-          </p:cNvPicPr>
-          <p:nvPr/>
-        </p:nvPicPr>
-        <p:blipFill>
-          <a:blip r:embed="rId4" cstate="print">
-            <a:extLst>
-              <a:ext uri="{28A0092B-C50C-407E-A947-70E740481C1C}">
-                <a14:useLocalDpi xmlns:a14="http://schemas.microsoft.com/office/drawing/2010/main" val="0"/>
-              </a:ext>
-            </a:extLst>
-          </a:blip>
-          <a:stretch>
-            <a:fillRect/>
-          </a:stretch>
-        </p:blipFill>
-        <p:spPr>
-          <a:xfrm>
-            <a:off x="88638" y="1678542"/>
-            <a:ext cx="5491913" cy="1866885"/>
-          </a:xfrm>
-          <a:prstGeom prst="rect">
-            <a:avLst/>
-          </a:prstGeom>
-        </p:spPr>
-      </p:pic>
-      <p:pic>
-        <p:nvPicPr>
-          <p:cNvPr id="25" name="Imagen 24"/>
-          <p:cNvPicPr>
-            <a:picLocks noChangeAspect="1"/>
-          </p:cNvPicPr>
-          <p:nvPr/>
-        </p:nvPicPr>
-        <p:blipFill>
-          <a:blip r:embed="rId5" cstate="print">
-            <a:extLst>
-              <a:ext uri="{28A0092B-C50C-407E-A947-70E740481C1C}">
-                <a14:useLocalDpi xmlns:a14="http://schemas.microsoft.com/office/drawing/2010/main" val="0"/>
-              </a:ext>
-            </a:extLst>
-          </a:blip>
-          <a:stretch>
-            <a:fillRect/>
-          </a:stretch>
-        </p:blipFill>
-        <p:spPr>
-          <a:xfrm>
-            <a:off x="88638" y="4891375"/>
-            <a:ext cx="5491912" cy="1906300"/>
-          </a:xfrm>
-          <a:prstGeom prst="rect">
-            <a:avLst/>
-          </a:prstGeom>
-        </p:spPr>
-      </p:pic>
-      <p:pic>
-        <p:nvPicPr>
-          <p:cNvPr id="26" name="Imagen 25"/>
-          <p:cNvPicPr>
-            <a:picLocks noChangeAspect="1"/>
-          </p:cNvPicPr>
-          <p:nvPr/>
-        </p:nvPicPr>
-        <p:blipFill>
-          <a:blip r:embed="rId6" cstate="print">
-            <a:extLst>
-              <a:ext uri="{28A0092B-C50C-407E-A947-70E740481C1C}">
-                <a14:useLocalDpi xmlns:a14="http://schemas.microsoft.com/office/drawing/2010/main" val="0"/>
-              </a:ext>
-            </a:extLst>
-          </a:blip>
-          <a:stretch>
-            <a:fillRect/>
-          </a:stretch>
-        </p:blipFill>
-        <p:spPr>
-          <a:xfrm>
-            <a:off x="88901" y="3280409"/>
-            <a:ext cx="5491602" cy="1875983"/>
-          </a:xfrm>
-          <a:prstGeom prst="rect">
-            <a:avLst/>
-          </a:prstGeom>
-        </p:spPr>
-      </p:pic>
-      <p:pic>
-        <p:nvPicPr>
-          <p:cNvPr id="27" name="Imagen 26"/>
-          <p:cNvPicPr>
-            <a:picLocks noChangeAspect="1"/>
-          </p:cNvPicPr>
-          <p:nvPr/>
-        </p:nvPicPr>
-        <p:blipFill>
-          <a:blip r:embed="rId7" cstate="print">
-            <a:extLst>
-              <a:ext uri="{28A0092B-C50C-407E-A947-70E740481C1C}">
-                <a14:useLocalDpi xmlns:a14="http://schemas.microsoft.com/office/drawing/2010/main" val="0"/>
-              </a:ext>
-            </a:extLst>
-          </a:blip>
-          <a:stretch>
-            <a:fillRect/>
-          </a:stretch>
-        </p:blipFill>
-        <p:spPr>
-          <a:xfrm>
-            <a:off x="88900" y="77108"/>
-            <a:ext cx="5491602" cy="1866452"/>
-          </a:xfrm>
-          <a:prstGeom prst="rect">
-            <a:avLst/>
-          </a:prstGeom>
-        </p:spPr>
-      </p:pic>
-    </p:spTree>
-    <p:extLst>
-      <p:ext uri="{BB962C8B-B14F-4D97-AF65-F5344CB8AC3E}">
-        <p14:creationId xmlns:p14="http://schemas.microsoft.com/office/powerpoint/2010/main" val="1065393698"/>
-      </p:ext>
-    </p:extLst>
-  </p:cSld>
-  <p:clrMapOvr>
-    <a:masterClrMapping/>
-  </p:clrMapOvr>
-  <p:timing>
-    <p:tnLst>
-      <p:par>
-        <p:cTn id="1" dur="indefinite" restart="never" nodeType="tmRoot"/>
-      </p:par>
-    </p:tnLst>
-  </p:timing>
-</p:sld>
-</file>
-
-<file path=ppt/slides/slide12.xml><?xml version="1.0" encoding="utf-8"?>
-<p:sld xmlns:a="http://schemas.openxmlformats.org/drawingml/2006/main" xmlns:r="http://schemas.openxmlformats.org/officeDocument/2006/relationships" xmlns:p="http://schemas.openxmlformats.org/presentationml/2006/main">
-  <p:cSld>
-    <p:spTree>
-      <p:nvGrpSpPr>
-        <p:cNvPr id="1" name=""/>
-        <p:cNvGrpSpPr/>
-        <p:nvPr/>
-      </p:nvGrpSpPr>
-      <p:grpSpPr>
-        <a:xfrm>
-          <a:off x="0" y="0"/>
-          <a:ext cx="0" cy="0"/>
-          <a:chOff x="0" y="0"/>
-          <a:chExt cx="0" cy="0"/>
-        </a:xfrm>
-      </p:grpSpPr>
-      <p:grpSp>
-        <p:nvGrpSpPr>
-          <p:cNvPr id="8" name="Grupo 7"/>
-          <p:cNvGrpSpPr/>
-          <p:nvPr/>
-        </p:nvGrpSpPr>
-        <p:grpSpPr>
-          <a:xfrm>
-            <a:off x="5460571" y="4882276"/>
-            <a:ext cx="3008536" cy="1706941"/>
-            <a:chOff x="468123" y="2026859"/>
-            <a:chExt cx="3008536" cy="1706941"/>
-          </a:xfrm>
-        </p:grpSpPr>
-        <p:pic>
-          <p:nvPicPr>
-            <p:cNvPr id="5" name="Imagen 4"/>
-            <p:cNvPicPr>
-              <a:picLocks noChangeAspect="1"/>
-            </p:cNvPicPr>
-            <p:nvPr/>
-          </p:nvPicPr>
-          <p:blipFill rotWithShape="1">
-            <a:blip r:embed="rId2">
-              <a:clrChange>
-                <a:clrFrom>
-                  <a:srgbClr val="262626"/>
-                </a:clrFrom>
-                <a:clrTo>
-                  <a:srgbClr val="262626">
-                    <a:alpha val="0"/>
-                  </a:srgbClr>
-                </a:clrTo>
-              </a:clrChange>
-            </a:blip>
-            <a:srcRect l="30083" t="43926" r="35916" b="20370"/>
-            <a:stretch/>
-          </p:blipFill>
-          <p:spPr>
-            <a:xfrm>
-              <a:off x="468123" y="2026859"/>
-              <a:ext cx="2537049" cy="1498600"/>
-            </a:xfrm>
-            <a:prstGeom prst="rect">
-              <a:avLst/>
-            </a:prstGeom>
-          </p:spPr>
-        </p:pic>
-        <p:sp>
-          <p:nvSpPr>
-            <p:cNvPr id="7" name="Rectángulo redondeado 6"/>
-            <p:cNvSpPr/>
-            <p:nvPr/>
-          </p:nvSpPr>
-          <p:spPr>
-            <a:xfrm>
-              <a:off x="2533684" y="3095625"/>
-              <a:ext cx="942975" cy="638175"/>
-            </a:xfrm>
-            <a:prstGeom prst="roundRect">
-              <a:avLst/>
-            </a:prstGeom>
-            <a:solidFill>
-              <a:schemeClr val="bg1"/>
-            </a:solidFill>
-            <a:ln>
-              <a:solidFill>
-                <a:schemeClr val="bg1"/>
-              </a:solidFill>
-            </a:ln>
-          </p:spPr>
-          <p:style>
-            <a:lnRef idx="2">
-              <a:schemeClr val="accent1">
-                <a:shade val="50000"/>
-              </a:schemeClr>
-            </a:lnRef>
-            <a:fillRef idx="1">
-              <a:schemeClr val="accent1"/>
-            </a:fillRef>
-            <a:effectRef idx="0">
-              <a:schemeClr val="accent1"/>
-            </a:effectRef>
-            <a:fontRef idx="minor">
-              <a:schemeClr val="lt1"/>
-            </a:fontRef>
-          </p:style>
-          <p:txBody>
-            <a:bodyPr rtlCol="0" anchor="ctr"/>
-            <a:lstStyle/>
-            <a:p>
-              <a:pPr algn="ctr"/>
-              <a:endParaRPr lang="es-ES"/>
-            </a:p>
-          </p:txBody>
-        </p:sp>
-      </p:grpSp>
-      <p:sp>
-        <p:nvSpPr>
-          <p:cNvPr id="4" name="Marcador de número de diapositiva 3">
-            <a:extLst>
-              <a:ext uri="{FF2B5EF4-FFF2-40B4-BE49-F238E27FC236}">
-                <a16:creationId xmlns:a16="http://schemas.microsoft.com/office/drawing/2014/main" xmlns="" id="{70E5FB58-2A6B-4635-9E5F-721FB4B3F5D2}"/>
-              </a:ext>
-            </a:extLst>
-          </p:cNvPr>
-          <p:cNvSpPr>
-            <a:spLocks noGrp="1"/>
-          </p:cNvSpPr>
-          <p:nvPr>
-            <p:ph type="sldNum" sz="quarter" idx="12"/>
-          </p:nvPr>
-        </p:nvSpPr>
-        <p:spPr/>
-        <p:txBody>
-          <a:bodyPr/>
-          <a:lstStyle/>
-          <a:p>
-            <a:fld id="{072220C6-3BBB-43D4-AF5F-545732F78A03}" type="slidenum">
-              <a:rPr lang="es-ES" smtClean="0"/>
-              <a:t>12</a:t>
-            </a:fld>
-            <a:endParaRPr lang="es-ES"/>
-          </a:p>
-        </p:txBody>
-      </p:sp>
-      <p:pic>
-        <p:nvPicPr>
-          <p:cNvPr id="3" name="Imagen 2"/>
-          <p:cNvPicPr>
-            <a:picLocks noChangeAspect="1"/>
-          </p:cNvPicPr>
-          <p:nvPr/>
-        </p:nvPicPr>
-        <p:blipFill rotWithShape="1">
-          <a:blip r:embed="rId3">
-            <a:clrChange>
-              <a:clrFrom>
-                <a:srgbClr val="262626"/>
-              </a:clrFrom>
-              <a:clrTo>
-                <a:srgbClr val="262626">
-                  <a:alpha val="0"/>
-                </a:srgbClr>
-              </a:clrTo>
-            </a:clrChange>
-          </a:blip>
-          <a:srcRect l="29000" t="26420" r="23750" b="8371"/>
-          <a:stretch/>
-        </p:blipFill>
-        <p:spPr>
-          <a:xfrm>
-            <a:off x="5863489" y="1010334"/>
-            <a:ext cx="6218736" cy="4827559"/>
-          </a:xfrm>
-          <a:prstGeom prst="rect">
-            <a:avLst/>
-          </a:prstGeom>
-        </p:spPr>
-      </p:pic>
-      <p:pic>
-        <p:nvPicPr>
-          <p:cNvPr id="24" name="Imagen 23"/>
-          <p:cNvPicPr>
-            <a:picLocks noChangeAspect="1"/>
-          </p:cNvPicPr>
-          <p:nvPr/>
-        </p:nvPicPr>
-        <p:blipFill>
-          <a:blip r:embed="rId4" cstate="print">
-            <a:extLst>
-              <a:ext uri="{28A0092B-C50C-407E-A947-70E740481C1C}">
-                <a14:useLocalDpi xmlns:a14="http://schemas.microsoft.com/office/drawing/2010/main" val="0"/>
-              </a:ext>
-            </a:extLst>
-          </a:blip>
-          <a:stretch>
-            <a:fillRect/>
-          </a:stretch>
-        </p:blipFill>
-        <p:spPr>
-          <a:xfrm>
-            <a:off x="88638" y="1678542"/>
-            <a:ext cx="5491913" cy="1866885"/>
-          </a:xfrm>
-          <a:prstGeom prst="rect">
-            <a:avLst/>
-          </a:prstGeom>
-        </p:spPr>
-      </p:pic>
-      <p:pic>
-        <p:nvPicPr>
-          <p:cNvPr id="25" name="Imagen 24"/>
-          <p:cNvPicPr>
-            <a:picLocks noChangeAspect="1"/>
-          </p:cNvPicPr>
-          <p:nvPr/>
-        </p:nvPicPr>
-        <p:blipFill>
-          <a:blip r:embed="rId5" cstate="print">
-            <a:extLst>
-              <a:ext uri="{28A0092B-C50C-407E-A947-70E740481C1C}">
-                <a14:useLocalDpi xmlns:a14="http://schemas.microsoft.com/office/drawing/2010/main" val="0"/>
-              </a:ext>
-            </a:extLst>
-          </a:blip>
-          <a:stretch>
-            <a:fillRect/>
-          </a:stretch>
-        </p:blipFill>
-        <p:spPr>
-          <a:xfrm>
-            <a:off x="88638" y="4891375"/>
-            <a:ext cx="5491912" cy="1906300"/>
-          </a:xfrm>
-          <a:prstGeom prst="rect">
-            <a:avLst/>
-          </a:prstGeom>
-        </p:spPr>
-      </p:pic>
-      <p:pic>
-        <p:nvPicPr>
-          <p:cNvPr id="26" name="Imagen 25"/>
-          <p:cNvPicPr>
-            <a:picLocks noChangeAspect="1"/>
-          </p:cNvPicPr>
-          <p:nvPr/>
-        </p:nvPicPr>
-        <p:blipFill>
-          <a:blip r:embed="rId6" cstate="print">
-            <a:extLst>
-              <a:ext uri="{28A0092B-C50C-407E-A947-70E740481C1C}">
-                <a14:useLocalDpi xmlns:a14="http://schemas.microsoft.com/office/drawing/2010/main" val="0"/>
-              </a:ext>
-            </a:extLst>
-          </a:blip>
-          <a:stretch>
-            <a:fillRect/>
-          </a:stretch>
-        </p:blipFill>
-        <p:spPr>
-          <a:xfrm>
-            <a:off x="88901" y="3280409"/>
-            <a:ext cx="5491602" cy="1875983"/>
-          </a:xfrm>
-          <a:prstGeom prst="rect">
-            <a:avLst/>
-          </a:prstGeom>
-        </p:spPr>
-      </p:pic>
-      <p:pic>
-        <p:nvPicPr>
-          <p:cNvPr id="27" name="Imagen 26"/>
-          <p:cNvPicPr>
-            <a:picLocks noChangeAspect="1"/>
-          </p:cNvPicPr>
-          <p:nvPr/>
-        </p:nvPicPr>
-        <p:blipFill>
-          <a:blip r:embed="rId7" cstate="print">
-            <a:extLst>
-              <a:ext uri="{28A0092B-C50C-407E-A947-70E740481C1C}">
-                <a14:useLocalDpi xmlns:a14="http://schemas.microsoft.com/office/drawing/2010/main" val="0"/>
-              </a:ext>
-            </a:extLst>
-          </a:blip>
-          <a:stretch>
-            <a:fillRect/>
-          </a:stretch>
-        </p:blipFill>
-        <p:spPr>
-          <a:xfrm>
-            <a:off x="88900" y="77108"/>
-            <a:ext cx="5491602" cy="1866452"/>
-          </a:xfrm>
-          <a:prstGeom prst="rect">
-            <a:avLst/>
-          </a:prstGeom>
-        </p:spPr>
-      </p:pic>
-    </p:spTree>
-    <p:extLst>
-      <p:ext uri="{BB962C8B-B14F-4D97-AF65-F5344CB8AC3E}">
-        <p14:creationId xmlns:p14="http://schemas.microsoft.com/office/powerpoint/2010/main" val="2942211762"/>
-      </p:ext>
-    </p:extLst>
-  </p:cSld>
-  <p:clrMapOvr>
-    <a:masterClrMapping/>
-  </p:clrMapOvr>
-  <p:timing>
-    <p:tnLst>
-      <p:par>
-        <p:cTn id="1" dur="indefinite" restart="never" nodeType="tmRoot"/>
-      </p:par>
-    </p:tnLst>
-  </p:timing>
-</p:sld>
-</file>
-
-<file path=ppt/slides/slide13.xml><?xml version="1.0" encoding="utf-8"?>
-<p:sld xmlns:a="http://schemas.openxmlformats.org/drawingml/2006/main" xmlns:r="http://schemas.openxmlformats.org/officeDocument/2006/relationships" xmlns:p="http://schemas.openxmlformats.org/presentationml/2006/main">
-  <p:cSld>
-    <p:spTree>
-      <p:nvGrpSpPr>
-        <p:cNvPr id="1" name=""/>
-        <p:cNvGrpSpPr/>
-        <p:nvPr/>
-      </p:nvGrpSpPr>
-      <p:grpSpPr>
-        <a:xfrm>
-          <a:off x="0" y="0"/>
-          <a:ext cx="0" cy="0"/>
-          <a:chOff x="0" y="0"/>
-          <a:chExt cx="0" cy="0"/>
-        </a:xfrm>
-      </p:grpSpPr>
-      <p:sp>
-        <p:nvSpPr>
-          <p:cNvPr id="6" name="CuadroTexto 5"/>
-          <p:cNvSpPr txBox="1"/>
-          <p:nvPr/>
-        </p:nvSpPr>
-        <p:spPr>
-          <a:xfrm>
-            <a:off x="3822700" y="4305301"/>
-            <a:ext cx="4165600" cy="646331"/>
-          </a:xfrm>
-          <a:prstGeom prst="rect">
-            <a:avLst/>
-          </a:prstGeom>
-          <a:noFill/>
-        </p:spPr>
-        <p:txBody>
-          <a:bodyPr wrap="square" rtlCol="0">
-            <a:spAutoFit/>
-          </a:bodyPr>
-          <a:lstStyle/>
-          <a:p>
-            <a:pPr algn="ctr"/>
-            <a:r>
-              <a:rPr lang="es-ES" dirty="0">
-                <a:hlinkClick r:id="rId2"/>
-              </a:rPr>
-              <a:t>http://127.0.0.1:5000</a:t>
-            </a:r>
-            <a:r>
-              <a:rPr lang="es-ES" dirty="0" smtClean="0">
-                <a:hlinkClick r:id="rId2"/>
-              </a:rPr>
-              <a:t>/</a:t>
-            </a:r>
-            <a:endParaRPr lang="es-ES" dirty="0" smtClean="0"/>
-          </a:p>
-          <a:p>
-            <a:pPr algn="ctr"/>
-            <a:endParaRPr lang="es-ES" dirty="0"/>
-          </a:p>
-        </p:txBody>
-      </p:sp>
-      <p:sp>
-        <p:nvSpPr>
-          <p:cNvPr id="7" name="CuadroTexto 6"/>
-          <p:cNvSpPr txBox="1"/>
-          <p:nvPr/>
-        </p:nvSpPr>
-        <p:spPr>
-          <a:xfrm>
-            <a:off x="3822700" y="2351781"/>
-            <a:ext cx="4165600" cy="1077218"/>
-          </a:xfrm>
-          <a:prstGeom prst="rect">
-            <a:avLst/>
-          </a:prstGeom>
-          <a:noFill/>
-        </p:spPr>
-        <p:txBody>
-          <a:bodyPr wrap="square" rtlCol="0">
-            <a:spAutoFit/>
-          </a:bodyPr>
-          <a:lstStyle/>
-          <a:p>
-            <a:pPr algn="ctr"/>
-            <a:r>
-              <a:rPr lang="es-ES" sz="3200" b="1" dirty="0" smtClean="0">
-                <a:latin typeface="Garamond" panose="02020404030301010803" pitchFamily="18" charset="0"/>
-              </a:rPr>
-              <a:t>Vamos a la API!!</a:t>
-            </a:r>
-          </a:p>
-          <a:p>
-            <a:pPr algn="ctr"/>
-            <a:endParaRPr lang="es-ES" sz="3200" b="1" dirty="0">
-              <a:latin typeface="Garamond" panose="02020404030301010803" pitchFamily="18" charset="0"/>
-            </a:endParaRPr>
-          </a:p>
-        </p:txBody>
-      </p:sp>
-      <p:pic>
-        <p:nvPicPr>
-          <p:cNvPr id="8" name="Imagen 7"/>
-          <p:cNvPicPr>
-            <a:picLocks noChangeAspect="1"/>
-          </p:cNvPicPr>
-          <p:nvPr/>
-        </p:nvPicPr>
-        <p:blipFill rotWithShape="1">
-          <a:blip r:embed="rId3"/>
-          <a:srcRect t="12033" b="20333"/>
-          <a:stretch/>
-        </p:blipFill>
-        <p:spPr>
-          <a:xfrm rot="16200000">
-            <a:off x="-2862226" y="2846786"/>
-            <a:ext cx="6858000" cy="1164431"/>
-          </a:xfrm>
-          <a:prstGeom prst="rect">
-            <a:avLst/>
-          </a:prstGeom>
-        </p:spPr>
-      </p:pic>
-      <p:pic>
-        <p:nvPicPr>
-          <p:cNvPr id="9" name="Imagen 8"/>
-          <p:cNvPicPr>
-            <a:picLocks noChangeAspect="1"/>
-          </p:cNvPicPr>
-          <p:nvPr/>
-        </p:nvPicPr>
-        <p:blipFill rotWithShape="1">
-          <a:blip r:embed="rId3"/>
-          <a:srcRect t="12033" b="20333"/>
-          <a:stretch/>
-        </p:blipFill>
-        <p:spPr>
-          <a:xfrm rot="16200000">
-            <a:off x="8167724" y="2856309"/>
-            <a:ext cx="6858000" cy="1164431"/>
-          </a:xfrm>
-          <a:prstGeom prst="rect">
-            <a:avLst/>
-          </a:prstGeom>
-        </p:spPr>
-      </p:pic>
-    </p:spTree>
-    <p:extLst>
-      <p:ext uri="{BB962C8B-B14F-4D97-AF65-F5344CB8AC3E}">
-        <p14:creationId xmlns:p14="http://schemas.microsoft.com/office/powerpoint/2010/main" val="4076958799"/>
-      </p:ext>
-    </p:extLst>
-  </p:cSld>
-  <p:clrMapOvr>
-    <a:masterClrMapping/>
-  </p:clrMapOvr>
-  <p:timing>
-    <p:tnLst>
-      <p:par>
-        <p:cTn id="1" dur="indefinite" restart="never" nodeType="tmRoot"/>
-      </p:par>
-    </p:tnLst>
-  </p:timing>
-</p:sld>
-</file>
-
-<file path=ppt/slides/slide2.xml><?xml version="1.0" encoding="utf-8"?>
-<p:sld xmlns:a="http://schemas.openxmlformats.org/drawingml/2006/main" xmlns:r="http://schemas.openxmlformats.org/officeDocument/2006/relationships" xmlns:p="http://schemas.openxmlformats.org/presentationml/2006/main">
-  <p:cSld>
-    <p:spTree>
-      <p:nvGrpSpPr>
-        <p:cNvPr id="1" name=""/>
-        <p:cNvGrpSpPr/>
-        <p:nvPr/>
-      </p:nvGrpSpPr>
-      <p:grpSpPr>
-        <a:xfrm>
-          <a:off x="0" y="0"/>
-          <a:ext cx="0" cy="0"/>
-          <a:chOff x="0" y="0"/>
-          <a:chExt cx="0" cy="0"/>
-        </a:xfrm>
-      </p:grpSpPr>
-      <p:sp>
-        <p:nvSpPr>
-          <p:cNvPr id="4" name="Marcador de número de diapositiva 3">
-            <a:extLst>
-              <a:ext uri="{FF2B5EF4-FFF2-40B4-BE49-F238E27FC236}">
-                <a16:creationId xmlns:a16="http://schemas.microsoft.com/office/drawing/2014/main" xmlns="" id="{70E5FB58-2A6B-4635-9E5F-721FB4B3F5D2}"/>
-              </a:ext>
-            </a:extLst>
-          </p:cNvPr>
-          <p:cNvSpPr>
-            <a:spLocks noGrp="1"/>
-          </p:cNvSpPr>
-          <p:nvPr>
-            <p:ph type="sldNum" sz="quarter" idx="12"/>
-          </p:nvPr>
-        </p:nvSpPr>
-        <p:spPr/>
-        <p:txBody>
-          <a:bodyPr/>
-          <a:lstStyle/>
-          <a:p>
-            <a:fld id="{072220C6-3BBB-43D4-AF5F-545732F78A03}" type="slidenum">
-              <a:rPr lang="es-ES" smtClean="0"/>
-              <a:t>2</a:t>
-            </a:fld>
-            <a:endParaRPr lang="es-ES"/>
-          </a:p>
-        </p:txBody>
-      </p:sp>
-      <p:sp>
-        <p:nvSpPr>
-          <p:cNvPr id="44" name="Rectángulo 43">
-            <a:extLst>
-              <a:ext uri="{FF2B5EF4-FFF2-40B4-BE49-F238E27FC236}">
-                <a16:creationId xmlns:a16="http://schemas.microsoft.com/office/drawing/2014/main" xmlns="" id="{7D7F5ED2-13EB-42DF-ABEB-2FEFDAC33156}"/>
-              </a:ext>
-            </a:extLst>
-          </p:cNvPr>
-          <p:cNvSpPr/>
-          <p:nvPr/>
-        </p:nvSpPr>
-        <p:spPr>
-          <a:xfrm>
-            <a:off x="1970521" y="0"/>
-            <a:ext cx="259163" cy="838200"/>
-          </a:xfrm>
-          <a:prstGeom prst="rect">
-            <a:avLst/>
-          </a:prstGeom>
-          <a:solidFill>
-            <a:schemeClr val="bg1"/>
-          </a:solidFill>
-          <a:ln>
-            <a:solidFill>
-              <a:schemeClr val="bg1"/>
-            </a:solidFill>
-          </a:ln>
-        </p:spPr>
-        <p:style>
-          <a:lnRef idx="2">
-            <a:schemeClr val="accent1">
-              <a:shade val="50000"/>
-            </a:schemeClr>
-          </a:lnRef>
-          <a:fillRef idx="1">
-            <a:schemeClr val="accent1"/>
-          </a:fillRef>
-          <a:effectRef idx="0">
-            <a:schemeClr val="accent1"/>
-          </a:effectRef>
-          <a:fontRef idx="minor">
-            <a:schemeClr val="lt1"/>
-          </a:fontRef>
-        </p:style>
-        <p:txBody>
-          <a:bodyPr rtlCol="0" anchor="ctr"/>
-          <a:lstStyle/>
-          <a:p>
-            <a:pPr algn="ctr"/>
-            <a:endParaRPr lang="en-GB"/>
-          </a:p>
-        </p:txBody>
-      </p:sp>
-      <p:sp>
-        <p:nvSpPr>
-          <p:cNvPr id="45" name="CuadroTexto 44">
-            <a:extLst>
-              <a:ext uri="{FF2B5EF4-FFF2-40B4-BE49-F238E27FC236}">
-                <a16:creationId xmlns:a16="http://schemas.microsoft.com/office/drawing/2014/main" xmlns="" id="{F7D5DC0D-EB0C-4384-9E7E-FEDB7CEB544C}"/>
-              </a:ext>
-            </a:extLst>
-          </p:cNvPr>
-          <p:cNvSpPr txBox="1"/>
-          <p:nvPr/>
-        </p:nvSpPr>
-        <p:spPr>
-          <a:xfrm>
-            <a:off x="3396063" y="1690063"/>
-            <a:ext cx="7564037" cy="3477875"/>
-          </a:xfrm>
-          <a:prstGeom prst="rect">
-            <a:avLst/>
-          </a:prstGeom>
-          <a:noFill/>
-        </p:spPr>
-        <p:txBody>
-          <a:bodyPr wrap="square" rtlCol="0">
-            <a:spAutoFit/>
-          </a:bodyPr>
-          <a:lstStyle/>
-          <a:p>
-            <a:pPr marL="285750" indent="-285750">
-              <a:lnSpc>
-                <a:spcPct val="250000"/>
-              </a:lnSpc>
-              <a:buClr>
-                <a:schemeClr val="accent6">
-                  <a:lumMod val="75000"/>
-                </a:schemeClr>
-              </a:buClr>
-              <a:buFont typeface="Arial" panose="020B0604020202020204" pitchFamily="34" charset="0"/>
-              <a:buChar char="•"/>
-            </a:pPr>
-            <a:r>
-              <a:rPr lang="en-GB" sz="2200" dirty="0" smtClean="0">
-                <a:latin typeface="Garamond" panose="02020404030301010803" pitchFamily="18" charset="0"/>
-              </a:rPr>
-              <a:t>¿</a:t>
-            </a:r>
-            <a:r>
-              <a:rPr lang="en-GB" sz="2200" dirty="0" err="1" smtClean="0">
-                <a:latin typeface="Garamond" panose="02020404030301010803" pitchFamily="18" charset="0"/>
-              </a:rPr>
-              <a:t>Por</a:t>
-            </a:r>
-            <a:r>
-              <a:rPr lang="en-GB" sz="2200" dirty="0" smtClean="0">
-                <a:latin typeface="Garamond" panose="02020404030301010803" pitchFamily="18" charset="0"/>
-              </a:rPr>
-              <a:t> </a:t>
-            </a:r>
-            <a:r>
-              <a:rPr lang="en-GB" sz="2200" dirty="0" err="1" smtClean="0">
-                <a:latin typeface="Garamond" panose="02020404030301010803" pitchFamily="18" charset="0"/>
-              </a:rPr>
-              <a:t>qué</a:t>
-            </a:r>
-            <a:r>
-              <a:rPr lang="en-GB" sz="2200" dirty="0" smtClean="0">
-                <a:latin typeface="Garamond" panose="02020404030301010803" pitchFamily="18" charset="0"/>
-              </a:rPr>
-              <a:t> </a:t>
-            </a:r>
-            <a:r>
-              <a:rPr lang="en-GB" sz="2200" dirty="0" err="1" smtClean="0">
-                <a:latin typeface="Garamond" panose="02020404030301010803" pitchFamily="18" charset="0"/>
-              </a:rPr>
-              <a:t>una</a:t>
-            </a:r>
-            <a:r>
-              <a:rPr lang="en-GB" sz="2200" dirty="0" smtClean="0">
-                <a:latin typeface="Garamond" panose="02020404030301010803" pitchFamily="18" charset="0"/>
-              </a:rPr>
-              <a:t> API para </a:t>
-            </a:r>
-            <a:r>
-              <a:rPr lang="en-GB" sz="2200" dirty="0" err="1" smtClean="0">
-                <a:latin typeface="Garamond" panose="02020404030301010803" pitchFamily="18" charset="0"/>
-              </a:rPr>
-              <a:t>buscar</a:t>
-            </a:r>
-            <a:r>
-              <a:rPr lang="en-GB" sz="2200" dirty="0" smtClean="0">
-                <a:latin typeface="Garamond" panose="02020404030301010803" pitchFamily="18" charset="0"/>
-              </a:rPr>
-              <a:t> </a:t>
-            </a:r>
-            <a:r>
-              <a:rPr lang="en-GB" sz="2200" dirty="0" err="1" smtClean="0">
-                <a:latin typeface="Garamond" panose="02020404030301010803" pitchFamily="18" charset="0"/>
-              </a:rPr>
-              <a:t>localizaciones</a:t>
-            </a:r>
-            <a:r>
-              <a:rPr lang="en-GB" sz="2200" dirty="0" smtClean="0">
-                <a:latin typeface="Garamond" panose="02020404030301010803" pitchFamily="18" charset="0"/>
-              </a:rPr>
-              <a:t> de </a:t>
-            </a:r>
-            <a:r>
-              <a:rPr lang="en-GB" sz="2200" dirty="0" err="1" smtClean="0">
-                <a:latin typeface="Garamond" panose="02020404030301010803" pitchFamily="18" charset="0"/>
-              </a:rPr>
-              <a:t>especies</a:t>
-            </a:r>
-            <a:r>
-              <a:rPr lang="en-GB" sz="2200" dirty="0" smtClean="0">
-                <a:latin typeface="Garamond" panose="02020404030301010803" pitchFamily="18" charset="0"/>
-              </a:rPr>
-              <a:t>?</a:t>
-            </a:r>
-            <a:endParaRPr lang="en-GB" sz="2200" dirty="0">
-              <a:latin typeface="Garamond" panose="02020404030301010803" pitchFamily="18" charset="0"/>
-            </a:endParaRPr>
-          </a:p>
-          <a:p>
-            <a:pPr marL="285750" indent="-285750">
-              <a:lnSpc>
-                <a:spcPct val="250000"/>
-              </a:lnSpc>
-              <a:buClr>
-                <a:schemeClr val="accent6">
-                  <a:lumMod val="75000"/>
-                </a:schemeClr>
-              </a:buClr>
-              <a:buFont typeface="Arial" panose="020B0604020202020204" pitchFamily="34" charset="0"/>
-              <a:buChar char="•"/>
-            </a:pPr>
-            <a:r>
-              <a:rPr lang="en-GB" sz="2200" dirty="0" err="1" smtClean="0">
-                <a:latin typeface="Garamond" panose="02020404030301010803" pitchFamily="18" charset="0"/>
-              </a:rPr>
-              <a:t>Herramientas</a:t>
-            </a:r>
-            <a:r>
-              <a:rPr lang="en-GB" sz="2200" dirty="0" smtClean="0">
-                <a:latin typeface="Garamond" panose="02020404030301010803" pitchFamily="18" charset="0"/>
-              </a:rPr>
-              <a:t> </a:t>
-            </a:r>
-            <a:r>
-              <a:rPr lang="en-GB" sz="2200" dirty="0" err="1" smtClean="0">
-                <a:latin typeface="Garamond" panose="02020404030301010803" pitchFamily="18" charset="0"/>
-              </a:rPr>
-              <a:t>utilizadas</a:t>
-            </a:r>
-            <a:endParaRPr lang="en-GB" sz="2200" dirty="0">
-              <a:latin typeface="Garamond" panose="02020404030301010803" pitchFamily="18" charset="0"/>
-            </a:endParaRPr>
-          </a:p>
-          <a:p>
-            <a:pPr marL="285750" indent="-285750">
-              <a:lnSpc>
-                <a:spcPct val="250000"/>
-              </a:lnSpc>
-              <a:buClr>
-                <a:schemeClr val="accent6">
-                  <a:lumMod val="75000"/>
-                </a:schemeClr>
-              </a:buClr>
-              <a:buFont typeface="Arial" panose="020B0604020202020204" pitchFamily="34" charset="0"/>
-              <a:buChar char="•"/>
-            </a:pPr>
-            <a:r>
-              <a:rPr lang="en-GB" sz="2200" dirty="0" err="1">
-                <a:latin typeface="Garamond" panose="02020404030301010803" pitchFamily="18" charset="0"/>
-              </a:rPr>
-              <a:t>Resumen</a:t>
-            </a:r>
-            <a:r>
-              <a:rPr lang="en-GB" sz="2200" dirty="0">
-                <a:latin typeface="Garamond" panose="02020404030301010803" pitchFamily="18" charset="0"/>
-              </a:rPr>
-              <a:t> de los </a:t>
-            </a:r>
-            <a:r>
-              <a:rPr lang="en-GB" sz="2200" dirty="0" err="1">
-                <a:latin typeface="Garamond" panose="02020404030301010803" pitchFamily="18" charset="0"/>
-              </a:rPr>
-              <a:t>datos</a:t>
-            </a:r>
-            <a:r>
-              <a:rPr lang="en-GB" sz="2200" dirty="0">
-                <a:latin typeface="Garamond" panose="02020404030301010803" pitchFamily="18" charset="0"/>
-              </a:rPr>
-              <a:t> </a:t>
-            </a:r>
-            <a:r>
-              <a:rPr lang="en-GB" sz="2200" dirty="0" err="1">
-                <a:latin typeface="Garamond" panose="02020404030301010803" pitchFamily="18" charset="0"/>
-              </a:rPr>
-              <a:t>que</a:t>
-            </a:r>
-            <a:r>
-              <a:rPr lang="en-GB" sz="2200" dirty="0">
-                <a:latin typeface="Garamond" panose="02020404030301010803" pitchFamily="18" charset="0"/>
-              </a:rPr>
-              <a:t> </a:t>
-            </a:r>
-            <a:r>
-              <a:rPr lang="en-GB" sz="2200" dirty="0" err="1">
-                <a:latin typeface="Garamond" panose="02020404030301010803" pitchFamily="18" charset="0"/>
-              </a:rPr>
-              <a:t>tenemos</a:t>
-            </a:r>
-            <a:r>
-              <a:rPr lang="en-GB" sz="2200" dirty="0">
-                <a:latin typeface="Garamond" panose="02020404030301010803" pitchFamily="18" charset="0"/>
-              </a:rPr>
-              <a:t> en la </a:t>
-            </a:r>
-            <a:r>
-              <a:rPr lang="en-GB" sz="2200" dirty="0" smtClean="0">
-                <a:latin typeface="Garamond" panose="02020404030301010803" pitchFamily="18" charset="0"/>
-              </a:rPr>
-              <a:t>API</a:t>
-            </a:r>
-            <a:endParaRPr lang="en-GB" sz="2200" dirty="0" smtClean="0">
-              <a:latin typeface="Garamond" panose="02020404030301010803" pitchFamily="18" charset="0"/>
-            </a:endParaRPr>
-          </a:p>
-          <a:p>
-            <a:pPr marL="285750" indent="-285750">
-              <a:lnSpc>
-                <a:spcPct val="250000"/>
-              </a:lnSpc>
-              <a:buClr>
-                <a:schemeClr val="accent6">
-                  <a:lumMod val="75000"/>
-                </a:schemeClr>
-              </a:buClr>
-              <a:buFont typeface="Arial" panose="020B0604020202020204" pitchFamily="34" charset="0"/>
-              <a:buChar char="•"/>
-            </a:pPr>
-            <a:r>
-              <a:rPr lang="en-GB" sz="2200" dirty="0" err="1" smtClean="0">
-                <a:latin typeface="Garamond" panose="02020404030301010803" pitchFamily="18" charset="0"/>
-              </a:rPr>
-              <a:t>Algunos</a:t>
-            </a:r>
-            <a:r>
-              <a:rPr lang="en-GB" sz="2200" dirty="0" smtClean="0">
-                <a:latin typeface="Garamond" panose="02020404030301010803" pitchFamily="18" charset="0"/>
-              </a:rPr>
-              <a:t> </a:t>
-            </a:r>
-            <a:r>
-              <a:rPr lang="en-GB" sz="2200" dirty="0" err="1" smtClean="0">
-                <a:latin typeface="Garamond" panose="02020404030301010803" pitchFamily="18" charset="0"/>
-              </a:rPr>
-              <a:t>ejemplos</a:t>
-            </a:r>
-            <a:r>
-              <a:rPr lang="en-GB" sz="2200" dirty="0" smtClean="0">
-                <a:latin typeface="Garamond" panose="02020404030301010803" pitchFamily="18" charset="0"/>
-              </a:rPr>
-              <a:t> </a:t>
-            </a:r>
-            <a:r>
-              <a:rPr lang="en-GB" sz="2200" dirty="0" err="1" smtClean="0">
-                <a:latin typeface="Garamond" panose="02020404030301010803" pitchFamily="18" charset="0"/>
-              </a:rPr>
-              <a:t>ejemplos</a:t>
-            </a:r>
-            <a:r>
-              <a:rPr lang="en-GB" sz="2200" dirty="0" smtClean="0">
-                <a:latin typeface="Garamond" panose="02020404030301010803" pitchFamily="18" charset="0"/>
-              </a:rPr>
-              <a:t> </a:t>
-            </a:r>
-            <a:r>
-              <a:rPr lang="en-GB" sz="2200" dirty="0" err="1" smtClean="0">
-                <a:latin typeface="Garamond" panose="02020404030301010803" pitchFamily="18" charset="0"/>
-              </a:rPr>
-              <a:t>desde</a:t>
-            </a:r>
-            <a:r>
-              <a:rPr lang="en-GB" sz="2200" dirty="0" smtClean="0">
-                <a:latin typeface="Garamond" panose="02020404030301010803" pitchFamily="18" charset="0"/>
-              </a:rPr>
-              <a:t> la </a:t>
-            </a:r>
-            <a:r>
-              <a:rPr lang="en-GB" sz="2200" dirty="0" smtClean="0">
-                <a:latin typeface="Garamond" panose="02020404030301010803" pitchFamily="18" charset="0"/>
-              </a:rPr>
-              <a:t>API</a:t>
-            </a:r>
-            <a:endParaRPr lang="en-GB" sz="2200" dirty="0">
-              <a:latin typeface="Garamond" panose="02020404030301010803" pitchFamily="18" charset="0"/>
-            </a:endParaRPr>
-          </a:p>
-        </p:txBody>
-      </p:sp>
-      <p:pic>
-        <p:nvPicPr>
-          <p:cNvPr id="8" name="Imagen 7"/>
-          <p:cNvPicPr>
-            <a:picLocks noChangeAspect="1"/>
-          </p:cNvPicPr>
-          <p:nvPr/>
-        </p:nvPicPr>
-        <p:blipFill rotWithShape="1">
-          <a:blip r:embed="rId2"/>
-          <a:srcRect t="12033" b="20333"/>
-          <a:stretch/>
-        </p:blipFill>
-        <p:spPr>
-          <a:xfrm rot="16200000">
-            <a:off x="-2862226" y="2846786"/>
-            <a:ext cx="6858000" cy="1164431"/>
-          </a:xfrm>
-          <a:prstGeom prst="rect">
-            <a:avLst/>
-          </a:prstGeom>
-        </p:spPr>
-      </p:pic>
-    </p:spTree>
-    <p:extLst>
-      <p:ext uri="{BB962C8B-B14F-4D97-AF65-F5344CB8AC3E}">
-        <p14:creationId xmlns:p14="http://schemas.microsoft.com/office/powerpoint/2010/main" val="1944383762"/>
-      </p:ext>
-    </p:extLst>
-  </p:cSld>
-  <p:clrMapOvr>
-    <a:masterClrMapping/>
-  </p:clrMapOvr>
-  <p:timing>
-    <p:tnLst>
-      <p:par>
-        <p:cTn id="1" dur="indefinite" restart="never" nodeType="tmRoot"/>
-      </p:par>
-    </p:tnLst>
-  </p:timing>
-</p:sld>
-</file>
-
-<file path=ppt/slides/slide3.xml><?xml version="1.0" encoding="utf-8"?>
-<p:sld xmlns:a="http://schemas.openxmlformats.org/drawingml/2006/main" xmlns:r="http://schemas.openxmlformats.org/officeDocument/2006/relationships" xmlns:p="http://schemas.openxmlformats.org/presentationml/2006/main">
-  <p:cSld>
-    <p:spTree>
-      <p:nvGrpSpPr>
-        <p:cNvPr id="1" name=""/>
-        <p:cNvGrpSpPr/>
-        <p:nvPr/>
-      </p:nvGrpSpPr>
-      <p:grpSpPr>
-        <a:xfrm>
-          <a:off x="0" y="0"/>
-          <a:ext cx="0" cy="0"/>
-          <a:chOff x="0" y="0"/>
-          <a:chExt cx="0" cy="0"/>
-        </a:xfrm>
-      </p:grpSpPr>
-      <p:pic>
-        <p:nvPicPr>
-          <p:cNvPr id="6" name="Marcador de contenido 5"/>
-          <p:cNvPicPr>
-            <a:picLocks noGrp="1" noChangeAspect="1"/>
-          </p:cNvPicPr>
-          <p:nvPr>
-            <p:ph idx="1"/>
-          </p:nvPr>
-        </p:nvPicPr>
-        <p:blipFill>
-          <a:blip r:embed="rId2">
-            <a:extLst>
-              <a:ext uri="{BEBA8EAE-BF5A-486C-A8C5-ECC9F3942E4B}">
-                <a14:imgProps xmlns:a14="http://schemas.microsoft.com/office/drawing/2010/main">
-                  <a14:imgLayer r:embed="rId3">
-                    <a14:imgEffect>
-                      <a14:artisticPlasticWrap/>
-                    </a14:imgEffect>
-                  </a14:imgLayer>
-                </a14:imgProps>
-              </a:ext>
-            </a:extLst>
-          </a:blip>
-          <a:stretch>
-            <a:fillRect/>
-          </a:stretch>
-        </p:blipFill>
-        <p:spPr>
-          <a:xfrm>
-            <a:off x="338819" y="550721"/>
-            <a:ext cx="10911072" cy="6130636"/>
-          </a:xfrm>
-          <a:prstGeom prst="rect">
-            <a:avLst/>
-          </a:prstGeom>
-        </p:spPr>
-      </p:pic>
-      <p:sp>
-        <p:nvSpPr>
-          <p:cNvPr id="7" name="CuadroTexto 6"/>
-          <p:cNvSpPr txBox="1"/>
-          <p:nvPr/>
-        </p:nvSpPr>
-        <p:spPr>
-          <a:xfrm>
-            <a:off x="338819" y="1997839"/>
-            <a:ext cx="2581026" cy="2862322"/>
-          </a:xfrm>
-          <a:prstGeom prst="rect">
-            <a:avLst/>
-          </a:prstGeom>
-          <a:noFill/>
-        </p:spPr>
-        <p:txBody>
-          <a:bodyPr wrap="square" rtlCol="0">
-            <a:spAutoFit/>
-          </a:bodyPr>
-          <a:lstStyle/>
-          <a:p>
-            <a:pPr algn="ctr"/>
-            <a:r>
-              <a:rPr lang="es-ES" sz="3600" b="1" dirty="0" smtClean="0">
-                <a:latin typeface="Garamond" panose="02020404030301010803" pitchFamily="18" charset="0"/>
-              </a:rPr>
-              <a:t>Pero….</a:t>
-            </a:r>
-          </a:p>
-          <a:p>
-            <a:pPr algn="ctr"/>
-            <a:r>
-              <a:rPr lang="es-ES" sz="3600" b="1" dirty="0" smtClean="0">
-                <a:latin typeface="Garamond" panose="02020404030301010803" pitchFamily="18" charset="0"/>
-              </a:rPr>
-              <a:t> </a:t>
-            </a:r>
-          </a:p>
-          <a:p>
-            <a:pPr algn="ctr"/>
-            <a:r>
-              <a:rPr lang="es-ES" sz="3600" b="1" dirty="0" smtClean="0">
-                <a:latin typeface="Garamond" panose="02020404030301010803" pitchFamily="18" charset="0"/>
-              </a:rPr>
-              <a:t>¿Porque este proyecto?</a:t>
-            </a:r>
-            <a:endParaRPr lang="es-ES" sz="3600" b="1" dirty="0">
-              <a:latin typeface="Garamond" panose="02020404030301010803" pitchFamily="18" charset="0"/>
-            </a:endParaRPr>
-          </a:p>
-        </p:txBody>
-      </p:sp>
-    </p:spTree>
-    <p:extLst>
-      <p:ext uri="{BB962C8B-B14F-4D97-AF65-F5344CB8AC3E}">
-        <p14:creationId xmlns:p14="http://schemas.microsoft.com/office/powerpoint/2010/main" val="2837678414"/>
-      </p:ext>
-    </p:extLst>
-  </p:cSld>
-  <p:clrMapOvr>
-    <a:masterClrMapping/>
-  </p:clrMapOvr>
-  <p:timing>
-    <p:tnLst>
-      <p:par>
-        <p:cTn id="1" dur="indefinite" restart="never" nodeType="tmRoot"/>
-      </p:par>
-    </p:tnLst>
-  </p:timing>
-</p:sld>
-</file>
-
-<file path=ppt/slides/slide4.xml><?xml version="1.0" encoding="utf-8"?>
-<p:sld xmlns:a="http://schemas.openxmlformats.org/drawingml/2006/main" xmlns:r="http://schemas.openxmlformats.org/officeDocument/2006/relationships" xmlns:p="http://schemas.openxmlformats.org/presentationml/2006/main">
-  <p:cSld>
-    <p:spTree>
-      <p:nvGrpSpPr>
-        <p:cNvPr id="1" name=""/>
-        <p:cNvGrpSpPr/>
-        <p:nvPr/>
-      </p:nvGrpSpPr>
-      <p:grpSpPr>
-        <a:xfrm>
-          <a:off x="0" y="0"/>
-          <a:ext cx="0" cy="0"/>
-          <a:chOff x="0" y="0"/>
-          <a:chExt cx="0" cy="0"/>
-        </a:xfrm>
-      </p:grpSpPr>
-      <p:sp>
-        <p:nvSpPr>
-          <p:cNvPr id="4" name="Marcador de número de diapositiva 3">
-            <a:extLst>
-              <a:ext uri="{FF2B5EF4-FFF2-40B4-BE49-F238E27FC236}">
-                <a16:creationId xmlns:a16="http://schemas.microsoft.com/office/drawing/2014/main" xmlns="" id="{7BF440B6-5B25-452B-92AF-7A7005307F73}"/>
-              </a:ext>
-            </a:extLst>
-          </p:cNvPr>
-          <p:cNvSpPr>
-            <a:spLocks noGrp="1"/>
-          </p:cNvSpPr>
-          <p:nvPr>
-            <p:ph type="sldNum" sz="quarter" idx="12"/>
-          </p:nvPr>
-        </p:nvSpPr>
-        <p:spPr/>
-        <p:txBody>
-          <a:bodyPr/>
-          <a:lstStyle/>
-          <a:p>
-            <a:fld id="{072220C6-3BBB-43D4-AF5F-545732F78A03}" type="slidenum">
-              <a:rPr lang="es-ES" smtClean="0"/>
-              <a:t>4</a:t>
-            </a:fld>
-            <a:endParaRPr lang="es-ES"/>
-          </a:p>
-        </p:txBody>
-      </p:sp>
-      <p:grpSp>
-        <p:nvGrpSpPr>
-          <p:cNvPr id="2" name="Grupo 1"/>
-          <p:cNvGrpSpPr/>
-          <p:nvPr/>
-        </p:nvGrpSpPr>
-        <p:grpSpPr>
-          <a:xfrm>
-            <a:off x="2501630" y="1416725"/>
-            <a:ext cx="2997128" cy="3277436"/>
-            <a:chOff x="1265662" y="459365"/>
-            <a:chExt cx="3202384" cy="3411195"/>
-          </a:xfrm>
-        </p:grpSpPr>
-        <p:sp>
-          <p:nvSpPr>
-            <p:cNvPr id="5" name="Rectángulo: esquinas redondeadas 4">
-              <a:extLst>
-                <a:ext uri="{FF2B5EF4-FFF2-40B4-BE49-F238E27FC236}">
-                  <a16:creationId xmlns:a16="http://schemas.microsoft.com/office/drawing/2014/main" xmlns="" id="{15DB727B-D55A-4720-86D2-AE9BD20E0FBD}"/>
-                </a:ext>
-              </a:extLst>
-            </p:cNvPr>
-            <p:cNvSpPr/>
-            <p:nvPr/>
-          </p:nvSpPr>
-          <p:spPr>
-            <a:xfrm>
-              <a:off x="1265664" y="459365"/>
-              <a:ext cx="3202382" cy="3411195"/>
-            </a:xfrm>
-            <a:prstGeom prst="roundRect">
-              <a:avLst/>
-            </a:prstGeom>
-            <a:noFill/>
-            <a:ln w="28575">
-              <a:solidFill>
-                <a:srgbClr val="238D8A"/>
-              </a:solidFill>
-            </a:ln>
-          </p:spPr>
-          <p:style>
-            <a:lnRef idx="2">
-              <a:schemeClr val="accent1">
-                <a:shade val="50000"/>
-              </a:schemeClr>
-            </a:lnRef>
-            <a:fillRef idx="1">
-              <a:schemeClr val="accent1"/>
-            </a:fillRef>
-            <a:effectRef idx="0">
-              <a:schemeClr val="accent1"/>
-            </a:effectRef>
-            <a:fontRef idx="minor">
-              <a:schemeClr val="lt1"/>
-            </a:fontRef>
-          </p:style>
-          <p:txBody>
-            <a:bodyPr rtlCol="0" anchor="ctr"/>
-            <a:lstStyle/>
-            <a:p>
-              <a:pPr algn="ctr"/>
-              <a:endParaRPr lang="en-GB"/>
-            </a:p>
-          </p:txBody>
-        </p:sp>
-        <p:sp>
-          <p:nvSpPr>
-            <p:cNvPr id="34" name="CuadroTexto 33">
-              <a:extLst>
-                <a:ext uri="{FF2B5EF4-FFF2-40B4-BE49-F238E27FC236}">
-                  <a16:creationId xmlns:a16="http://schemas.microsoft.com/office/drawing/2014/main" xmlns="" id="{59E895E3-AEF8-41B8-96BC-6F3A2FA73FB1}"/>
-                </a:ext>
-              </a:extLst>
-            </p:cNvPr>
-            <p:cNvSpPr txBox="1"/>
-            <p:nvPr/>
-          </p:nvSpPr>
-          <p:spPr>
-            <a:xfrm>
-              <a:off x="1338374" y="648880"/>
-              <a:ext cx="3039073" cy="1107996"/>
-            </a:xfrm>
-            <a:prstGeom prst="rect">
-              <a:avLst/>
-            </a:prstGeom>
-            <a:noFill/>
-          </p:spPr>
-          <p:txBody>
-            <a:bodyPr wrap="square" rtlCol="0">
-              <a:spAutoFit/>
-            </a:bodyPr>
-            <a:lstStyle/>
-            <a:p>
-              <a:pPr algn="ctr"/>
-              <a:r>
-                <a:rPr lang="en-GB" sz="2200" b="1" dirty="0" smtClean="0">
-                  <a:latin typeface="Garamond" panose="02020404030301010803" pitchFamily="18" charset="0"/>
-                </a:rPr>
-                <a:t>Base de </a:t>
-              </a:r>
-              <a:r>
-                <a:rPr lang="en-GB" sz="2200" b="1" dirty="0" err="1" smtClean="0">
-                  <a:latin typeface="Garamond" panose="02020404030301010803" pitchFamily="18" charset="0"/>
-                </a:rPr>
-                <a:t>datos</a:t>
-              </a:r>
-              <a:r>
-                <a:rPr lang="en-GB" sz="2200" b="1" dirty="0" smtClean="0">
-                  <a:latin typeface="Garamond" panose="02020404030301010803" pitchFamily="18" charset="0"/>
-                </a:rPr>
-                <a:t> de </a:t>
-              </a:r>
-              <a:r>
-                <a:rPr lang="en-GB" sz="2200" b="1" dirty="0" err="1" smtClean="0">
-                  <a:latin typeface="Garamond" panose="02020404030301010803" pitchFamily="18" charset="0"/>
-                </a:rPr>
-                <a:t>ocurrencias</a:t>
-              </a:r>
-              <a:r>
-                <a:rPr lang="en-GB" sz="2200" b="1" dirty="0" smtClean="0">
-                  <a:latin typeface="Garamond" panose="02020404030301010803" pitchFamily="18" charset="0"/>
-                </a:rPr>
-                <a:t> de </a:t>
-              </a:r>
-              <a:r>
-                <a:rPr lang="en-GB" sz="2200" b="1" dirty="0" err="1" smtClean="0">
-                  <a:latin typeface="Garamond" panose="02020404030301010803" pitchFamily="18" charset="0"/>
-                </a:rPr>
-                <a:t>especies</a:t>
-              </a:r>
-              <a:endParaRPr lang="en-GB" sz="2200" b="1" dirty="0" smtClean="0">
-                <a:latin typeface="Garamond" panose="02020404030301010803" pitchFamily="18" charset="0"/>
-              </a:endParaRPr>
-            </a:p>
-            <a:p>
-              <a:pPr algn="ctr"/>
-              <a:r>
-                <a:rPr lang="en-GB" sz="2200" b="1" dirty="0" smtClean="0">
-                  <a:latin typeface="Garamond" panose="02020404030301010803" pitchFamily="18" charset="0"/>
-                </a:rPr>
-                <a:t>GBIF</a:t>
-              </a:r>
-              <a:endParaRPr lang="en-GB" sz="2200" b="1" dirty="0">
-                <a:latin typeface="Garamond" panose="02020404030301010803" pitchFamily="18" charset="0"/>
-              </a:endParaRPr>
-            </a:p>
-          </p:txBody>
-        </p:sp>
-        <p:sp>
-          <p:nvSpPr>
-            <p:cNvPr id="35" name="CuadroTexto 34">
-              <a:extLst>
-                <a:ext uri="{FF2B5EF4-FFF2-40B4-BE49-F238E27FC236}">
-                  <a16:creationId xmlns:a16="http://schemas.microsoft.com/office/drawing/2014/main" xmlns="" id="{79038E7C-EE77-4771-9FF2-A6FEC96AC332}"/>
-                </a:ext>
-              </a:extLst>
-            </p:cNvPr>
-            <p:cNvSpPr txBox="1"/>
-            <p:nvPr/>
-          </p:nvSpPr>
-          <p:spPr>
-            <a:xfrm>
-              <a:off x="1265662" y="2744520"/>
-              <a:ext cx="3202381" cy="430887"/>
-            </a:xfrm>
-            <a:prstGeom prst="rect">
-              <a:avLst/>
-            </a:prstGeom>
-            <a:noFill/>
-          </p:spPr>
-          <p:txBody>
-            <a:bodyPr wrap="square" rtlCol="0">
-              <a:spAutoFit/>
-            </a:bodyPr>
-            <a:lstStyle/>
-            <a:p>
-              <a:pPr algn="ctr"/>
-              <a:r>
-                <a:rPr lang="en-GB" sz="1050" dirty="0" err="1" smtClean="0">
-                  <a:latin typeface="Garamond" panose="02020404030301010803" pitchFamily="18" charset="0"/>
-                </a:rPr>
-                <a:t>Clase</a:t>
-              </a:r>
-              <a:r>
-                <a:rPr lang="en-GB" sz="1050" dirty="0" smtClean="0">
-                  <a:latin typeface="Garamond" panose="02020404030301010803" pitchFamily="18" charset="0"/>
-                </a:rPr>
-                <a:t>, </a:t>
-              </a:r>
-              <a:r>
-                <a:rPr lang="en-GB" sz="1050" dirty="0" err="1" smtClean="0">
-                  <a:latin typeface="Garamond" panose="02020404030301010803" pitchFamily="18" charset="0"/>
-                </a:rPr>
-                <a:t>Familia</a:t>
-              </a:r>
-              <a:r>
-                <a:rPr lang="en-GB" sz="1050" dirty="0" smtClean="0">
-                  <a:latin typeface="Garamond" panose="02020404030301010803" pitchFamily="18" charset="0"/>
-                </a:rPr>
-                <a:t>, </a:t>
-              </a:r>
-              <a:r>
-                <a:rPr lang="en-GB" sz="1050" dirty="0" err="1" smtClean="0">
-                  <a:latin typeface="Garamond" panose="02020404030301010803" pitchFamily="18" charset="0"/>
-                </a:rPr>
-                <a:t>Género</a:t>
-              </a:r>
-              <a:r>
-                <a:rPr lang="en-GB" sz="1050" dirty="0" smtClean="0">
-                  <a:latin typeface="Garamond" panose="02020404030301010803" pitchFamily="18" charset="0"/>
-                </a:rPr>
-                <a:t>, </a:t>
-              </a:r>
-              <a:r>
-                <a:rPr lang="en-GB" sz="1050" dirty="0" err="1" smtClean="0">
-                  <a:latin typeface="Garamond" panose="02020404030301010803" pitchFamily="18" charset="0"/>
-                </a:rPr>
-                <a:t>Especie</a:t>
-              </a:r>
-              <a:r>
-                <a:rPr lang="en-GB" sz="1050" dirty="0" smtClean="0">
-                  <a:latin typeface="Garamond" panose="02020404030301010803" pitchFamily="18" charset="0"/>
-                </a:rPr>
-                <a:t>, </a:t>
-              </a:r>
-              <a:r>
-                <a:rPr lang="en-GB" sz="1050" dirty="0" err="1" smtClean="0">
-                  <a:latin typeface="Garamond" panose="02020404030301010803" pitchFamily="18" charset="0"/>
-                </a:rPr>
-                <a:t>Nombre</a:t>
-              </a:r>
-              <a:r>
-                <a:rPr lang="en-GB" sz="1050" dirty="0" smtClean="0">
-                  <a:latin typeface="Garamond" panose="02020404030301010803" pitchFamily="18" charset="0"/>
-                </a:rPr>
-                <a:t> </a:t>
-              </a:r>
-              <a:r>
-                <a:rPr lang="en-GB" sz="1050" dirty="0" err="1" smtClean="0">
-                  <a:latin typeface="Garamond" panose="02020404030301010803" pitchFamily="18" charset="0"/>
-                </a:rPr>
-                <a:t>Común</a:t>
-              </a:r>
-              <a:r>
-                <a:rPr lang="en-GB" sz="1050" dirty="0" smtClean="0">
-                  <a:latin typeface="Garamond" panose="02020404030301010803" pitchFamily="18" charset="0"/>
-                </a:rPr>
-                <a:t>, </a:t>
-              </a:r>
-              <a:r>
-                <a:rPr lang="en-GB" sz="1050" dirty="0" err="1" smtClean="0">
-                  <a:latin typeface="Garamond" panose="02020404030301010803" pitchFamily="18" charset="0"/>
-                </a:rPr>
-                <a:t>Año</a:t>
-              </a:r>
-              <a:r>
-                <a:rPr lang="en-GB" sz="1050" dirty="0" smtClean="0">
-                  <a:latin typeface="Garamond" panose="02020404030301010803" pitchFamily="18" charset="0"/>
-                </a:rPr>
-                <a:t>, </a:t>
-              </a:r>
-              <a:r>
-                <a:rPr lang="en-GB" sz="1050" dirty="0" err="1" smtClean="0">
-                  <a:latin typeface="Garamond" panose="02020404030301010803" pitchFamily="18" charset="0"/>
-                </a:rPr>
-                <a:t>Mes</a:t>
-              </a:r>
-              <a:r>
-                <a:rPr lang="en-GB" sz="1050" dirty="0" smtClean="0">
-                  <a:latin typeface="Garamond" panose="02020404030301010803" pitchFamily="18" charset="0"/>
-                </a:rPr>
-                <a:t>, </a:t>
-              </a:r>
-              <a:r>
-                <a:rPr lang="en-GB" sz="1050" dirty="0" err="1" smtClean="0">
-                  <a:latin typeface="Garamond" panose="02020404030301010803" pitchFamily="18" charset="0"/>
-                </a:rPr>
-                <a:t>Localidad</a:t>
-              </a:r>
-              <a:r>
-                <a:rPr lang="en-GB" sz="1050" dirty="0" smtClean="0">
-                  <a:latin typeface="Garamond" panose="02020404030301010803" pitchFamily="18" charset="0"/>
-                </a:rPr>
-                <a:t>, </a:t>
-              </a:r>
-              <a:r>
-                <a:rPr lang="en-GB" sz="1050" dirty="0" err="1" smtClean="0">
-                  <a:latin typeface="Garamond" panose="02020404030301010803" pitchFamily="18" charset="0"/>
-                </a:rPr>
-                <a:t>Latitud</a:t>
-              </a:r>
-              <a:r>
-                <a:rPr lang="en-GB" sz="1050" dirty="0" smtClean="0">
-                  <a:latin typeface="Garamond" panose="02020404030301010803" pitchFamily="18" charset="0"/>
-                </a:rPr>
-                <a:t> y </a:t>
-              </a:r>
-              <a:r>
-                <a:rPr lang="en-GB" sz="1050" dirty="0" err="1" smtClean="0">
-                  <a:latin typeface="Garamond" panose="02020404030301010803" pitchFamily="18" charset="0"/>
-                </a:rPr>
-                <a:t>Logitud</a:t>
-              </a:r>
-              <a:r>
-                <a:rPr lang="en-GB" sz="1050" dirty="0" smtClean="0">
-                  <a:latin typeface="Garamond" panose="02020404030301010803" pitchFamily="18" charset="0"/>
-                </a:rPr>
-                <a:t> </a:t>
-              </a:r>
-              <a:endParaRPr lang="en-GB" sz="1050" dirty="0">
-                <a:latin typeface="Garamond" panose="02020404030301010803" pitchFamily="18" charset="0"/>
-              </a:endParaRPr>
-            </a:p>
-          </p:txBody>
-        </p:sp>
-      </p:grpSp>
-      <p:sp>
-        <p:nvSpPr>
-          <p:cNvPr id="39" name="Flecha: a la derecha con bandas 38">
-            <a:extLst>
-              <a:ext uri="{FF2B5EF4-FFF2-40B4-BE49-F238E27FC236}">
-                <a16:creationId xmlns:a16="http://schemas.microsoft.com/office/drawing/2014/main" xmlns="" id="{8A6DC2CB-BDCA-429B-B88A-F037083452DA}"/>
-              </a:ext>
-            </a:extLst>
-          </p:cNvPr>
-          <p:cNvSpPr/>
-          <p:nvPr/>
-        </p:nvSpPr>
-        <p:spPr>
-          <a:xfrm rot="5400000">
-            <a:off x="3729253" y="4997574"/>
-            <a:ext cx="501870" cy="429036"/>
-          </a:xfrm>
-          <a:prstGeom prst="stripedRightArrow">
-            <a:avLst/>
-          </a:prstGeom>
-          <a:solidFill>
-            <a:srgbClr val="238D8A"/>
-          </a:solidFill>
-          <a:ln>
-            <a:solidFill>
-              <a:schemeClr val="tx1"/>
-            </a:solidFill>
-          </a:ln>
-        </p:spPr>
-        <p:style>
-          <a:lnRef idx="2">
-            <a:schemeClr val="accent1">
-              <a:shade val="50000"/>
-            </a:schemeClr>
-          </a:lnRef>
-          <a:fillRef idx="1">
-            <a:schemeClr val="accent1"/>
-          </a:fillRef>
-          <a:effectRef idx="0">
-            <a:schemeClr val="accent1"/>
-          </a:effectRef>
-          <a:fontRef idx="minor">
-            <a:schemeClr val="lt1"/>
-          </a:fontRef>
-        </p:style>
-        <p:txBody>
-          <a:bodyPr rtlCol="0" anchor="ctr"/>
-          <a:lstStyle/>
-          <a:p>
-            <a:pPr algn="ctr"/>
-            <a:endParaRPr lang="en-GB"/>
-          </a:p>
-        </p:txBody>
-      </p:sp>
-      <p:sp>
-        <p:nvSpPr>
-          <p:cNvPr id="40" name="CuadroTexto 39">
-            <a:extLst>
-              <a:ext uri="{FF2B5EF4-FFF2-40B4-BE49-F238E27FC236}">
-                <a16:creationId xmlns:a16="http://schemas.microsoft.com/office/drawing/2014/main" xmlns="" id="{3923911E-F63F-4ABF-BBFB-5347F107636D}"/>
-              </a:ext>
-            </a:extLst>
-          </p:cNvPr>
-          <p:cNvSpPr txBox="1"/>
-          <p:nvPr/>
-        </p:nvSpPr>
-        <p:spPr>
-          <a:xfrm>
-            <a:off x="2325111" y="5470872"/>
-            <a:ext cx="3341792" cy="523220"/>
-          </a:xfrm>
-          <a:prstGeom prst="rect">
-            <a:avLst/>
-          </a:prstGeom>
-          <a:noFill/>
-        </p:spPr>
-        <p:txBody>
-          <a:bodyPr wrap="square" rtlCol="0">
-            <a:spAutoFit/>
-          </a:bodyPr>
-          <a:lstStyle/>
-          <a:p>
-            <a:pPr algn="ctr"/>
-            <a:r>
-              <a:rPr lang="en-GB" sz="2800" b="1" dirty="0" err="1" smtClean="0">
-                <a:latin typeface="Garamond" panose="02020404030301010803" pitchFamily="18" charset="0"/>
-              </a:rPr>
-              <a:t>MongoDB</a:t>
-            </a:r>
-            <a:r>
-              <a:rPr lang="en-GB" sz="2800" b="1" dirty="0" smtClean="0">
-                <a:latin typeface="Garamond" panose="02020404030301010803" pitchFamily="18" charset="0"/>
-              </a:rPr>
-              <a:t> Compass</a:t>
-            </a:r>
-            <a:endParaRPr lang="en-GB" sz="2800" b="1" dirty="0">
-              <a:latin typeface="Garamond" panose="02020404030301010803" pitchFamily="18" charset="0"/>
-            </a:endParaRPr>
-          </a:p>
-        </p:txBody>
-      </p:sp>
-      <p:sp>
-        <p:nvSpPr>
-          <p:cNvPr id="15" name="CuadroTexto 14">
-            <a:extLst>
-              <a:ext uri="{FF2B5EF4-FFF2-40B4-BE49-F238E27FC236}">
-                <a16:creationId xmlns:a16="http://schemas.microsoft.com/office/drawing/2014/main" xmlns="" id="{3923911E-F63F-4ABF-BBFB-5347F107636D}"/>
-              </a:ext>
-            </a:extLst>
-          </p:cNvPr>
-          <p:cNvSpPr txBox="1"/>
-          <p:nvPr/>
-        </p:nvSpPr>
-        <p:spPr>
-          <a:xfrm>
-            <a:off x="2309292" y="5994092"/>
-            <a:ext cx="3341792" cy="523220"/>
-          </a:xfrm>
-          <a:prstGeom prst="rect">
-            <a:avLst/>
-          </a:prstGeom>
-          <a:noFill/>
-        </p:spPr>
-        <p:txBody>
-          <a:bodyPr wrap="square" rtlCol="0">
-            <a:spAutoFit/>
-          </a:bodyPr>
-          <a:lstStyle/>
-          <a:p>
-            <a:pPr algn="ctr"/>
-            <a:r>
-              <a:rPr lang="en-GB" sz="1400" b="1" dirty="0" smtClean="0">
-                <a:latin typeface="Garamond" panose="02020404030301010803" pitchFamily="18" charset="0"/>
-              </a:rPr>
-              <a:t>API, </a:t>
-            </a:r>
-          </a:p>
-          <a:p>
-            <a:pPr algn="ctr"/>
-            <a:r>
-              <a:rPr lang="en-GB" sz="1400" b="1" dirty="0" err="1" smtClean="0">
-                <a:latin typeface="Garamond" panose="02020404030301010803" pitchFamily="18" charset="0"/>
-              </a:rPr>
-              <a:t>Modelos</a:t>
-            </a:r>
-            <a:r>
-              <a:rPr lang="en-GB" sz="1400" b="1" dirty="0" smtClean="0">
-                <a:latin typeface="Garamond" panose="02020404030301010803" pitchFamily="18" charset="0"/>
-              </a:rPr>
-              <a:t> de clustering</a:t>
-            </a:r>
-            <a:endParaRPr lang="en-GB" sz="1400" b="1" dirty="0">
-              <a:latin typeface="Garamond" panose="02020404030301010803" pitchFamily="18" charset="0"/>
-            </a:endParaRPr>
-          </a:p>
-        </p:txBody>
-      </p:sp>
-      <p:cxnSp>
-        <p:nvCxnSpPr>
-          <p:cNvPr id="22" name="Conector recto de flecha 21">
-            <a:extLst>
-              <a:ext uri="{FF2B5EF4-FFF2-40B4-BE49-F238E27FC236}">
-                <a16:creationId xmlns:a16="http://schemas.microsoft.com/office/drawing/2014/main" xmlns="" id="{38AD23BC-DF3D-4424-80C0-528DF86AFF9A}"/>
-              </a:ext>
-            </a:extLst>
-          </p:cNvPr>
-          <p:cNvCxnSpPr/>
-          <p:nvPr/>
-        </p:nvCxnSpPr>
-        <p:spPr>
-          <a:xfrm>
-            <a:off x="3996007" y="3029492"/>
-            <a:ext cx="8370" cy="364274"/>
-          </a:xfrm>
-          <a:prstGeom prst="straightConnector1">
-            <a:avLst/>
-          </a:prstGeom>
-          <a:ln w="28575">
-            <a:solidFill>
-              <a:srgbClr val="238D8A"/>
-            </a:solidFill>
-            <a:tailEnd type="triangle"/>
-          </a:ln>
-        </p:spPr>
-        <p:style>
-          <a:lnRef idx="1">
-            <a:schemeClr val="accent1"/>
-          </a:lnRef>
-          <a:fillRef idx="0">
-            <a:schemeClr val="accent1"/>
-          </a:fillRef>
-          <a:effectRef idx="0">
-            <a:schemeClr val="accent1"/>
-          </a:effectRef>
-          <a:fontRef idx="minor">
-            <a:schemeClr val="tx1"/>
-          </a:fontRef>
-        </p:style>
-      </p:cxnSp>
-      <p:sp>
-        <p:nvSpPr>
-          <p:cNvPr id="24" name="Flecha: a la derecha con bandas 38">
-            <a:extLst>
-              <a:ext uri="{FF2B5EF4-FFF2-40B4-BE49-F238E27FC236}">
-                <a16:creationId xmlns:a16="http://schemas.microsoft.com/office/drawing/2014/main" xmlns="" id="{8A6DC2CB-BDCA-429B-B88A-F037083452DA}"/>
-              </a:ext>
-            </a:extLst>
-          </p:cNvPr>
-          <p:cNvSpPr/>
-          <p:nvPr/>
-        </p:nvSpPr>
-        <p:spPr>
-          <a:xfrm>
-            <a:off x="5995013" y="2814974"/>
-            <a:ext cx="501870" cy="429036"/>
-          </a:xfrm>
-          <a:prstGeom prst="stripedRightArrow">
-            <a:avLst/>
-          </a:prstGeom>
-          <a:solidFill>
-            <a:srgbClr val="238D8A"/>
-          </a:solidFill>
-          <a:ln>
-            <a:solidFill>
-              <a:schemeClr val="tx1"/>
-            </a:solidFill>
-          </a:ln>
-        </p:spPr>
-        <p:style>
-          <a:lnRef idx="2">
-            <a:schemeClr val="accent1">
-              <a:shade val="50000"/>
-            </a:schemeClr>
-          </a:lnRef>
-          <a:fillRef idx="1">
-            <a:schemeClr val="accent1"/>
-          </a:fillRef>
-          <a:effectRef idx="0">
-            <a:schemeClr val="accent1"/>
-          </a:effectRef>
-          <a:fontRef idx="minor">
-            <a:schemeClr val="lt1"/>
-          </a:fontRef>
-        </p:style>
-        <p:txBody>
-          <a:bodyPr rtlCol="0" anchor="ctr"/>
-          <a:lstStyle/>
-          <a:p>
-            <a:pPr algn="ctr"/>
-            <a:endParaRPr lang="en-GB"/>
-          </a:p>
-        </p:txBody>
-      </p:sp>
-      <p:sp>
-        <p:nvSpPr>
-          <p:cNvPr id="25" name="CuadroTexto 24">
-            <a:extLst>
-              <a:ext uri="{FF2B5EF4-FFF2-40B4-BE49-F238E27FC236}">
-                <a16:creationId xmlns:a16="http://schemas.microsoft.com/office/drawing/2014/main" xmlns="" id="{3923911E-F63F-4ABF-BBFB-5347F107636D}"/>
-              </a:ext>
-            </a:extLst>
-          </p:cNvPr>
-          <p:cNvSpPr txBox="1"/>
-          <p:nvPr/>
-        </p:nvSpPr>
-        <p:spPr>
-          <a:xfrm>
-            <a:off x="5901737" y="2767882"/>
-            <a:ext cx="3341792" cy="523220"/>
-          </a:xfrm>
-          <a:prstGeom prst="rect">
-            <a:avLst/>
-          </a:prstGeom>
-          <a:noFill/>
-        </p:spPr>
-        <p:txBody>
-          <a:bodyPr wrap="square" rtlCol="0">
-            <a:spAutoFit/>
-          </a:bodyPr>
-          <a:lstStyle/>
-          <a:p>
-            <a:pPr algn="ctr"/>
-            <a:r>
-              <a:rPr lang="en-GB" sz="2800" b="1" dirty="0" smtClean="0">
-                <a:latin typeface="Garamond" panose="02020404030301010803" pitchFamily="18" charset="0"/>
-              </a:rPr>
-              <a:t>Flask API</a:t>
-            </a:r>
-            <a:endParaRPr lang="en-GB" sz="2800" b="1" dirty="0">
-              <a:latin typeface="Garamond" panose="02020404030301010803" pitchFamily="18" charset="0"/>
-            </a:endParaRPr>
-          </a:p>
-        </p:txBody>
-      </p:sp>
-      <p:sp>
-        <p:nvSpPr>
-          <p:cNvPr id="26" name="CuadroTexto 25">
-            <a:extLst>
-              <a:ext uri="{FF2B5EF4-FFF2-40B4-BE49-F238E27FC236}">
-                <a16:creationId xmlns:a16="http://schemas.microsoft.com/office/drawing/2014/main" xmlns="" id="{3923911E-F63F-4ABF-BBFB-5347F107636D}"/>
-              </a:ext>
-            </a:extLst>
-          </p:cNvPr>
-          <p:cNvSpPr txBox="1"/>
-          <p:nvPr/>
-        </p:nvSpPr>
-        <p:spPr>
-          <a:xfrm>
-            <a:off x="5811121" y="3274965"/>
-            <a:ext cx="3341792" cy="523220"/>
-          </a:xfrm>
-          <a:prstGeom prst="rect">
-            <a:avLst/>
-          </a:prstGeom>
-          <a:noFill/>
-        </p:spPr>
-        <p:txBody>
-          <a:bodyPr wrap="square" rtlCol="0">
-            <a:spAutoFit/>
-          </a:bodyPr>
-          <a:lstStyle/>
-          <a:p>
-            <a:pPr algn="ctr"/>
-            <a:r>
-              <a:rPr lang="en-GB" sz="1400" dirty="0" err="1" smtClean="0">
-                <a:latin typeface="Garamond" panose="02020404030301010803" pitchFamily="18" charset="0"/>
-              </a:rPr>
-              <a:t>Métodos</a:t>
-            </a:r>
-            <a:endParaRPr lang="en-GB" sz="1400" dirty="0" smtClean="0">
-              <a:latin typeface="Garamond" panose="02020404030301010803" pitchFamily="18" charset="0"/>
-            </a:endParaRPr>
-          </a:p>
-          <a:p>
-            <a:pPr algn="ctr"/>
-            <a:r>
-              <a:rPr lang="en-GB" sz="1400" dirty="0" smtClean="0">
-                <a:latin typeface="Garamond" panose="02020404030301010803" pitchFamily="18" charset="0"/>
-              </a:rPr>
-              <a:t>GET y POST</a:t>
-            </a:r>
-            <a:endParaRPr lang="en-GB" sz="1400" dirty="0">
-              <a:latin typeface="Garamond" panose="02020404030301010803" pitchFamily="18" charset="0"/>
-            </a:endParaRPr>
-          </a:p>
-        </p:txBody>
-      </p:sp>
-      <p:sp>
-        <p:nvSpPr>
-          <p:cNvPr id="7" name="Abrir llave 6"/>
-          <p:cNvSpPr/>
-          <p:nvPr/>
-        </p:nvSpPr>
-        <p:spPr>
-          <a:xfrm>
-            <a:off x="8542638" y="1598809"/>
-            <a:ext cx="313038" cy="3162661"/>
-          </a:xfrm>
-          <a:prstGeom prst="leftBrace">
-            <a:avLst/>
-          </a:prstGeom>
-        </p:spPr>
-        <p:style>
-          <a:lnRef idx="1">
-            <a:schemeClr val="accent1"/>
-          </a:lnRef>
-          <a:fillRef idx="0">
-            <a:schemeClr val="accent1"/>
-          </a:fillRef>
-          <a:effectRef idx="0">
-            <a:schemeClr val="accent1"/>
-          </a:effectRef>
-          <a:fontRef idx="minor">
-            <a:schemeClr val="tx1"/>
-          </a:fontRef>
-        </p:style>
-        <p:txBody>
-          <a:bodyPr rtlCol="0" anchor="ctr"/>
-          <a:lstStyle/>
-          <a:p>
-            <a:pPr algn="ctr"/>
-            <a:endParaRPr lang="es-ES"/>
-          </a:p>
-        </p:txBody>
-      </p:sp>
-      <p:sp>
-        <p:nvSpPr>
-          <p:cNvPr id="28" name="CuadroTexto 27">
-            <a:extLst>
-              <a:ext uri="{FF2B5EF4-FFF2-40B4-BE49-F238E27FC236}">
-                <a16:creationId xmlns:a16="http://schemas.microsoft.com/office/drawing/2014/main" xmlns="" id="{3923911E-F63F-4ABF-BBFB-5347F107636D}"/>
-              </a:ext>
-            </a:extLst>
-          </p:cNvPr>
-          <p:cNvSpPr txBox="1"/>
-          <p:nvPr/>
-        </p:nvSpPr>
-        <p:spPr>
-          <a:xfrm>
-            <a:off x="8715633" y="1589872"/>
-            <a:ext cx="3341792" cy="307777"/>
-          </a:xfrm>
-          <a:prstGeom prst="rect">
-            <a:avLst/>
-          </a:prstGeom>
-          <a:noFill/>
-        </p:spPr>
-        <p:txBody>
-          <a:bodyPr wrap="square" rtlCol="0">
-            <a:spAutoFit/>
-          </a:bodyPr>
-          <a:lstStyle/>
-          <a:p>
-            <a:pPr algn="ctr"/>
-            <a:r>
-              <a:rPr lang="en-GB" sz="1400" dirty="0" smtClean="0">
-                <a:latin typeface="Garamond" panose="02020404030301010803" pitchFamily="18" charset="0"/>
-              </a:rPr>
-              <a:t>- </a:t>
-            </a:r>
-            <a:r>
-              <a:rPr lang="en-GB" sz="1400" dirty="0" err="1" smtClean="0">
-                <a:latin typeface="Garamond" panose="02020404030301010803" pitchFamily="18" charset="0"/>
-              </a:rPr>
-              <a:t>Buscar</a:t>
-            </a:r>
-            <a:r>
-              <a:rPr lang="en-GB" sz="1400" dirty="0" smtClean="0">
-                <a:latin typeface="Garamond" panose="02020404030301010803" pitchFamily="18" charset="0"/>
-              </a:rPr>
-              <a:t> </a:t>
-            </a:r>
-            <a:r>
-              <a:rPr lang="en-GB" sz="1400" dirty="0" err="1" smtClean="0">
-                <a:latin typeface="Garamond" panose="02020404030301010803" pitchFamily="18" charset="0"/>
-              </a:rPr>
-              <a:t>todas</a:t>
-            </a:r>
-            <a:r>
-              <a:rPr lang="en-GB" sz="1400" dirty="0" smtClean="0">
-                <a:latin typeface="Garamond" panose="02020404030301010803" pitchFamily="18" charset="0"/>
-              </a:rPr>
-              <a:t> </a:t>
-            </a:r>
-            <a:r>
-              <a:rPr lang="en-GB" sz="1400" dirty="0" err="1" smtClean="0">
-                <a:latin typeface="Garamond" panose="02020404030301010803" pitchFamily="18" charset="0"/>
-              </a:rPr>
-              <a:t>las</a:t>
-            </a:r>
-            <a:r>
-              <a:rPr lang="en-GB" sz="1400" dirty="0" smtClean="0">
-                <a:latin typeface="Garamond" panose="02020404030301010803" pitchFamily="18" charset="0"/>
-              </a:rPr>
-              <a:t> </a:t>
-            </a:r>
-            <a:r>
-              <a:rPr lang="en-GB" sz="1400" dirty="0" err="1" smtClean="0">
-                <a:latin typeface="Garamond" panose="02020404030301010803" pitchFamily="18" charset="0"/>
-              </a:rPr>
-              <a:t>especies</a:t>
-            </a:r>
-            <a:r>
-              <a:rPr lang="en-GB" sz="1400" dirty="0" smtClean="0">
-                <a:latin typeface="Garamond" panose="02020404030301010803" pitchFamily="18" charset="0"/>
-              </a:rPr>
-              <a:t> para </a:t>
-            </a:r>
-            <a:r>
-              <a:rPr lang="en-GB" sz="1400" dirty="0" err="1" smtClean="0">
-                <a:latin typeface="Garamond" panose="02020404030301010803" pitchFamily="18" charset="0"/>
-              </a:rPr>
-              <a:t>una</a:t>
-            </a:r>
-            <a:r>
-              <a:rPr lang="en-GB" sz="1400" dirty="0" smtClean="0">
-                <a:latin typeface="Garamond" panose="02020404030301010803" pitchFamily="18" charset="0"/>
-              </a:rPr>
-              <a:t> </a:t>
-            </a:r>
-            <a:r>
-              <a:rPr lang="en-GB" sz="1400" dirty="0" err="1" smtClean="0">
-                <a:latin typeface="Garamond" panose="02020404030301010803" pitchFamily="18" charset="0"/>
-              </a:rPr>
-              <a:t>provincia</a:t>
-            </a:r>
-            <a:endParaRPr lang="en-GB" sz="1400" dirty="0">
-              <a:latin typeface="Garamond" panose="02020404030301010803" pitchFamily="18" charset="0"/>
-            </a:endParaRPr>
-          </a:p>
-        </p:txBody>
-      </p:sp>
-      <p:sp>
-        <p:nvSpPr>
-          <p:cNvPr id="29" name="CuadroTexto 28">
-            <a:extLst>
-              <a:ext uri="{FF2B5EF4-FFF2-40B4-BE49-F238E27FC236}">
-                <a16:creationId xmlns:a16="http://schemas.microsoft.com/office/drawing/2014/main" xmlns="" id="{3923911E-F63F-4ABF-BBFB-5347F107636D}"/>
-              </a:ext>
-            </a:extLst>
-          </p:cNvPr>
-          <p:cNvSpPr txBox="1"/>
-          <p:nvPr/>
-        </p:nvSpPr>
-        <p:spPr>
-          <a:xfrm>
-            <a:off x="8715633" y="1995941"/>
-            <a:ext cx="3341792" cy="523220"/>
-          </a:xfrm>
-          <a:prstGeom prst="rect">
-            <a:avLst/>
-          </a:prstGeom>
-          <a:noFill/>
-        </p:spPr>
-        <p:txBody>
-          <a:bodyPr wrap="square" rtlCol="0">
-            <a:spAutoFit/>
-          </a:bodyPr>
-          <a:lstStyle/>
-          <a:p>
-            <a:r>
-              <a:rPr lang="en-GB" sz="1400" dirty="0" smtClean="0">
-                <a:latin typeface="Garamond" panose="02020404030301010803" pitchFamily="18" charset="0"/>
-              </a:rPr>
-              <a:t>- </a:t>
-            </a:r>
-            <a:r>
-              <a:rPr lang="en-GB" sz="1400" dirty="0" err="1" smtClean="0">
-                <a:latin typeface="Garamond" panose="02020404030301010803" pitchFamily="18" charset="0"/>
-              </a:rPr>
-              <a:t>Buscar</a:t>
-            </a:r>
-            <a:r>
-              <a:rPr lang="en-GB" sz="1400" dirty="0" smtClean="0">
-                <a:latin typeface="Garamond" panose="02020404030301010803" pitchFamily="18" charset="0"/>
-              </a:rPr>
-              <a:t> </a:t>
-            </a:r>
-            <a:r>
-              <a:rPr lang="en-GB" sz="1400" dirty="0" err="1" smtClean="0">
-                <a:latin typeface="Garamond" panose="02020404030301010803" pitchFamily="18" charset="0"/>
-              </a:rPr>
-              <a:t>una</a:t>
-            </a:r>
-            <a:r>
-              <a:rPr lang="en-GB" sz="1400" dirty="0" smtClean="0">
-                <a:latin typeface="Garamond" panose="02020404030301010803" pitchFamily="18" charset="0"/>
-              </a:rPr>
-              <a:t> </a:t>
-            </a:r>
-            <a:r>
-              <a:rPr lang="en-GB" sz="1400" dirty="0" err="1" smtClean="0">
-                <a:latin typeface="Garamond" panose="02020404030301010803" pitchFamily="18" charset="0"/>
-              </a:rPr>
-              <a:t>especie</a:t>
-            </a:r>
-            <a:r>
-              <a:rPr lang="en-GB" sz="1400" dirty="0" smtClean="0">
-                <a:latin typeface="Garamond" panose="02020404030301010803" pitchFamily="18" charset="0"/>
-              </a:rPr>
-              <a:t> </a:t>
-            </a:r>
-            <a:r>
-              <a:rPr lang="en-GB" sz="1400" dirty="0" err="1" smtClean="0">
-                <a:latin typeface="Garamond" panose="02020404030301010803" pitchFamily="18" charset="0"/>
-              </a:rPr>
-              <a:t>concreta</a:t>
-            </a:r>
-            <a:r>
-              <a:rPr lang="en-GB" sz="1400" dirty="0" smtClean="0">
-                <a:latin typeface="Garamond" panose="02020404030301010803" pitchFamily="18" charset="0"/>
-              </a:rPr>
-              <a:t> para </a:t>
-            </a:r>
-            <a:r>
-              <a:rPr lang="en-GB" sz="1400" dirty="0" err="1" smtClean="0">
-                <a:latin typeface="Garamond" panose="02020404030301010803" pitchFamily="18" charset="0"/>
-              </a:rPr>
-              <a:t>una</a:t>
-            </a:r>
-            <a:r>
-              <a:rPr lang="en-GB" sz="1400" dirty="0" smtClean="0">
-                <a:latin typeface="Garamond" panose="02020404030301010803" pitchFamily="18" charset="0"/>
-              </a:rPr>
-              <a:t> </a:t>
-            </a:r>
-            <a:r>
-              <a:rPr lang="en-GB" sz="1400" dirty="0" err="1" smtClean="0">
-                <a:latin typeface="Garamond" panose="02020404030301010803" pitchFamily="18" charset="0"/>
-              </a:rPr>
-              <a:t>provincia</a:t>
-            </a:r>
-            <a:endParaRPr lang="en-GB" sz="1400" dirty="0">
-              <a:latin typeface="Garamond" panose="02020404030301010803" pitchFamily="18" charset="0"/>
-            </a:endParaRPr>
-          </a:p>
-        </p:txBody>
-      </p:sp>
-      <p:sp>
-        <p:nvSpPr>
-          <p:cNvPr id="37" name="CuadroTexto 36">
-            <a:extLst>
-              <a:ext uri="{FF2B5EF4-FFF2-40B4-BE49-F238E27FC236}">
-                <a16:creationId xmlns:a16="http://schemas.microsoft.com/office/drawing/2014/main" xmlns="" id="{3923911E-F63F-4ABF-BBFB-5347F107636D}"/>
-              </a:ext>
-            </a:extLst>
-          </p:cNvPr>
-          <p:cNvSpPr txBox="1"/>
-          <p:nvPr/>
-        </p:nvSpPr>
-        <p:spPr>
-          <a:xfrm>
-            <a:off x="8715633" y="2617453"/>
-            <a:ext cx="3341792" cy="523220"/>
-          </a:xfrm>
-          <a:prstGeom prst="rect">
-            <a:avLst/>
-          </a:prstGeom>
-          <a:noFill/>
-        </p:spPr>
-        <p:txBody>
-          <a:bodyPr wrap="square" rtlCol="0">
-            <a:spAutoFit/>
-          </a:bodyPr>
-          <a:lstStyle/>
-          <a:p>
-            <a:r>
-              <a:rPr lang="en-GB" sz="1400" dirty="0" smtClean="0">
-                <a:latin typeface="Garamond" panose="02020404030301010803" pitchFamily="18" charset="0"/>
-              </a:rPr>
-              <a:t>- </a:t>
-            </a:r>
-            <a:r>
-              <a:rPr lang="en-GB" sz="1400" dirty="0" err="1" smtClean="0">
-                <a:latin typeface="Garamond" panose="02020404030301010803" pitchFamily="18" charset="0"/>
-              </a:rPr>
-              <a:t>Buscar</a:t>
-            </a:r>
-            <a:r>
-              <a:rPr lang="en-GB" sz="1400" dirty="0" smtClean="0">
-                <a:latin typeface="Garamond" panose="02020404030301010803" pitchFamily="18" charset="0"/>
-              </a:rPr>
-              <a:t> </a:t>
-            </a:r>
-            <a:r>
-              <a:rPr lang="en-GB" sz="1400" dirty="0" err="1" smtClean="0">
-                <a:latin typeface="Garamond" panose="02020404030301010803" pitchFamily="18" charset="0"/>
-              </a:rPr>
-              <a:t>una</a:t>
-            </a:r>
-            <a:r>
-              <a:rPr lang="en-GB" sz="1400" dirty="0" smtClean="0">
-                <a:latin typeface="Garamond" panose="02020404030301010803" pitchFamily="18" charset="0"/>
-              </a:rPr>
-              <a:t> </a:t>
-            </a:r>
-            <a:r>
-              <a:rPr lang="en-GB" sz="1400" dirty="0" err="1" smtClean="0">
-                <a:latin typeface="Garamond" panose="02020404030301010803" pitchFamily="18" charset="0"/>
-              </a:rPr>
-              <a:t>especie</a:t>
-            </a:r>
-            <a:r>
-              <a:rPr lang="en-GB" sz="1400" dirty="0" smtClean="0">
-                <a:latin typeface="Garamond" panose="02020404030301010803" pitchFamily="18" charset="0"/>
-              </a:rPr>
-              <a:t> </a:t>
-            </a:r>
-            <a:r>
-              <a:rPr lang="en-GB" sz="1400" dirty="0" err="1" smtClean="0">
-                <a:latin typeface="Garamond" panose="02020404030301010803" pitchFamily="18" charset="0"/>
-              </a:rPr>
-              <a:t>concreta</a:t>
-            </a:r>
-            <a:r>
-              <a:rPr lang="en-GB" sz="1400" dirty="0" smtClean="0">
-                <a:latin typeface="Garamond" panose="02020404030301010803" pitchFamily="18" charset="0"/>
-              </a:rPr>
-              <a:t> en </a:t>
-            </a:r>
-            <a:r>
-              <a:rPr lang="en-GB" sz="1400" dirty="0" err="1" smtClean="0">
-                <a:latin typeface="Garamond" panose="02020404030301010803" pitchFamily="18" charset="0"/>
-              </a:rPr>
-              <a:t>determinado</a:t>
-            </a:r>
-            <a:r>
-              <a:rPr lang="en-GB" sz="1400" dirty="0" smtClean="0">
-                <a:latin typeface="Garamond" panose="02020404030301010803" pitchFamily="18" charset="0"/>
-              </a:rPr>
-              <a:t> </a:t>
-            </a:r>
-            <a:r>
-              <a:rPr lang="en-GB" sz="1400" dirty="0" err="1" smtClean="0">
-                <a:latin typeface="Garamond" panose="02020404030301010803" pitchFamily="18" charset="0"/>
-              </a:rPr>
-              <a:t>mes</a:t>
-            </a:r>
-            <a:endParaRPr lang="en-GB" sz="1400" dirty="0">
-              <a:latin typeface="Garamond" panose="02020404030301010803" pitchFamily="18" charset="0"/>
-            </a:endParaRPr>
-          </a:p>
-        </p:txBody>
-      </p:sp>
-      <p:sp>
-        <p:nvSpPr>
-          <p:cNvPr id="38" name="CuadroTexto 37">
-            <a:extLst>
-              <a:ext uri="{FF2B5EF4-FFF2-40B4-BE49-F238E27FC236}">
-                <a16:creationId xmlns:a16="http://schemas.microsoft.com/office/drawing/2014/main" xmlns="" id="{3923911E-F63F-4ABF-BBFB-5347F107636D}"/>
-              </a:ext>
-            </a:extLst>
-          </p:cNvPr>
-          <p:cNvSpPr txBox="1"/>
-          <p:nvPr/>
-        </p:nvSpPr>
-        <p:spPr>
-          <a:xfrm>
-            <a:off x="8715633" y="3238965"/>
-            <a:ext cx="3341792" cy="307777"/>
-          </a:xfrm>
-          <a:prstGeom prst="rect">
-            <a:avLst/>
-          </a:prstGeom>
-          <a:noFill/>
-        </p:spPr>
-        <p:txBody>
-          <a:bodyPr wrap="square" rtlCol="0">
-            <a:spAutoFit/>
-          </a:bodyPr>
-          <a:lstStyle/>
-          <a:p>
-            <a:r>
-              <a:rPr lang="en-GB" sz="1400" dirty="0" smtClean="0">
-                <a:latin typeface="Garamond" panose="02020404030301010803" pitchFamily="18" charset="0"/>
-              </a:rPr>
-              <a:t>- </a:t>
-            </a:r>
-            <a:r>
-              <a:rPr lang="en-GB" sz="1400" dirty="0" err="1" smtClean="0">
-                <a:latin typeface="Garamond" panose="02020404030301010803" pitchFamily="18" charset="0"/>
-              </a:rPr>
-              <a:t>Insertar</a:t>
-            </a:r>
-            <a:endParaRPr lang="en-GB" sz="1400" dirty="0">
-              <a:latin typeface="Garamond" panose="02020404030301010803" pitchFamily="18" charset="0"/>
-            </a:endParaRPr>
-          </a:p>
-        </p:txBody>
-      </p:sp>
-      <p:sp>
-        <p:nvSpPr>
-          <p:cNvPr id="41" name="CuadroTexto 40">
-            <a:extLst>
-              <a:ext uri="{FF2B5EF4-FFF2-40B4-BE49-F238E27FC236}">
-                <a16:creationId xmlns:a16="http://schemas.microsoft.com/office/drawing/2014/main" xmlns="" id="{3923911E-F63F-4ABF-BBFB-5347F107636D}"/>
-              </a:ext>
-            </a:extLst>
-          </p:cNvPr>
-          <p:cNvSpPr txBox="1"/>
-          <p:nvPr/>
-        </p:nvSpPr>
-        <p:spPr>
-          <a:xfrm>
-            <a:off x="8715633" y="3645034"/>
-            <a:ext cx="3341792" cy="307777"/>
-          </a:xfrm>
-          <a:prstGeom prst="rect">
-            <a:avLst/>
-          </a:prstGeom>
-          <a:noFill/>
-        </p:spPr>
-        <p:txBody>
-          <a:bodyPr wrap="square" rtlCol="0">
-            <a:spAutoFit/>
-          </a:bodyPr>
-          <a:lstStyle/>
-          <a:p>
-            <a:r>
-              <a:rPr lang="en-GB" sz="1400" dirty="0" smtClean="0">
-                <a:latin typeface="Garamond" panose="02020404030301010803" pitchFamily="18" charset="0"/>
-              </a:rPr>
-              <a:t>- </a:t>
-            </a:r>
-            <a:r>
-              <a:rPr lang="en-GB" sz="1400" dirty="0" err="1" smtClean="0">
-                <a:latin typeface="Garamond" panose="02020404030301010803" pitchFamily="18" charset="0"/>
-              </a:rPr>
-              <a:t>Eliminar</a:t>
-            </a:r>
-            <a:endParaRPr lang="en-GB" sz="1400" dirty="0">
-              <a:latin typeface="Garamond" panose="02020404030301010803" pitchFamily="18" charset="0"/>
-            </a:endParaRPr>
-          </a:p>
-        </p:txBody>
-      </p:sp>
-      <p:sp>
-        <p:nvSpPr>
-          <p:cNvPr id="42" name="CuadroTexto 41">
-            <a:extLst>
-              <a:ext uri="{FF2B5EF4-FFF2-40B4-BE49-F238E27FC236}">
-                <a16:creationId xmlns:a16="http://schemas.microsoft.com/office/drawing/2014/main" xmlns="" id="{3923911E-F63F-4ABF-BBFB-5347F107636D}"/>
-              </a:ext>
-            </a:extLst>
-          </p:cNvPr>
-          <p:cNvSpPr txBox="1"/>
-          <p:nvPr/>
-        </p:nvSpPr>
-        <p:spPr>
-          <a:xfrm>
-            <a:off x="8715633" y="4051103"/>
-            <a:ext cx="3341792" cy="307777"/>
-          </a:xfrm>
-          <a:prstGeom prst="rect">
-            <a:avLst/>
-          </a:prstGeom>
-          <a:noFill/>
-        </p:spPr>
-        <p:txBody>
-          <a:bodyPr wrap="square" rtlCol="0">
-            <a:spAutoFit/>
-          </a:bodyPr>
-          <a:lstStyle/>
-          <a:p>
-            <a:r>
-              <a:rPr lang="en-GB" sz="1400" dirty="0" smtClean="0">
-                <a:latin typeface="Garamond" panose="02020404030301010803" pitchFamily="18" charset="0"/>
-              </a:rPr>
-              <a:t>- ¿</a:t>
-            </a:r>
-            <a:r>
-              <a:rPr lang="en-GB" sz="1400" dirty="0" err="1" smtClean="0">
-                <a:latin typeface="Garamond" panose="02020404030301010803" pitchFamily="18" charset="0"/>
-              </a:rPr>
-              <a:t>Que</a:t>
-            </a:r>
-            <a:r>
-              <a:rPr lang="en-GB" sz="1400" dirty="0" smtClean="0">
-                <a:latin typeface="Garamond" panose="02020404030301010803" pitchFamily="18" charset="0"/>
-              </a:rPr>
-              <a:t> </a:t>
-            </a:r>
-            <a:r>
-              <a:rPr lang="en-GB" sz="1400" dirty="0" err="1" smtClean="0">
-                <a:latin typeface="Garamond" panose="02020404030301010803" pitchFamily="18" charset="0"/>
-              </a:rPr>
-              <a:t>tengo</a:t>
-            </a:r>
-            <a:r>
-              <a:rPr lang="en-GB" sz="1400" dirty="0" smtClean="0">
-                <a:latin typeface="Garamond" panose="02020404030301010803" pitchFamily="18" charset="0"/>
-              </a:rPr>
-              <a:t> </a:t>
-            </a:r>
-            <a:r>
-              <a:rPr lang="en-GB" sz="1400" dirty="0" err="1" smtClean="0">
-                <a:latin typeface="Garamond" panose="02020404030301010803" pitchFamily="18" charset="0"/>
-              </a:rPr>
-              <a:t>más</a:t>
-            </a:r>
-            <a:r>
-              <a:rPr lang="en-GB" sz="1400" dirty="0" smtClean="0">
-                <a:latin typeface="Garamond" panose="02020404030301010803" pitchFamily="18" charset="0"/>
-              </a:rPr>
-              <a:t> </a:t>
-            </a:r>
-            <a:r>
-              <a:rPr lang="en-GB" sz="1400" dirty="0" err="1" smtClean="0">
-                <a:latin typeface="Garamond" panose="02020404030301010803" pitchFamily="18" charset="0"/>
-              </a:rPr>
-              <a:t>cerca</a:t>
-            </a:r>
-            <a:r>
-              <a:rPr lang="en-GB" sz="1400" dirty="0" smtClean="0">
-                <a:latin typeface="Garamond" panose="02020404030301010803" pitchFamily="18" charset="0"/>
-              </a:rPr>
-              <a:t>?</a:t>
-            </a:r>
-            <a:endParaRPr lang="en-GB" sz="1400" dirty="0">
-              <a:latin typeface="Garamond" panose="02020404030301010803" pitchFamily="18" charset="0"/>
-            </a:endParaRPr>
-          </a:p>
-        </p:txBody>
-      </p:sp>
-      <p:sp>
-        <p:nvSpPr>
-          <p:cNvPr id="43" name="CuadroTexto 42">
-            <a:extLst>
-              <a:ext uri="{FF2B5EF4-FFF2-40B4-BE49-F238E27FC236}">
-                <a16:creationId xmlns:a16="http://schemas.microsoft.com/office/drawing/2014/main" xmlns="" id="{3923911E-F63F-4ABF-BBFB-5347F107636D}"/>
-              </a:ext>
-            </a:extLst>
-          </p:cNvPr>
-          <p:cNvSpPr txBox="1"/>
-          <p:nvPr/>
-        </p:nvSpPr>
-        <p:spPr>
-          <a:xfrm>
-            <a:off x="8715633" y="4457171"/>
-            <a:ext cx="3341792" cy="307777"/>
-          </a:xfrm>
-          <a:prstGeom prst="rect">
-            <a:avLst/>
-          </a:prstGeom>
-          <a:noFill/>
-        </p:spPr>
-        <p:txBody>
-          <a:bodyPr wrap="square" rtlCol="0">
-            <a:spAutoFit/>
-          </a:bodyPr>
-          <a:lstStyle/>
-          <a:p>
-            <a:r>
-              <a:rPr lang="en-GB" sz="1400" dirty="0" smtClean="0">
-                <a:latin typeface="Garamond" panose="02020404030301010803" pitchFamily="18" charset="0"/>
-              </a:rPr>
-              <a:t>- </a:t>
-            </a:r>
-            <a:r>
-              <a:rPr lang="en-GB" sz="1400" dirty="0" err="1" smtClean="0">
-                <a:latin typeface="Garamond" panose="02020404030301010803" pitchFamily="18" charset="0"/>
-              </a:rPr>
-              <a:t>Mapas</a:t>
-            </a:r>
-            <a:r>
-              <a:rPr lang="en-GB" sz="1400" dirty="0" smtClean="0">
-                <a:latin typeface="Garamond" panose="02020404030301010803" pitchFamily="18" charset="0"/>
-              </a:rPr>
-              <a:t> de </a:t>
-            </a:r>
-            <a:r>
-              <a:rPr lang="en-GB" sz="1400" dirty="0" err="1" smtClean="0">
-                <a:latin typeface="Garamond" panose="02020404030301010803" pitchFamily="18" charset="0"/>
-              </a:rPr>
-              <a:t>calor</a:t>
-            </a:r>
-            <a:endParaRPr lang="en-GB" sz="1400" dirty="0">
-              <a:latin typeface="Garamond" panose="02020404030301010803" pitchFamily="18" charset="0"/>
-            </a:endParaRPr>
-          </a:p>
-        </p:txBody>
-      </p:sp>
-      <p:sp>
-        <p:nvSpPr>
-          <p:cNvPr id="23" name="CuadroTexto 22">
-            <a:extLst>
-              <a:ext uri="{FF2B5EF4-FFF2-40B4-BE49-F238E27FC236}">
-                <a16:creationId xmlns:a16="http://schemas.microsoft.com/office/drawing/2014/main" xmlns="" id="{79038E7C-EE77-4771-9FF2-A6FEC96AC332}"/>
-              </a:ext>
-            </a:extLst>
-          </p:cNvPr>
-          <p:cNvSpPr txBox="1"/>
-          <p:nvPr/>
-        </p:nvSpPr>
-        <p:spPr>
-          <a:xfrm>
-            <a:off x="2569682" y="4261247"/>
-            <a:ext cx="2997125" cy="253916"/>
-          </a:xfrm>
-          <a:prstGeom prst="rect">
-            <a:avLst/>
-          </a:prstGeom>
-          <a:noFill/>
-        </p:spPr>
-        <p:txBody>
-          <a:bodyPr wrap="square" rtlCol="0">
-            <a:spAutoFit/>
-          </a:bodyPr>
-          <a:lstStyle/>
-          <a:p>
-            <a:pPr algn="ctr"/>
-            <a:r>
-              <a:rPr lang="en-GB" sz="1050" dirty="0" err="1" smtClean="0">
-                <a:latin typeface="Garamond" panose="02020404030301010803" pitchFamily="18" charset="0"/>
-              </a:rPr>
-              <a:t>Provincia</a:t>
-            </a:r>
-            <a:r>
-              <a:rPr lang="en-GB" sz="1050" dirty="0" smtClean="0">
-                <a:latin typeface="Garamond" panose="02020404030301010803" pitchFamily="18" charset="0"/>
-              </a:rPr>
-              <a:t> y </a:t>
-            </a:r>
-            <a:r>
-              <a:rPr lang="en-GB" sz="1050" dirty="0" err="1" smtClean="0">
-                <a:latin typeface="Garamond" panose="02020404030301010803" pitchFamily="18" charset="0"/>
-              </a:rPr>
-              <a:t>Comunidad</a:t>
-            </a:r>
-            <a:r>
-              <a:rPr lang="en-GB" sz="1050" dirty="0" smtClean="0">
-                <a:latin typeface="Garamond" panose="02020404030301010803" pitchFamily="18" charset="0"/>
-              </a:rPr>
-              <a:t> </a:t>
-            </a:r>
-            <a:r>
-              <a:rPr lang="en-GB" sz="1050" dirty="0" err="1" smtClean="0">
-                <a:latin typeface="Garamond" panose="02020404030301010803" pitchFamily="18" charset="0"/>
-              </a:rPr>
-              <a:t>Autónoma</a:t>
-            </a:r>
-            <a:endParaRPr lang="en-GB" sz="1050" dirty="0">
-              <a:latin typeface="Garamond" panose="02020404030301010803" pitchFamily="18" charset="0"/>
-            </a:endParaRPr>
-          </a:p>
-        </p:txBody>
-      </p:sp>
-      <p:sp>
-        <p:nvSpPr>
-          <p:cNvPr id="27" name="CuadroTexto 26"/>
-          <p:cNvSpPr txBox="1"/>
-          <p:nvPr/>
-        </p:nvSpPr>
-        <p:spPr>
-          <a:xfrm>
-            <a:off x="188242" y="258641"/>
-            <a:ext cx="8197222" cy="646331"/>
-          </a:xfrm>
-          <a:prstGeom prst="rect">
-            <a:avLst/>
-          </a:prstGeom>
-          <a:noFill/>
-        </p:spPr>
-        <p:txBody>
-          <a:bodyPr wrap="square" rtlCol="0">
-            <a:spAutoFit/>
-          </a:bodyPr>
-          <a:lstStyle/>
-          <a:p>
-            <a:pPr algn="ctr"/>
-            <a:r>
-              <a:rPr lang="es-ES" sz="3600" b="1" dirty="0" smtClean="0">
-                <a:latin typeface="Garamond" panose="02020404030301010803" pitchFamily="18" charset="0"/>
-              </a:rPr>
-              <a:t>¿Qué datos y herramientas he utilizado?</a:t>
-            </a:r>
-            <a:endParaRPr lang="es-ES" sz="3600" b="1" dirty="0">
-              <a:latin typeface="Garamond" panose="02020404030301010803" pitchFamily="18" charset="0"/>
-            </a:endParaRPr>
-          </a:p>
-        </p:txBody>
-      </p:sp>
-      <p:sp>
-        <p:nvSpPr>
-          <p:cNvPr id="30" name="Más 29"/>
-          <p:cNvSpPr/>
-          <p:nvPr/>
-        </p:nvSpPr>
-        <p:spPr>
-          <a:xfrm>
-            <a:off x="3891599" y="4066682"/>
-            <a:ext cx="176645" cy="184246"/>
-          </a:xfrm>
-          <a:prstGeom prst="mathPlus">
-            <a:avLst/>
-          </a:prstGeom>
-          <a:solidFill>
-            <a:srgbClr val="336699"/>
-          </a:solidFill>
-          <a:ln>
-            <a:solidFill>
-              <a:srgbClr val="336699"/>
-            </a:solidFill>
-          </a:ln>
-        </p:spPr>
-        <p:style>
-          <a:lnRef idx="2">
-            <a:schemeClr val="accent1">
-              <a:shade val="50000"/>
-            </a:schemeClr>
-          </a:lnRef>
-          <a:fillRef idx="1">
-            <a:schemeClr val="accent1"/>
-          </a:fillRef>
-          <a:effectRef idx="0">
-            <a:schemeClr val="accent1"/>
-          </a:effectRef>
-          <a:fontRef idx="minor">
-            <a:schemeClr val="lt1"/>
-          </a:fontRef>
-        </p:style>
-        <p:txBody>
-          <a:bodyPr rtlCol="0" anchor="ctr"/>
-          <a:lstStyle/>
-          <a:p>
-            <a:pPr algn="ctr"/>
-            <a:endParaRPr lang="es-ES"/>
-          </a:p>
-        </p:txBody>
-      </p:sp>
-    </p:spTree>
-    <p:extLst>
-      <p:ext uri="{BB962C8B-B14F-4D97-AF65-F5344CB8AC3E}">
-        <p14:creationId xmlns:p14="http://schemas.microsoft.com/office/powerpoint/2010/main" val="3502909857"/>
-      </p:ext>
-    </p:extLst>
-  </p:cSld>
-  <p:clrMapOvr>
-    <a:masterClrMapping/>
-  </p:clrMapOvr>
-  <p:timing>
-    <p:tnLst>
-      <p:par>
-        <p:cTn id="1" dur="indefinite" restart="never" nodeType="tmRoot"/>
-      </p:par>
-    </p:tnLst>
-  </p:timing>
-</p:sld>
-</file>
-
-<file path=ppt/slides/slide5.xml><?xml version="1.0" encoding="utf-8"?>
-<p:sld xmlns:a="http://schemas.openxmlformats.org/drawingml/2006/main" xmlns:r="http://schemas.openxmlformats.org/officeDocument/2006/relationships" xmlns:p="http://schemas.openxmlformats.org/presentationml/2006/main">
-  <p:cSld>
-    <p:spTree>
-      <p:nvGrpSpPr>
-        <p:cNvPr id="1" name=""/>
-        <p:cNvGrpSpPr/>
-        <p:nvPr/>
-      </p:nvGrpSpPr>
-      <p:grpSpPr>
-        <a:xfrm>
-          <a:off x="0" y="0"/>
-          <a:ext cx="0" cy="0"/>
-          <a:chOff x="0" y="0"/>
-          <a:chExt cx="0" cy="0"/>
-        </a:xfrm>
-      </p:grpSpPr>
-      <p:sp>
-        <p:nvSpPr>
-          <p:cNvPr id="4" name="Marcador de número de diapositiva 3">
-            <a:extLst>
-              <a:ext uri="{FF2B5EF4-FFF2-40B4-BE49-F238E27FC236}">
-                <a16:creationId xmlns:a16="http://schemas.microsoft.com/office/drawing/2014/main" xmlns="" id="{7BF440B6-5B25-452B-92AF-7A7005307F73}"/>
-              </a:ext>
-            </a:extLst>
-          </p:cNvPr>
-          <p:cNvSpPr>
-            <a:spLocks noGrp="1"/>
-          </p:cNvSpPr>
-          <p:nvPr>
-            <p:ph type="sldNum" sz="quarter" idx="12"/>
-          </p:nvPr>
-        </p:nvSpPr>
-        <p:spPr/>
-        <p:txBody>
-          <a:bodyPr/>
-          <a:lstStyle/>
-          <a:p>
-            <a:fld id="{072220C6-3BBB-43D4-AF5F-545732F78A03}" type="slidenum">
-              <a:rPr lang="es-ES" smtClean="0"/>
-              <a:t>5</a:t>
-            </a:fld>
-            <a:endParaRPr lang="es-ES"/>
-          </a:p>
-        </p:txBody>
-      </p:sp>
-      <p:grpSp>
-        <p:nvGrpSpPr>
-          <p:cNvPr id="16" name="Grupo 15"/>
-          <p:cNvGrpSpPr/>
-          <p:nvPr/>
-        </p:nvGrpSpPr>
-        <p:grpSpPr>
-          <a:xfrm>
-            <a:off x="6525813" y="1457580"/>
-            <a:ext cx="2997127" cy="3277436"/>
-            <a:chOff x="1265663" y="459365"/>
-            <a:chExt cx="3202383" cy="3411195"/>
-          </a:xfrm>
-        </p:grpSpPr>
-        <p:sp>
-          <p:nvSpPr>
-            <p:cNvPr id="17" name="Rectángulo: esquinas redondeadas 4">
-              <a:extLst>
-                <a:ext uri="{FF2B5EF4-FFF2-40B4-BE49-F238E27FC236}">
-                  <a16:creationId xmlns:a16="http://schemas.microsoft.com/office/drawing/2014/main" xmlns="" id="{15DB727B-D55A-4720-86D2-AE9BD20E0FBD}"/>
-                </a:ext>
-              </a:extLst>
-            </p:cNvPr>
-            <p:cNvSpPr/>
-            <p:nvPr/>
-          </p:nvSpPr>
-          <p:spPr>
-            <a:xfrm>
-              <a:off x="1265664" y="459365"/>
-              <a:ext cx="3202382" cy="3411195"/>
-            </a:xfrm>
-            <a:prstGeom prst="roundRect">
-              <a:avLst/>
-            </a:prstGeom>
-            <a:noFill/>
-            <a:ln w="28575">
-              <a:solidFill>
-                <a:srgbClr val="238D8A"/>
-              </a:solidFill>
-            </a:ln>
-          </p:spPr>
-          <p:style>
-            <a:lnRef idx="2">
-              <a:schemeClr val="accent1">
-                <a:shade val="50000"/>
-              </a:schemeClr>
-            </a:lnRef>
-            <a:fillRef idx="1">
-              <a:schemeClr val="accent1"/>
-            </a:fillRef>
-            <a:effectRef idx="0">
-              <a:schemeClr val="accent1"/>
-            </a:effectRef>
-            <a:fontRef idx="minor">
-              <a:schemeClr val="lt1"/>
-            </a:fontRef>
-          </p:style>
-          <p:txBody>
-            <a:bodyPr rtlCol="0" anchor="ctr"/>
-            <a:lstStyle/>
-            <a:p>
-              <a:pPr algn="ctr"/>
-              <a:endParaRPr lang="en-GB"/>
-            </a:p>
-          </p:txBody>
-        </p:sp>
-        <p:sp>
-          <p:nvSpPr>
-            <p:cNvPr id="18" name="CuadroTexto 17">
-              <a:extLst>
-                <a:ext uri="{FF2B5EF4-FFF2-40B4-BE49-F238E27FC236}">
-                  <a16:creationId xmlns:a16="http://schemas.microsoft.com/office/drawing/2014/main" xmlns="" id="{59E895E3-AEF8-41B8-96BC-6F3A2FA73FB1}"/>
-                </a:ext>
-              </a:extLst>
-            </p:cNvPr>
-            <p:cNvSpPr txBox="1"/>
-            <p:nvPr/>
-          </p:nvSpPr>
-          <p:spPr>
-            <a:xfrm>
-              <a:off x="1338374" y="648880"/>
-              <a:ext cx="3039073" cy="1446550"/>
-            </a:xfrm>
-            <a:prstGeom prst="rect">
-              <a:avLst/>
-            </a:prstGeom>
-            <a:noFill/>
-          </p:spPr>
-          <p:txBody>
-            <a:bodyPr wrap="square" rtlCol="0">
-              <a:spAutoFit/>
-            </a:bodyPr>
-            <a:lstStyle/>
-            <a:p>
-              <a:pPr algn="ctr"/>
-              <a:r>
-                <a:rPr lang="en-GB" sz="2200" b="1" dirty="0" smtClean="0">
-                  <a:latin typeface="Garamond" panose="02020404030301010803" pitchFamily="18" charset="0"/>
-                </a:rPr>
-                <a:t>Base de </a:t>
-              </a:r>
-              <a:r>
-                <a:rPr lang="en-GB" sz="2200" b="1" dirty="0" err="1" smtClean="0">
-                  <a:latin typeface="Garamond" panose="02020404030301010803" pitchFamily="18" charset="0"/>
-                </a:rPr>
-                <a:t>datos</a:t>
-              </a:r>
-              <a:r>
-                <a:rPr lang="en-GB" sz="2200" b="1" dirty="0" smtClean="0">
-                  <a:latin typeface="Garamond" panose="02020404030301010803" pitchFamily="18" charset="0"/>
-                </a:rPr>
-                <a:t> de variables </a:t>
-              </a:r>
-              <a:r>
-                <a:rPr lang="en-GB" sz="2200" b="1" dirty="0" err="1" smtClean="0">
-                  <a:latin typeface="Garamond" panose="02020404030301010803" pitchFamily="18" charset="0"/>
-                </a:rPr>
-                <a:t>climáticas</a:t>
-              </a:r>
-              <a:endParaRPr lang="en-GB" sz="2200" b="1" dirty="0" smtClean="0">
-                <a:latin typeface="Garamond" panose="02020404030301010803" pitchFamily="18" charset="0"/>
-              </a:endParaRPr>
-            </a:p>
-            <a:p>
-              <a:pPr algn="ctr"/>
-              <a:r>
-                <a:rPr lang="en-GB" sz="2200" b="1" dirty="0" err="1" smtClean="0">
-                  <a:latin typeface="Garamond" panose="02020404030301010803" pitchFamily="18" charset="0"/>
-                </a:rPr>
-                <a:t>WorldClim</a:t>
-              </a:r>
-              <a:endParaRPr lang="en-GB" sz="2200" b="1" dirty="0" smtClean="0">
-                <a:latin typeface="Garamond" panose="02020404030301010803" pitchFamily="18" charset="0"/>
-              </a:endParaRPr>
-            </a:p>
-            <a:p>
-              <a:pPr algn="ctr"/>
-              <a:r>
-                <a:rPr lang="en-GB" sz="2200" dirty="0" smtClean="0">
-                  <a:latin typeface="Garamond" panose="02020404030301010803" pitchFamily="18" charset="0"/>
-                </a:rPr>
-                <a:t>1990-2015</a:t>
-              </a:r>
-              <a:endParaRPr lang="en-GB" sz="2200" dirty="0">
-                <a:latin typeface="Garamond" panose="02020404030301010803" pitchFamily="18" charset="0"/>
-              </a:endParaRPr>
-            </a:p>
-          </p:txBody>
-        </p:sp>
-        <p:sp>
-          <p:nvSpPr>
-            <p:cNvPr id="19" name="CuadroTexto 18">
-              <a:extLst>
-                <a:ext uri="{FF2B5EF4-FFF2-40B4-BE49-F238E27FC236}">
-                  <a16:creationId xmlns:a16="http://schemas.microsoft.com/office/drawing/2014/main" xmlns="" id="{79038E7C-EE77-4771-9FF2-A6FEC96AC332}"/>
-                </a:ext>
-              </a:extLst>
-            </p:cNvPr>
-            <p:cNvSpPr txBox="1"/>
-            <p:nvPr/>
-          </p:nvSpPr>
-          <p:spPr>
-            <a:xfrm>
-              <a:off x="1265663" y="2600667"/>
-              <a:ext cx="3202381" cy="1223412"/>
-            </a:xfrm>
-            <a:prstGeom prst="rect">
-              <a:avLst/>
-            </a:prstGeom>
-            <a:noFill/>
-          </p:spPr>
-          <p:txBody>
-            <a:bodyPr wrap="square" rtlCol="0">
-              <a:spAutoFit/>
-            </a:bodyPr>
-            <a:lstStyle/>
-            <a:p>
-              <a:pPr algn="ctr"/>
-              <a:r>
-                <a:rPr lang="en-GB" sz="1050" dirty="0" err="1" smtClean="0">
-                  <a:latin typeface="Garamond" panose="02020404030301010803" pitchFamily="18" charset="0"/>
-                </a:rPr>
-                <a:t>Temperatura</a:t>
-              </a:r>
-              <a:r>
-                <a:rPr lang="en-GB" sz="1050" dirty="0" smtClean="0">
-                  <a:latin typeface="Garamond" panose="02020404030301010803" pitchFamily="18" charset="0"/>
-                </a:rPr>
-                <a:t> media annual</a:t>
-              </a:r>
-            </a:p>
-            <a:p>
-              <a:pPr algn="ctr"/>
-              <a:r>
-                <a:rPr lang="en-GB" sz="1050" dirty="0" err="1" smtClean="0">
-                  <a:latin typeface="Garamond" panose="02020404030301010803" pitchFamily="18" charset="0"/>
-                </a:rPr>
-                <a:t>Temperatura</a:t>
-              </a:r>
-              <a:r>
-                <a:rPr lang="en-GB" sz="1050" dirty="0" smtClean="0">
-                  <a:latin typeface="Garamond" panose="02020404030301010803" pitchFamily="18" charset="0"/>
-                </a:rPr>
-                <a:t> </a:t>
-              </a:r>
-              <a:r>
-                <a:rPr lang="en-GB" sz="1050" dirty="0" err="1" smtClean="0">
-                  <a:latin typeface="Garamond" panose="02020404030301010803" pitchFamily="18" charset="0"/>
-                </a:rPr>
-                <a:t>máxima</a:t>
-              </a:r>
-              <a:r>
-                <a:rPr lang="en-GB" sz="1050" dirty="0" smtClean="0">
-                  <a:latin typeface="Garamond" panose="02020404030301010803" pitchFamily="18" charset="0"/>
-                </a:rPr>
-                <a:t> del </a:t>
-              </a:r>
-              <a:r>
-                <a:rPr lang="en-GB" sz="1050" dirty="0" err="1" smtClean="0">
-                  <a:latin typeface="Garamond" panose="02020404030301010803" pitchFamily="18" charset="0"/>
-                </a:rPr>
-                <a:t>mes</a:t>
-              </a:r>
-              <a:r>
-                <a:rPr lang="en-GB" sz="1050" dirty="0" smtClean="0">
-                  <a:latin typeface="Garamond" panose="02020404030301010803" pitchFamily="18" charset="0"/>
-                </a:rPr>
-                <a:t> mas </a:t>
-              </a:r>
-              <a:r>
-                <a:rPr lang="en-GB" sz="1050" dirty="0" err="1" smtClean="0">
-                  <a:latin typeface="Garamond" panose="02020404030301010803" pitchFamily="18" charset="0"/>
-                </a:rPr>
-                <a:t>cálido</a:t>
-              </a:r>
-              <a:endParaRPr lang="en-GB" sz="1050" dirty="0" smtClean="0">
-                <a:latin typeface="Garamond" panose="02020404030301010803" pitchFamily="18" charset="0"/>
-              </a:endParaRPr>
-            </a:p>
-            <a:p>
-              <a:pPr algn="ctr"/>
-              <a:r>
-                <a:rPr lang="en-GB" sz="1050" dirty="0" err="1" smtClean="0">
-                  <a:latin typeface="Garamond" panose="02020404030301010803" pitchFamily="18" charset="0"/>
-                </a:rPr>
-                <a:t>Temperatura</a:t>
-              </a:r>
-              <a:r>
-                <a:rPr lang="en-GB" sz="1050" dirty="0" smtClean="0">
-                  <a:latin typeface="Garamond" panose="02020404030301010803" pitchFamily="18" charset="0"/>
-                </a:rPr>
-                <a:t> minima del </a:t>
-              </a:r>
-              <a:r>
-                <a:rPr lang="en-GB" sz="1050" dirty="0" err="1" smtClean="0">
-                  <a:latin typeface="Garamond" panose="02020404030301010803" pitchFamily="18" charset="0"/>
-                </a:rPr>
-                <a:t>mes</a:t>
-              </a:r>
-              <a:r>
-                <a:rPr lang="en-GB" sz="1050" dirty="0" smtClean="0">
-                  <a:latin typeface="Garamond" panose="02020404030301010803" pitchFamily="18" charset="0"/>
-                </a:rPr>
-                <a:t> mas </a:t>
-              </a:r>
-              <a:r>
-                <a:rPr lang="en-GB" sz="1050" dirty="0" err="1" smtClean="0">
-                  <a:latin typeface="Garamond" panose="02020404030301010803" pitchFamily="18" charset="0"/>
-                </a:rPr>
-                <a:t>frio</a:t>
-              </a:r>
-              <a:endParaRPr lang="en-GB" sz="1050" dirty="0" smtClean="0">
-                <a:latin typeface="Garamond" panose="02020404030301010803" pitchFamily="18" charset="0"/>
-              </a:endParaRPr>
-            </a:p>
-            <a:p>
-              <a:pPr algn="ctr"/>
-              <a:r>
-                <a:rPr lang="en-GB" sz="1050" dirty="0" err="1" smtClean="0">
-                  <a:latin typeface="Garamond" panose="02020404030301010803" pitchFamily="18" charset="0"/>
-                </a:rPr>
-                <a:t>Elevación</a:t>
-              </a:r>
-              <a:endParaRPr lang="en-GB" sz="1050" dirty="0" smtClean="0">
-                <a:latin typeface="Garamond" panose="02020404030301010803" pitchFamily="18" charset="0"/>
-              </a:endParaRPr>
-            </a:p>
-            <a:p>
-              <a:pPr algn="ctr"/>
-              <a:r>
-                <a:rPr lang="en-GB" sz="1050" dirty="0" err="1" smtClean="0">
-                  <a:latin typeface="Garamond" panose="02020404030301010803" pitchFamily="18" charset="0"/>
-                </a:rPr>
-                <a:t>Precipitación</a:t>
-              </a:r>
-              <a:endParaRPr lang="en-GB" sz="1050" dirty="0" smtClean="0">
-                <a:latin typeface="Garamond" panose="02020404030301010803" pitchFamily="18" charset="0"/>
-              </a:endParaRPr>
-            </a:p>
-            <a:p>
-              <a:pPr algn="ctr"/>
-              <a:r>
-                <a:rPr lang="en-GB" sz="1050" dirty="0" err="1" smtClean="0">
-                  <a:latin typeface="Garamond" panose="02020404030301010803" pitchFamily="18" charset="0"/>
-                </a:rPr>
-                <a:t>Isotermalidad</a:t>
-              </a:r>
-              <a:endParaRPr lang="en-GB" sz="1050" dirty="0" smtClean="0">
-                <a:latin typeface="Garamond" panose="02020404030301010803" pitchFamily="18" charset="0"/>
-              </a:endParaRPr>
-            </a:p>
-            <a:p>
-              <a:pPr algn="ctr"/>
-              <a:r>
-                <a:rPr lang="en-GB" sz="1050" dirty="0" err="1" smtClean="0">
-                  <a:latin typeface="Garamond" panose="02020404030301010803" pitchFamily="18" charset="0"/>
-                </a:rPr>
-                <a:t>Variación</a:t>
-              </a:r>
-              <a:r>
-                <a:rPr lang="en-GB" sz="1050" dirty="0" smtClean="0">
-                  <a:latin typeface="Garamond" panose="02020404030301010803" pitchFamily="18" charset="0"/>
-                </a:rPr>
-                <a:t> </a:t>
-              </a:r>
-              <a:r>
-                <a:rPr lang="en-GB" sz="1050" dirty="0" err="1" smtClean="0">
-                  <a:latin typeface="Garamond" panose="02020404030301010803" pitchFamily="18" charset="0"/>
-                </a:rPr>
-                <a:t>estacional</a:t>
-              </a:r>
-              <a:r>
-                <a:rPr lang="en-GB" sz="1050" dirty="0" smtClean="0">
-                  <a:latin typeface="Garamond" panose="02020404030301010803" pitchFamily="18" charset="0"/>
-                </a:rPr>
-                <a:t> de la </a:t>
-              </a:r>
-              <a:r>
-                <a:rPr lang="en-GB" sz="1050" dirty="0" err="1" smtClean="0">
-                  <a:latin typeface="Garamond" panose="02020404030301010803" pitchFamily="18" charset="0"/>
-                </a:rPr>
-                <a:t>temperatura</a:t>
-              </a:r>
-              <a:endParaRPr lang="en-GB" sz="1050" dirty="0">
-                <a:latin typeface="Garamond" panose="02020404030301010803" pitchFamily="18" charset="0"/>
-              </a:endParaRPr>
-            </a:p>
-          </p:txBody>
-        </p:sp>
-        <p:cxnSp>
-          <p:nvCxnSpPr>
-            <p:cNvPr id="20" name="Conector recto de flecha 19">
-              <a:extLst>
-                <a:ext uri="{FF2B5EF4-FFF2-40B4-BE49-F238E27FC236}">
-                  <a16:creationId xmlns:a16="http://schemas.microsoft.com/office/drawing/2014/main" xmlns="" id="{38AD23BC-DF3D-4424-80C0-528DF86AFF9A}"/>
-                </a:ext>
-              </a:extLst>
-            </p:cNvPr>
-            <p:cNvCxnSpPr/>
-            <p:nvPr/>
-          </p:nvCxnSpPr>
-          <p:spPr>
-            <a:xfrm>
-              <a:off x="2866853" y="2208684"/>
-              <a:ext cx="8943" cy="379141"/>
-            </a:xfrm>
-            <a:prstGeom prst="straightConnector1">
-              <a:avLst/>
-            </a:prstGeom>
-            <a:ln w="28575">
-              <a:solidFill>
-                <a:srgbClr val="238D8A"/>
-              </a:solidFill>
-              <a:tailEnd type="triangle"/>
-            </a:ln>
-          </p:spPr>
-          <p:style>
-            <a:lnRef idx="1">
-              <a:schemeClr val="accent1"/>
-            </a:lnRef>
-            <a:fillRef idx="0">
-              <a:schemeClr val="accent1"/>
-            </a:fillRef>
-            <a:effectRef idx="0">
-              <a:schemeClr val="accent1"/>
-            </a:effectRef>
-            <a:fontRef idx="minor">
-              <a:schemeClr val="tx1"/>
-            </a:fontRef>
-          </p:style>
-        </p:cxnSp>
-      </p:grpSp>
-      <p:sp>
-        <p:nvSpPr>
-          <p:cNvPr id="21" name="Flecha: a la derecha con bandas 38">
-            <a:extLst>
-              <a:ext uri="{FF2B5EF4-FFF2-40B4-BE49-F238E27FC236}">
-                <a16:creationId xmlns:a16="http://schemas.microsoft.com/office/drawing/2014/main" xmlns="" id="{8A6DC2CB-BDCA-429B-B88A-F037083452DA}"/>
-              </a:ext>
-            </a:extLst>
-          </p:cNvPr>
-          <p:cNvSpPr/>
-          <p:nvPr/>
-        </p:nvSpPr>
-        <p:spPr>
-          <a:xfrm rot="16200000">
-            <a:off x="5822787" y="4873220"/>
-            <a:ext cx="501870" cy="429036"/>
-          </a:xfrm>
-          <a:prstGeom prst="stripedRightArrow">
-            <a:avLst/>
-          </a:prstGeom>
-          <a:solidFill>
-            <a:srgbClr val="238D8A"/>
-          </a:solidFill>
-          <a:ln>
-            <a:solidFill>
-              <a:schemeClr val="tx1"/>
-            </a:solidFill>
-          </a:ln>
-        </p:spPr>
-        <p:style>
-          <a:lnRef idx="2">
-            <a:schemeClr val="accent1">
-              <a:shade val="50000"/>
-            </a:schemeClr>
-          </a:lnRef>
-          <a:fillRef idx="1">
-            <a:schemeClr val="accent1"/>
-          </a:fillRef>
-          <a:effectRef idx="0">
-            <a:schemeClr val="accent1"/>
-          </a:effectRef>
-          <a:fontRef idx="minor">
-            <a:schemeClr val="lt1"/>
-          </a:fontRef>
-        </p:style>
-        <p:txBody>
-          <a:bodyPr rtlCol="0" anchor="ctr"/>
-          <a:lstStyle/>
-          <a:p>
-            <a:pPr algn="ctr"/>
-            <a:endParaRPr lang="en-GB"/>
-          </a:p>
-        </p:txBody>
-      </p:sp>
-      <p:sp>
-        <p:nvSpPr>
-          <p:cNvPr id="23" name="CuadroTexto 22">
-            <a:extLst>
-              <a:ext uri="{FF2B5EF4-FFF2-40B4-BE49-F238E27FC236}">
-                <a16:creationId xmlns:a16="http://schemas.microsoft.com/office/drawing/2014/main" xmlns="" id="{59E895E3-AEF8-41B8-96BC-6F3A2FA73FB1}"/>
-              </a:ext>
-            </a:extLst>
-          </p:cNvPr>
-          <p:cNvSpPr txBox="1"/>
-          <p:nvPr/>
-        </p:nvSpPr>
-        <p:spPr>
-          <a:xfrm>
-            <a:off x="2774468" y="5647600"/>
-            <a:ext cx="6598508" cy="523220"/>
-          </a:xfrm>
-          <a:prstGeom prst="rect">
-            <a:avLst/>
-          </a:prstGeom>
-          <a:noFill/>
-        </p:spPr>
-        <p:txBody>
-          <a:bodyPr wrap="square" rtlCol="0">
-            <a:spAutoFit/>
-          </a:bodyPr>
-          <a:lstStyle/>
-          <a:p>
-            <a:pPr algn="ctr"/>
-            <a:r>
-              <a:rPr lang="en-GB" sz="2800" b="1" dirty="0" err="1">
-                <a:latin typeface="Garamond" panose="02020404030301010803" pitchFamily="18" charset="0"/>
-              </a:rPr>
-              <a:t>Análisis</a:t>
-            </a:r>
-            <a:r>
-              <a:rPr lang="en-GB" sz="2800" b="1" dirty="0">
-                <a:latin typeface="Garamond" panose="02020404030301010803" pitchFamily="18" charset="0"/>
-              </a:rPr>
-              <a:t> de clustering</a:t>
-            </a:r>
-            <a:endParaRPr lang="en-GB" sz="2800" b="1" dirty="0">
-              <a:latin typeface="Garamond" panose="02020404030301010803" pitchFamily="18" charset="0"/>
-            </a:endParaRPr>
-          </a:p>
-        </p:txBody>
-      </p:sp>
-      <p:sp>
-        <p:nvSpPr>
-          <p:cNvPr id="15" name="CuadroTexto 14"/>
-          <p:cNvSpPr txBox="1"/>
-          <p:nvPr/>
-        </p:nvSpPr>
-        <p:spPr>
-          <a:xfrm>
-            <a:off x="188242" y="258641"/>
-            <a:ext cx="8197222" cy="646331"/>
-          </a:xfrm>
-          <a:prstGeom prst="rect">
-            <a:avLst/>
-          </a:prstGeom>
-          <a:noFill/>
-        </p:spPr>
-        <p:txBody>
-          <a:bodyPr wrap="square" rtlCol="0">
-            <a:spAutoFit/>
-          </a:bodyPr>
-          <a:lstStyle/>
-          <a:p>
-            <a:pPr algn="ctr"/>
-            <a:r>
-              <a:rPr lang="es-ES" sz="3600" b="1" dirty="0" smtClean="0">
-                <a:latin typeface="Garamond" panose="02020404030301010803" pitchFamily="18" charset="0"/>
-              </a:rPr>
-              <a:t>¿Qué datos y herramientas he utilizado?</a:t>
-            </a:r>
-            <a:endParaRPr lang="es-ES" sz="3600" b="1" dirty="0">
-              <a:latin typeface="Garamond" panose="02020404030301010803" pitchFamily="18" charset="0"/>
-            </a:endParaRPr>
-          </a:p>
-        </p:txBody>
-      </p:sp>
-      <p:grpSp>
-        <p:nvGrpSpPr>
-          <p:cNvPr id="24" name="Grupo 23"/>
-          <p:cNvGrpSpPr/>
-          <p:nvPr/>
-        </p:nvGrpSpPr>
-        <p:grpSpPr>
-          <a:xfrm>
-            <a:off x="2501630" y="1416725"/>
-            <a:ext cx="2997128" cy="3277436"/>
-            <a:chOff x="1265662" y="459365"/>
-            <a:chExt cx="3202384" cy="3411195"/>
-          </a:xfrm>
-        </p:grpSpPr>
-        <p:sp>
-          <p:nvSpPr>
-            <p:cNvPr id="25" name="Rectángulo: esquinas redondeadas 4">
-              <a:extLst>
-                <a:ext uri="{FF2B5EF4-FFF2-40B4-BE49-F238E27FC236}">
-                  <a16:creationId xmlns:a16="http://schemas.microsoft.com/office/drawing/2014/main" xmlns="" id="{15DB727B-D55A-4720-86D2-AE9BD20E0FBD}"/>
-                </a:ext>
-              </a:extLst>
-            </p:cNvPr>
-            <p:cNvSpPr/>
-            <p:nvPr/>
-          </p:nvSpPr>
-          <p:spPr>
-            <a:xfrm>
-              <a:off x="1265664" y="459365"/>
-              <a:ext cx="3202382" cy="3411195"/>
-            </a:xfrm>
-            <a:prstGeom prst="roundRect">
-              <a:avLst/>
-            </a:prstGeom>
-            <a:noFill/>
-            <a:ln w="28575">
-              <a:solidFill>
-                <a:srgbClr val="238D8A"/>
-              </a:solidFill>
-            </a:ln>
-          </p:spPr>
-          <p:style>
-            <a:lnRef idx="2">
-              <a:schemeClr val="accent1">
-                <a:shade val="50000"/>
-              </a:schemeClr>
-            </a:lnRef>
-            <a:fillRef idx="1">
-              <a:schemeClr val="accent1"/>
-            </a:fillRef>
-            <a:effectRef idx="0">
-              <a:schemeClr val="accent1"/>
-            </a:effectRef>
-            <a:fontRef idx="minor">
-              <a:schemeClr val="lt1"/>
-            </a:fontRef>
-          </p:style>
-          <p:txBody>
-            <a:bodyPr rtlCol="0" anchor="ctr"/>
-            <a:lstStyle/>
-            <a:p>
-              <a:pPr algn="ctr"/>
-              <a:endParaRPr lang="en-GB"/>
-            </a:p>
-          </p:txBody>
-        </p:sp>
-        <p:sp>
-          <p:nvSpPr>
-            <p:cNvPr id="26" name="CuadroTexto 25">
-              <a:extLst>
-                <a:ext uri="{FF2B5EF4-FFF2-40B4-BE49-F238E27FC236}">
-                  <a16:creationId xmlns:a16="http://schemas.microsoft.com/office/drawing/2014/main" xmlns="" id="{59E895E3-AEF8-41B8-96BC-6F3A2FA73FB1}"/>
-                </a:ext>
-              </a:extLst>
-            </p:cNvPr>
-            <p:cNvSpPr txBox="1"/>
-            <p:nvPr/>
-          </p:nvSpPr>
-          <p:spPr>
-            <a:xfrm>
-              <a:off x="1338374" y="648880"/>
-              <a:ext cx="3039073" cy="1107996"/>
-            </a:xfrm>
-            <a:prstGeom prst="rect">
-              <a:avLst/>
-            </a:prstGeom>
-            <a:noFill/>
-          </p:spPr>
-          <p:txBody>
-            <a:bodyPr wrap="square" rtlCol="0">
-              <a:spAutoFit/>
-            </a:bodyPr>
-            <a:lstStyle/>
-            <a:p>
-              <a:pPr algn="ctr"/>
-              <a:r>
-                <a:rPr lang="en-GB" sz="2200" b="1" dirty="0" smtClean="0">
-                  <a:latin typeface="Garamond" panose="02020404030301010803" pitchFamily="18" charset="0"/>
-                </a:rPr>
-                <a:t>Base de </a:t>
-              </a:r>
-              <a:r>
-                <a:rPr lang="en-GB" sz="2200" b="1" dirty="0" err="1" smtClean="0">
-                  <a:latin typeface="Garamond" panose="02020404030301010803" pitchFamily="18" charset="0"/>
-                </a:rPr>
-                <a:t>datos</a:t>
-              </a:r>
-              <a:r>
-                <a:rPr lang="en-GB" sz="2200" b="1" dirty="0" smtClean="0">
-                  <a:latin typeface="Garamond" panose="02020404030301010803" pitchFamily="18" charset="0"/>
-                </a:rPr>
-                <a:t> de </a:t>
-              </a:r>
-              <a:r>
-                <a:rPr lang="en-GB" sz="2200" b="1" dirty="0" err="1" smtClean="0">
-                  <a:latin typeface="Garamond" panose="02020404030301010803" pitchFamily="18" charset="0"/>
-                </a:rPr>
-                <a:t>ocurrencias</a:t>
-              </a:r>
-              <a:r>
-                <a:rPr lang="en-GB" sz="2200" b="1" dirty="0" smtClean="0">
-                  <a:latin typeface="Garamond" panose="02020404030301010803" pitchFamily="18" charset="0"/>
-                </a:rPr>
-                <a:t> de </a:t>
-              </a:r>
-              <a:r>
-                <a:rPr lang="en-GB" sz="2200" b="1" dirty="0" err="1" smtClean="0">
-                  <a:latin typeface="Garamond" panose="02020404030301010803" pitchFamily="18" charset="0"/>
-                </a:rPr>
-                <a:t>especies</a:t>
-              </a:r>
-              <a:endParaRPr lang="en-GB" sz="2200" b="1" dirty="0" smtClean="0">
-                <a:latin typeface="Garamond" panose="02020404030301010803" pitchFamily="18" charset="0"/>
-              </a:endParaRPr>
-            </a:p>
-            <a:p>
-              <a:pPr algn="ctr"/>
-              <a:r>
-                <a:rPr lang="en-GB" sz="2200" b="1" dirty="0" smtClean="0">
-                  <a:latin typeface="Garamond" panose="02020404030301010803" pitchFamily="18" charset="0"/>
-                </a:rPr>
-                <a:t>GBIF</a:t>
-              </a:r>
-              <a:endParaRPr lang="en-GB" sz="2200" b="1" dirty="0">
-                <a:latin typeface="Garamond" panose="02020404030301010803" pitchFamily="18" charset="0"/>
-              </a:endParaRPr>
-            </a:p>
-          </p:txBody>
-        </p:sp>
-        <p:sp>
-          <p:nvSpPr>
-            <p:cNvPr id="27" name="CuadroTexto 26">
-              <a:extLst>
-                <a:ext uri="{FF2B5EF4-FFF2-40B4-BE49-F238E27FC236}">
-                  <a16:creationId xmlns:a16="http://schemas.microsoft.com/office/drawing/2014/main" xmlns="" id="{79038E7C-EE77-4771-9FF2-A6FEC96AC332}"/>
-                </a:ext>
-              </a:extLst>
-            </p:cNvPr>
-            <p:cNvSpPr txBox="1"/>
-            <p:nvPr/>
-          </p:nvSpPr>
-          <p:spPr>
-            <a:xfrm>
-              <a:off x="1265662" y="2744520"/>
-              <a:ext cx="3202381" cy="430887"/>
-            </a:xfrm>
-            <a:prstGeom prst="rect">
-              <a:avLst/>
-            </a:prstGeom>
-            <a:noFill/>
-          </p:spPr>
-          <p:txBody>
-            <a:bodyPr wrap="square" rtlCol="0">
-              <a:spAutoFit/>
-            </a:bodyPr>
-            <a:lstStyle/>
-            <a:p>
-              <a:pPr algn="ctr"/>
-              <a:r>
-                <a:rPr lang="en-GB" sz="1050" dirty="0" err="1" smtClean="0">
-                  <a:latin typeface="Garamond" panose="02020404030301010803" pitchFamily="18" charset="0"/>
-                </a:rPr>
-                <a:t>Clase</a:t>
-              </a:r>
-              <a:r>
-                <a:rPr lang="en-GB" sz="1050" dirty="0" smtClean="0">
-                  <a:latin typeface="Garamond" panose="02020404030301010803" pitchFamily="18" charset="0"/>
-                </a:rPr>
-                <a:t>, </a:t>
-              </a:r>
-              <a:r>
-                <a:rPr lang="en-GB" sz="1050" dirty="0" err="1" smtClean="0">
-                  <a:latin typeface="Garamond" panose="02020404030301010803" pitchFamily="18" charset="0"/>
-                </a:rPr>
-                <a:t>Familia</a:t>
-              </a:r>
-              <a:r>
-                <a:rPr lang="en-GB" sz="1050" dirty="0" smtClean="0">
-                  <a:latin typeface="Garamond" panose="02020404030301010803" pitchFamily="18" charset="0"/>
-                </a:rPr>
-                <a:t>, </a:t>
-              </a:r>
-              <a:r>
-                <a:rPr lang="en-GB" sz="1050" dirty="0" err="1" smtClean="0">
-                  <a:latin typeface="Garamond" panose="02020404030301010803" pitchFamily="18" charset="0"/>
-                </a:rPr>
-                <a:t>Género</a:t>
-              </a:r>
-              <a:r>
-                <a:rPr lang="en-GB" sz="1050" dirty="0" smtClean="0">
-                  <a:latin typeface="Garamond" panose="02020404030301010803" pitchFamily="18" charset="0"/>
-                </a:rPr>
-                <a:t>, </a:t>
-              </a:r>
-              <a:r>
-                <a:rPr lang="en-GB" sz="1050" dirty="0" err="1" smtClean="0">
-                  <a:latin typeface="Garamond" panose="02020404030301010803" pitchFamily="18" charset="0"/>
-                </a:rPr>
-                <a:t>Especie</a:t>
-              </a:r>
-              <a:r>
-                <a:rPr lang="en-GB" sz="1050" dirty="0" smtClean="0">
-                  <a:latin typeface="Garamond" panose="02020404030301010803" pitchFamily="18" charset="0"/>
-                </a:rPr>
-                <a:t>, </a:t>
-              </a:r>
-              <a:r>
-                <a:rPr lang="en-GB" sz="1050" dirty="0" err="1" smtClean="0">
-                  <a:latin typeface="Garamond" panose="02020404030301010803" pitchFamily="18" charset="0"/>
-                </a:rPr>
-                <a:t>Nombre</a:t>
-              </a:r>
-              <a:r>
-                <a:rPr lang="en-GB" sz="1050" dirty="0" smtClean="0">
-                  <a:latin typeface="Garamond" panose="02020404030301010803" pitchFamily="18" charset="0"/>
-                </a:rPr>
-                <a:t> </a:t>
-              </a:r>
-              <a:r>
-                <a:rPr lang="en-GB" sz="1050" dirty="0" err="1" smtClean="0">
-                  <a:latin typeface="Garamond" panose="02020404030301010803" pitchFamily="18" charset="0"/>
-                </a:rPr>
-                <a:t>Común</a:t>
-              </a:r>
-              <a:r>
-                <a:rPr lang="en-GB" sz="1050" dirty="0" smtClean="0">
-                  <a:latin typeface="Garamond" panose="02020404030301010803" pitchFamily="18" charset="0"/>
-                </a:rPr>
-                <a:t>, </a:t>
-              </a:r>
-              <a:r>
-                <a:rPr lang="en-GB" sz="1050" dirty="0" err="1" smtClean="0">
-                  <a:latin typeface="Garamond" panose="02020404030301010803" pitchFamily="18" charset="0"/>
-                </a:rPr>
-                <a:t>Año</a:t>
-              </a:r>
-              <a:r>
-                <a:rPr lang="en-GB" sz="1050" dirty="0" smtClean="0">
-                  <a:latin typeface="Garamond" panose="02020404030301010803" pitchFamily="18" charset="0"/>
-                </a:rPr>
-                <a:t>, </a:t>
-              </a:r>
-              <a:r>
-                <a:rPr lang="en-GB" sz="1050" dirty="0" err="1" smtClean="0">
-                  <a:latin typeface="Garamond" panose="02020404030301010803" pitchFamily="18" charset="0"/>
-                </a:rPr>
-                <a:t>Mes</a:t>
-              </a:r>
-              <a:r>
-                <a:rPr lang="en-GB" sz="1050" dirty="0" smtClean="0">
-                  <a:latin typeface="Garamond" panose="02020404030301010803" pitchFamily="18" charset="0"/>
-                </a:rPr>
-                <a:t>, </a:t>
-              </a:r>
-              <a:r>
-                <a:rPr lang="en-GB" sz="1050" dirty="0" err="1" smtClean="0">
-                  <a:latin typeface="Garamond" panose="02020404030301010803" pitchFamily="18" charset="0"/>
-                </a:rPr>
-                <a:t>Localidad</a:t>
-              </a:r>
-              <a:r>
-                <a:rPr lang="en-GB" sz="1050" dirty="0" smtClean="0">
-                  <a:latin typeface="Garamond" panose="02020404030301010803" pitchFamily="18" charset="0"/>
-                </a:rPr>
-                <a:t>, </a:t>
-              </a:r>
-              <a:r>
-                <a:rPr lang="en-GB" sz="1050" dirty="0" err="1" smtClean="0">
-                  <a:latin typeface="Garamond" panose="02020404030301010803" pitchFamily="18" charset="0"/>
-                </a:rPr>
-                <a:t>Latitud</a:t>
-              </a:r>
-              <a:r>
-                <a:rPr lang="en-GB" sz="1050" dirty="0" smtClean="0">
-                  <a:latin typeface="Garamond" panose="02020404030301010803" pitchFamily="18" charset="0"/>
-                </a:rPr>
-                <a:t> y </a:t>
-              </a:r>
-              <a:r>
-                <a:rPr lang="en-GB" sz="1050" dirty="0" err="1" smtClean="0">
-                  <a:latin typeface="Garamond" panose="02020404030301010803" pitchFamily="18" charset="0"/>
-                </a:rPr>
-                <a:t>Logitud</a:t>
-              </a:r>
-              <a:r>
-                <a:rPr lang="en-GB" sz="1050" dirty="0" smtClean="0">
-                  <a:latin typeface="Garamond" panose="02020404030301010803" pitchFamily="18" charset="0"/>
-                </a:rPr>
-                <a:t> </a:t>
-              </a:r>
-              <a:endParaRPr lang="en-GB" sz="1050" dirty="0">
-                <a:latin typeface="Garamond" panose="02020404030301010803" pitchFamily="18" charset="0"/>
-              </a:endParaRPr>
-            </a:p>
-          </p:txBody>
-        </p:sp>
-      </p:grpSp>
-      <p:cxnSp>
-        <p:nvCxnSpPr>
-          <p:cNvPr id="31" name="Conector recto de flecha 30">
-            <a:extLst>
-              <a:ext uri="{FF2B5EF4-FFF2-40B4-BE49-F238E27FC236}">
-                <a16:creationId xmlns:a16="http://schemas.microsoft.com/office/drawing/2014/main" xmlns="" id="{38AD23BC-DF3D-4424-80C0-528DF86AFF9A}"/>
-              </a:ext>
-            </a:extLst>
-          </p:cNvPr>
-          <p:cNvCxnSpPr/>
-          <p:nvPr/>
-        </p:nvCxnSpPr>
-        <p:spPr>
-          <a:xfrm>
-            <a:off x="3996007" y="3029492"/>
-            <a:ext cx="8370" cy="364274"/>
-          </a:xfrm>
-          <a:prstGeom prst="straightConnector1">
-            <a:avLst/>
-          </a:prstGeom>
-          <a:ln w="28575">
-            <a:solidFill>
-              <a:srgbClr val="238D8A"/>
-            </a:solidFill>
-            <a:tailEnd type="triangle"/>
-          </a:ln>
-        </p:spPr>
-        <p:style>
-          <a:lnRef idx="1">
-            <a:schemeClr val="accent1"/>
-          </a:lnRef>
-          <a:fillRef idx="0">
-            <a:schemeClr val="accent1"/>
-          </a:fillRef>
-          <a:effectRef idx="0">
-            <a:schemeClr val="accent1"/>
-          </a:effectRef>
-          <a:fontRef idx="minor">
-            <a:schemeClr val="tx1"/>
-          </a:fontRef>
-        </p:style>
-      </p:cxnSp>
-      <p:sp>
-        <p:nvSpPr>
-          <p:cNvPr id="32" name="CuadroTexto 31">
-            <a:extLst>
-              <a:ext uri="{FF2B5EF4-FFF2-40B4-BE49-F238E27FC236}">
-                <a16:creationId xmlns:a16="http://schemas.microsoft.com/office/drawing/2014/main" xmlns="" id="{79038E7C-EE77-4771-9FF2-A6FEC96AC332}"/>
-              </a:ext>
-            </a:extLst>
-          </p:cNvPr>
-          <p:cNvSpPr txBox="1"/>
-          <p:nvPr/>
-        </p:nvSpPr>
-        <p:spPr>
-          <a:xfrm>
-            <a:off x="2569682" y="4261247"/>
-            <a:ext cx="2997125" cy="253916"/>
-          </a:xfrm>
-          <a:prstGeom prst="rect">
-            <a:avLst/>
-          </a:prstGeom>
-          <a:noFill/>
-        </p:spPr>
-        <p:txBody>
-          <a:bodyPr wrap="square" rtlCol="0">
-            <a:spAutoFit/>
-          </a:bodyPr>
-          <a:lstStyle/>
-          <a:p>
-            <a:pPr algn="ctr"/>
-            <a:r>
-              <a:rPr lang="en-GB" sz="1050" dirty="0" err="1" smtClean="0">
-                <a:latin typeface="Garamond" panose="02020404030301010803" pitchFamily="18" charset="0"/>
-              </a:rPr>
-              <a:t>Provincia</a:t>
-            </a:r>
-            <a:r>
-              <a:rPr lang="en-GB" sz="1050" dirty="0" smtClean="0">
-                <a:latin typeface="Garamond" panose="02020404030301010803" pitchFamily="18" charset="0"/>
-              </a:rPr>
-              <a:t> y </a:t>
-            </a:r>
-            <a:r>
-              <a:rPr lang="en-GB" sz="1050" dirty="0" err="1" smtClean="0">
-                <a:latin typeface="Garamond" panose="02020404030301010803" pitchFamily="18" charset="0"/>
-              </a:rPr>
-              <a:t>Comunidad</a:t>
-            </a:r>
-            <a:r>
-              <a:rPr lang="en-GB" sz="1050" dirty="0" smtClean="0">
-                <a:latin typeface="Garamond" panose="02020404030301010803" pitchFamily="18" charset="0"/>
-              </a:rPr>
-              <a:t> </a:t>
-            </a:r>
-            <a:r>
-              <a:rPr lang="en-GB" sz="1050" dirty="0" err="1" smtClean="0">
-                <a:latin typeface="Garamond" panose="02020404030301010803" pitchFamily="18" charset="0"/>
-              </a:rPr>
-              <a:t>Autónoma</a:t>
-            </a:r>
-            <a:endParaRPr lang="en-GB" sz="1050" dirty="0">
-              <a:latin typeface="Garamond" panose="02020404030301010803" pitchFamily="18" charset="0"/>
-            </a:endParaRPr>
-          </a:p>
-        </p:txBody>
-      </p:sp>
-      <p:sp>
-        <p:nvSpPr>
-          <p:cNvPr id="33" name="Más 32"/>
-          <p:cNvSpPr/>
-          <p:nvPr/>
-        </p:nvSpPr>
-        <p:spPr>
-          <a:xfrm>
-            <a:off x="3891599" y="4066682"/>
-            <a:ext cx="176645" cy="184246"/>
-          </a:xfrm>
-          <a:prstGeom prst="mathPlus">
-            <a:avLst/>
-          </a:prstGeom>
-          <a:solidFill>
-            <a:srgbClr val="336699"/>
-          </a:solidFill>
-          <a:ln>
-            <a:solidFill>
-              <a:srgbClr val="336699"/>
-            </a:solidFill>
-          </a:ln>
-        </p:spPr>
-        <p:style>
-          <a:lnRef idx="2">
-            <a:schemeClr val="accent1">
-              <a:shade val="50000"/>
-            </a:schemeClr>
-          </a:lnRef>
-          <a:fillRef idx="1">
-            <a:schemeClr val="accent1"/>
-          </a:fillRef>
-          <a:effectRef idx="0">
-            <a:schemeClr val="accent1"/>
-          </a:effectRef>
-          <a:fontRef idx="minor">
-            <a:schemeClr val="lt1"/>
-          </a:fontRef>
-        </p:style>
-        <p:txBody>
-          <a:bodyPr rtlCol="0" anchor="ctr"/>
-          <a:lstStyle/>
-          <a:p>
-            <a:pPr algn="ctr"/>
-            <a:endParaRPr lang="es-ES"/>
-          </a:p>
-        </p:txBody>
-      </p:sp>
-    </p:spTree>
-    <p:extLst>
-      <p:ext uri="{BB962C8B-B14F-4D97-AF65-F5344CB8AC3E}">
-        <p14:creationId xmlns:p14="http://schemas.microsoft.com/office/powerpoint/2010/main" val="2752683576"/>
-      </p:ext>
-    </p:extLst>
-  </p:cSld>
-  <p:clrMapOvr>
-    <a:masterClrMapping/>
-  </p:clrMapOvr>
-  <p:timing>
-    <p:tnLst>
-      <p:par>
-        <p:cTn id="1" dur="indefinite" restart="never" nodeType="tmRoot"/>
-      </p:par>
-    </p:tnLst>
-  </p:timing>
-</p:sld>
-</file>
-
-<file path=ppt/slides/slide6.xml><?xml version="1.0" encoding="utf-8"?>
-<p:sld xmlns:a="http://schemas.openxmlformats.org/drawingml/2006/main" xmlns:r="http://schemas.openxmlformats.org/officeDocument/2006/relationships" xmlns:p="http://schemas.openxmlformats.org/presentationml/2006/main">
-  <p:cSld>
-    <p:spTree>
-      <p:nvGrpSpPr>
-        <p:cNvPr id="1" name=""/>
-        <p:cNvGrpSpPr/>
-        <p:nvPr/>
-      </p:nvGrpSpPr>
-      <p:grpSpPr>
-        <a:xfrm>
-          <a:off x="0" y="0"/>
-          <a:ext cx="0" cy="0"/>
-          <a:chOff x="0" y="0"/>
-          <a:chExt cx="0" cy="0"/>
-        </a:xfrm>
-      </p:grpSpPr>
-      <p:sp>
-        <p:nvSpPr>
-          <p:cNvPr id="4" name="Marcador de número de diapositiva 3">
-            <a:extLst>
-              <a:ext uri="{FF2B5EF4-FFF2-40B4-BE49-F238E27FC236}">
-                <a16:creationId xmlns:a16="http://schemas.microsoft.com/office/drawing/2014/main" xmlns="" id="{70E5FB58-2A6B-4635-9E5F-721FB4B3F5D2}"/>
-              </a:ext>
-            </a:extLst>
-          </p:cNvPr>
-          <p:cNvSpPr>
-            <a:spLocks noGrp="1"/>
-          </p:cNvSpPr>
-          <p:nvPr>
-            <p:ph type="sldNum" sz="quarter" idx="12"/>
-          </p:nvPr>
-        </p:nvSpPr>
-        <p:spPr/>
-        <p:txBody>
-          <a:bodyPr/>
-          <a:lstStyle/>
-          <a:p>
-            <a:fld id="{072220C6-3BBB-43D4-AF5F-545732F78A03}" type="slidenum">
-              <a:rPr lang="es-ES" smtClean="0"/>
-              <a:t>6</a:t>
             </a:fld>
             <a:endParaRPr lang="es-ES"/>
           </a:p>
@@ -8158,7 +3948,7 @@
 </p:sld>
 </file>
 
-<file path=ppt/slides/slide7.xml><?xml version="1.0" encoding="utf-8"?>
+<file path=ppt/slides/slide11.xml><?xml version="1.0" encoding="utf-8"?>
 <p:sld xmlns:a="http://schemas.openxmlformats.org/drawingml/2006/main" xmlns:r="http://schemas.openxmlformats.org/officeDocument/2006/relationships" xmlns:p="http://schemas.openxmlformats.org/presentationml/2006/main">
   <p:cSld>
     <p:spTree>
@@ -8180,7 +3970,7 @@
           <p:cNvPr id="4" name="Marcador de número de diapositiva 3">
             <a:extLst>
               <a:ext uri="{FF2B5EF4-FFF2-40B4-BE49-F238E27FC236}">
-                <a16:creationId xmlns:a16="http://schemas.microsoft.com/office/drawing/2014/main" xmlns="" id="{70E5FB58-2A6B-4635-9E5F-721FB4B3F5D2}"/>
+                <a16:creationId xmlns="" xmlns:a16="http://schemas.microsoft.com/office/drawing/2014/main" id="{70E5FB58-2A6B-4635-9E5F-721FB4B3F5D2}"/>
               </a:ext>
             </a:extLst>
           </p:cNvPr>
@@ -8198,7 +3988,7 @@
           <a:p>
             <a:fld id="{072220C6-3BBB-43D4-AF5F-545732F78A03}" type="slidenum">
               <a:rPr lang="es-ES" smtClean="0"/>
-              <a:t>7</a:t>
+              <a:t>11</a:t>
             </a:fld>
             <a:endParaRPr lang="es-ES"/>
           </a:p>
@@ -8490,7 +4280,7 @@
 </p:sld>
 </file>
 
-<file path=ppt/slides/slide8.xml><?xml version="1.0" encoding="utf-8"?>
+<file path=ppt/slides/slide2.xml><?xml version="1.0" encoding="utf-8"?>
 <p:sld xmlns:a="http://schemas.openxmlformats.org/drawingml/2006/main" xmlns:r="http://schemas.openxmlformats.org/officeDocument/2006/relationships" xmlns:p="http://schemas.openxmlformats.org/presentationml/2006/main">
   <p:cSld>
     <p:spTree>
@@ -8512,7 +4302,7 @@
           <p:cNvPr id="4" name="Marcador de número de diapositiva 3">
             <a:extLst>
               <a:ext uri="{FF2B5EF4-FFF2-40B4-BE49-F238E27FC236}">
-                <a16:creationId xmlns:a16="http://schemas.microsoft.com/office/drawing/2014/main" xmlns="" id="{70E5FB58-2A6B-4635-9E5F-721FB4B3F5D2}"/>
+                <a16:creationId xmlns="" xmlns:a16="http://schemas.microsoft.com/office/drawing/2014/main" id="{70E5FB58-2A6B-4635-9E5F-721FB4B3F5D2}"/>
               </a:ext>
             </a:extLst>
           </p:cNvPr>
@@ -8530,7 +4320,3106 @@
           <a:p>
             <a:fld id="{072220C6-3BBB-43D4-AF5F-545732F78A03}" type="slidenum">
               <a:rPr lang="es-ES" smtClean="0"/>
-              <a:t>8</a:t>
+              <a:t>2</a:t>
+            </a:fld>
+            <a:endParaRPr lang="es-ES"/>
+          </a:p>
+        </p:txBody>
+      </p:sp>
+      <p:sp>
+        <p:nvSpPr>
+          <p:cNvPr id="44" name="Rectángulo 43">
+            <a:extLst>
+              <a:ext uri="{FF2B5EF4-FFF2-40B4-BE49-F238E27FC236}">
+                <a16:creationId xmlns="" xmlns:a16="http://schemas.microsoft.com/office/drawing/2014/main" id="{7D7F5ED2-13EB-42DF-ABEB-2FEFDAC33156}"/>
+              </a:ext>
+            </a:extLst>
+          </p:cNvPr>
+          <p:cNvSpPr/>
+          <p:nvPr/>
+        </p:nvSpPr>
+        <p:spPr>
+          <a:xfrm>
+            <a:off x="1970521" y="0"/>
+            <a:ext cx="259163" cy="838200"/>
+          </a:xfrm>
+          <a:prstGeom prst="rect">
+            <a:avLst/>
+          </a:prstGeom>
+          <a:solidFill>
+            <a:schemeClr val="bg1"/>
+          </a:solidFill>
+          <a:ln>
+            <a:solidFill>
+              <a:schemeClr val="bg1"/>
+            </a:solidFill>
+          </a:ln>
+        </p:spPr>
+        <p:style>
+          <a:lnRef idx="2">
+            <a:schemeClr val="accent1">
+              <a:shade val="50000"/>
+            </a:schemeClr>
+          </a:lnRef>
+          <a:fillRef idx="1">
+            <a:schemeClr val="accent1"/>
+          </a:fillRef>
+          <a:effectRef idx="0">
+            <a:schemeClr val="accent1"/>
+          </a:effectRef>
+          <a:fontRef idx="minor">
+            <a:schemeClr val="lt1"/>
+          </a:fontRef>
+        </p:style>
+        <p:txBody>
+          <a:bodyPr rtlCol="0" anchor="ctr"/>
+          <a:lstStyle/>
+          <a:p>
+            <a:pPr algn="ctr"/>
+            <a:endParaRPr lang="en-GB"/>
+          </a:p>
+        </p:txBody>
+      </p:sp>
+      <p:sp>
+        <p:nvSpPr>
+          <p:cNvPr id="45" name="CuadroTexto 44">
+            <a:extLst>
+              <a:ext uri="{FF2B5EF4-FFF2-40B4-BE49-F238E27FC236}">
+                <a16:creationId xmlns="" xmlns:a16="http://schemas.microsoft.com/office/drawing/2014/main" id="{F7D5DC0D-EB0C-4384-9E7E-FEDB7CEB544C}"/>
+              </a:ext>
+            </a:extLst>
+          </p:cNvPr>
+          <p:cNvSpPr txBox="1"/>
+          <p:nvPr/>
+        </p:nvSpPr>
+        <p:spPr>
+          <a:xfrm>
+            <a:off x="3396063" y="1690063"/>
+            <a:ext cx="7564037" cy="3477875"/>
+          </a:xfrm>
+          <a:prstGeom prst="rect">
+            <a:avLst/>
+          </a:prstGeom>
+          <a:noFill/>
+        </p:spPr>
+        <p:txBody>
+          <a:bodyPr wrap="square" rtlCol="0">
+            <a:spAutoFit/>
+          </a:bodyPr>
+          <a:lstStyle/>
+          <a:p>
+            <a:pPr marL="285750" indent="-285750">
+              <a:lnSpc>
+                <a:spcPct val="250000"/>
+              </a:lnSpc>
+              <a:buClr>
+                <a:schemeClr val="accent6">
+                  <a:lumMod val="75000"/>
+                </a:schemeClr>
+              </a:buClr>
+              <a:buFont typeface="Arial" panose="020B0604020202020204" pitchFamily="34" charset="0"/>
+              <a:buChar char="•"/>
+            </a:pPr>
+            <a:r>
+              <a:rPr lang="en-GB" sz="2200" dirty="0" smtClean="0">
+                <a:latin typeface="Garamond" panose="02020404030301010803" pitchFamily="18" charset="0"/>
+              </a:rPr>
+              <a:t>¿</a:t>
+            </a:r>
+            <a:r>
+              <a:rPr lang="en-GB" sz="2200" dirty="0" err="1" smtClean="0">
+                <a:latin typeface="Garamond" panose="02020404030301010803" pitchFamily="18" charset="0"/>
+              </a:rPr>
+              <a:t>Por</a:t>
+            </a:r>
+            <a:r>
+              <a:rPr lang="en-GB" sz="2200" dirty="0" smtClean="0">
+                <a:latin typeface="Garamond" panose="02020404030301010803" pitchFamily="18" charset="0"/>
+              </a:rPr>
+              <a:t> </a:t>
+            </a:r>
+            <a:r>
+              <a:rPr lang="en-GB" sz="2200" dirty="0" err="1" smtClean="0">
+                <a:latin typeface="Garamond" panose="02020404030301010803" pitchFamily="18" charset="0"/>
+              </a:rPr>
+              <a:t>qué</a:t>
+            </a:r>
+            <a:r>
+              <a:rPr lang="en-GB" sz="2200" dirty="0" smtClean="0">
+                <a:latin typeface="Garamond" panose="02020404030301010803" pitchFamily="18" charset="0"/>
+              </a:rPr>
+              <a:t> </a:t>
+            </a:r>
+            <a:r>
+              <a:rPr lang="en-GB" sz="2200" dirty="0" err="1" smtClean="0">
+                <a:latin typeface="Garamond" panose="02020404030301010803" pitchFamily="18" charset="0"/>
+              </a:rPr>
+              <a:t>una</a:t>
+            </a:r>
+            <a:r>
+              <a:rPr lang="en-GB" sz="2200" dirty="0" smtClean="0">
+                <a:latin typeface="Garamond" panose="02020404030301010803" pitchFamily="18" charset="0"/>
+              </a:rPr>
+              <a:t> API para </a:t>
+            </a:r>
+            <a:r>
+              <a:rPr lang="en-GB" sz="2200" dirty="0" err="1" smtClean="0">
+                <a:latin typeface="Garamond" panose="02020404030301010803" pitchFamily="18" charset="0"/>
+              </a:rPr>
+              <a:t>buscar</a:t>
+            </a:r>
+            <a:r>
+              <a:rPr lang="en-GB" sz="2200" dirty="0" smtClean="0">
+                <a:latin typeface="Garamond" panose="02020404030301010803" pitchFamily="18" charset="0"/>
+              </a:rPr>
+              <a:t> </a:t>
+            </a:r>
+            <a:r>
+              <a:rPr lang="en-GB" sz="2200" dirty="0" err="1" smtClean="0">
+                <a:latin typeface="Garamond" panose="02020404030301010803" pitchFamily="18" charset="0"/>
+              </a:rPr>
+              <a:t>localizaciones</a:t>
+            </a:r>
+            <a:r>
+              <a:rPr lang="en-GB" sz="2200" dirty="0" smtClean="0">
+                <a:latin typeface="Garamond" panose="02020404030301010803" pitchFamily="18" charset="0"/>
+              </a:rPr>
+              <a:t> de </a:t>
+            </a:r>
+            <a:r>
+              <a:rPr lang="en-GB" sz="2200" dirty="0" err="1" smtClean="0">
+                <a:latin typeface="Garamond" panose="02020404030301010803" pitchFamily="18" charset="0"/>
+              </a:rPr>
+              <a:t>especies</a:t>
+            </a:r>
+            <a:r>
+              <a:rPr lang="en-GB" sz="2200" dirty="0" smtClean="0">
+                <a:latin typeface="Garamond" panose="02020404030301010803" pitchFamily="18" charset="0"/>
+              </a:rPr>
+              <a:t>?</a:t>
+            </a:r>
+            <a:endParaRPr lang="en-GB" sz="2200" dirty="0">
+              <a:latin typeface="Garamond" panose="02020404030301010803" pitchFamily="18" charset="0"/>
+            </a:endParaRPr>
+          </a:p>
+          <a:p>
+            <a:pPr marL="285750" indent="-285750">
+              <a:lnSpc>
+                <a:spcPct val="250000"/>
+              </a:lnSpc>
+              <a:buClr>
+                <a:schemeClr val="accent6">
+                  <a:lumMod val="75000"/>
+                </a:schemeClr>
+              </a:buClr>
+              <a:buFont typeface="Arial" panose="020B0604020202020204" pitchFamily="34" charset="0"/>
+              <a:buChar char="•"/>
+            </a:pPr>
+            <a:r>
+              <a:rPr lang="en-GB" sz="2200" dirty="0" err="1" smtClean="0">
+                <a:latin typeface="Garamond" panose="02020404030301010803" pitchFamily="18" charset="0"/>
+              </a:rPr>
+              <a:t>Herramientas</a:t>
+            </a:r>
+            <a:r>
+              <a:rPr lang="en-GB" sz="2200" dirty="0" smtClean="0">
+                <a:latin typeface="Garamond" panose="02020404030301010803" pitchFamily="18" charset="0"/>
+              </a:rPr>
+              <a:t> </a:t>
+            </a:r>
+            <a:r>
+              <a:rPr lang="en-GB" sz="2200" dirty="0" err="1" smtClean="0">
+                <a:latin typeface="Garamond" panose="02020404030301010803" pitchFamily="18" charset="0"/>
+              </a:rPr>
+              <a:t>utilizadas</a:t>
+            </a:r>
+            <a:endParaRPr lang="en-GB" sz="2200" dirty="0">
+              <a:latin typeface="Garamond" panose="02020404030301010803" pitchFamily="18" charset="0"/>
+            </a:endParaRPr>
+          </a:p>
+          <a:p>
+            <a:pPr marL="285750" indent="-285750">
+              <a:lnSpc>
+                <a:spcPct val="250000"/>
+              </a:lnSpc>
+              <a:buClr>
+                <a:schemeClr val="accent6">
+                  <a:lumMod val="75000"/>
+                </a:schemeClr>
+              </a:buClr>
+              <a:buFont typeface="Arial" panose="020B0604020202020204" pitchFamily="34" charset="0"/>
+              <a:buChar char="•"/>
+            </a:pPr>
+            <a:r>
+              <a:rPr lang="en-GB" sz="2200" dirty="0" err="1">
+                <a:latin typeface="Garamond" panose="02020404030301010803" pitchFamily="18" charset="0"/>
+              </a:rPr>
+              <a:t>Resumen</a:t>
+            </a:r>
+            <a:r>
+              <a:rPr lang="en-GB" sz="2200" dirty="0">
+                <a:latin typeface="Garamond" panose="02020404030301010803" pitchFamily="18" charset="0"/>
+              </a:rPr>
+              <a:t> de los </a:t>
+            </a:r>
+            <a:r>
+              <a:rPr lang="en-GB" sz="2200" dirty="0" err="1">
+                <a:latin typeface="Garamond" panose="02020404030301010803" pitchFamily="18" charset="0"/>
+              </a:rPr>
+              <a:t>datos</a:t>
+            </a:r>
+            <a:r>
+              <a:rPr lang="en-GB" sz="2200" dirty="0">
+                <a:latin typeface="Garamond" panose="02020404030301010803" pitchFamily="18" charset="0"/>
+              </a:rPr>
+              <a:t> </a:t>
+            </a:r>
+            <a:r>
+              <a:rPr lang="en-GB" sz="2200" dirty="0" err="1">
+                <a:latin typeface="Garamond" panose="02020404030301010803" pitchFamily="18" charset="0"/>
+              </a:rPr>
+              <a:t>que</a:t>
+            </a:r>
+            <a:r>
+              <a:rPr lang="en-GB" sz="2200" dirty="0">
+                <a:latin typeface="Garamond" panose="02020404030301010803" pitchFamily="18" charset="0"/>
+              </a:rPr>
+              <a:t> </a:t>
+            </a:r>
+            <a:r>
+              <a:rPr lang="en-GB" sz="2200" dirty="0" err="1">
+                <a:latin typeface="Garamond" panose="02020404030301010803" pitchFamily="18" charset="0"/>
+              </a:rPr>
+              <a:t>tenemos</a:t>
+            </a:r>
+            <a:r>
+              <a:rPr lang="en-GB" sz="2200" dirty="0">
+                <a:latin typeface="Garamond" panose="02020404030301010803" pitchFamily="18" charset="0"/>
+              </a:rPr>
+              <a:t> en la </a:t>
+            </a:r>
+            <a:r>
+              <a:rPr lang="en-GB" sz="2200" dirty="0" smtClean="0">
+                <a:latin typeface="Garamond" panose="02020404030301010803" pitchFamily="18" charset="0"/>
+              </a:rPr>
+              <a:t>API</a:t>
+            </a:r>
+          </a:p>
+          <a:p>
+            <a:pPr marL="285750" indent="-285750">
+              <a:lnSpc>
+                <a:spcPct val="250000"/>
+              </a:lnSpc>
+              <a:buClr>
+                <a:schemeClr val="accent6">
+                  <a:lumMod val="75000"/>
+                </a:schemeClr>
+              </a:buClr>
+              <a:buFont typeface="Arial" panose="020B0604020202020204" pitchFamily="34" charset="0"/>
+              <a:buChar char="•"/>
+            </a:pPr>
+            <a:r>
+              <a:rPr lang="en-GB" sz="2200" dirty="0" err="1" smtClean="0">
+                <a:latin typeface="Garamond" panose="02020404030301010803" pitchFamily="18" charset="0"/>
+              </a:rPr>
+              <a:t>Algunos</a:t>
+            </a:r>
+            <a:r>
+              <a:rPr lang="en-GB" sz="2200" dirty="0" smtClean="0">
+                <a:latin typeface="Garamond" panose="02020404030301010803" pitchFamily="18" charset="0"/>
+              </a:rPr>
+              <a:t> </a:t>
+            </a:r>
+            <a:r>
+              <a:rPr lang="en-GB" sz="2200" dirty="0" err="1" smtClean="0">
+                <a:latin typeface="Garamond" panose="02020404030301010803" pitchFamily="18" charset="0"/>
+              </a:rPr>
+              <a:t>ejemplos</a:t>
+            </a:r>
+            <a:r>
+              <a:rPr lang="en-GB" sz="2200" dirty="0" smtClean="0">
+                <a:latin typeface="Garamond" panose="02020404030301010803" pitchFamily="18" charset="0"/>
+              </a:rPr>
+              <a:t> </a:t>
+            </a:r>
+            <a:r>
+              <a:rPr lang="en-GB" sz="2200" dirty="0" err="1" smtClean="0">
+                <a:latin typeface="Garamond" panose="02020404030301010803" pitchFamily="18" charset="0"/>
+              </a:rPr>
+              <a:t>ejemplos</a:t>
+            </a:r>
+            <a:r>
+              <a:rPr lang="en-GB" sz="2200" dirty="0" smtClean="0">
+                <a:latin typeface="Garamond" panose="02020404030301010803" pitchFamily="18" charset="0"/>
+              </a:rPr>
+              <a:t> </a:t>
+            </a:r>
+            <a:r>
+              <a:rPr lang="en-GB" sz="2200" dirty="0" err="1" smtClean="0">
+                <a:latin typeface="Garamond" panose="02020404030301010803" pitchFamily="18" charset="0"/>
+              </a:rPr>
+              <a:t>desde</a:t>
+            </a:r>
+            <a:r>
+              <a:rPr lang="en-GB" sz="2200" dirty="0" smtClean="0">
+                <a:latin typeface="Garamond" panose="02020404030301010803" pitchFamily="18" charset="0"/>
+              </a:rPr>
+              <a:t> la API</a:t>
+            </a:r>
+            <a:endParaRPr lang="en-GB" sz="2200" dirty="0">
+              <a:latin typeface="Garamond" panose="02020404030301010803" pitchFamily="18" charset="0"/>
+            </a:endParaRPr>
+          </a:p>
+        </p:txBody>
+      </p:sp>
+      <p:pic>
+        <p:nvPicPr>
+          <p:cNvPr id="8" name="Imagen 7"/>
+          <p:cNvPicPr>
+            <a:picLocks noChangeAspect="1"/>
+          </p:cNvPicPr>
+          <p:nvPr/>
+        </p:nvPicPr>
+        <p:blipFill rotWithShape="1">
+          <a:blip r:embed="rId2"/>
+          <a:srcRect t="12033" b="20333"/>
+          <a:stretch/>
+        </p:blipFill>
+        <p:spPr>
+          <a:xfrm rot="16200000">
+            <a:off x="-2862226" y="2846786"/>
+            <a:ext cx="6858000" cy="1164431"/>
+          </a:xfrm>
+          <a:prstGeom prst="rect">
+            <a:avLst/>
+          </a:prstGeom>
+        </p:spPr>
+      </p:pic>
+    </p:spTree>
+    <p:extLst>
+      <p:ext uri="{BB962C8B-B14F-4D97-AF65-F5344CB8AC3E}">
+        <p14:creationId xmlns:p14="http://schemas.microsoft.com/office/powerpoint/2010/main" val="1944383762"/>
+      </p:ext>
+    </p:extLst>
+  </p:cSld>
+  <p:clrMapOvr>
+    <a:masterClrMapping/>
+  </p:clrMapOvr>
+  <p:timing>
+    <p:tnLst>
+      <p:par>
+        <p:cTn id="1" dur="indefinite" restart="never" nodeType="tmRoot"/>
+      </p:par>
+    </p:tnLst>
+  </p:timing>
+</p:sld>
+</file>
+
+<file path=ppt/slides/slide3.xml><?xml version="1.0" encoding="utf-8"?>
+<p:sld xmlns:a="http://schemas.openxmlformats.org/drawingml/2006/main" xmlns:r="http://schemas.openxmlformats.org/officeDocument/2006/relationships" xmlns:p="http://schemas.openxmlformats.org/presentationml/2006/main">
+  <p:cSld>
+    <p:spTree>
+      <p:nvGrpSpPr>
+        <p:cNvPr id="1" name=""/>
+        <p:cNvGrpSpPr/>
+        <p:nvPr/>
+      </p:nvGrpSpPr>
+      <p:grpSpPr>
+        <a:xfrm>
+          <a:off x="0" y="0"/>
+          <a:ext cx="0" cy="0"/>
+          <a:chOff x="0" y="0"/>
+          <a:chExt cx="0" cy="0"/>
+        </a:xfrm>
+      </p:grpSpPr>
+      <p:pic>
+        <p:nvPicPr>
+          <p:cNvPr id="6" name="Marcador de contenido 5"/>
+          <p:cNvPicPr>
+            <a:picLocks noGrp="1" noChangeAspect="1"/>
+          </p:cNvPicPr>
+          <p:nvPr>
+            <p:ph idx="1"/>
+          </p:nvPr>
+        </p:nvPicPr>
+        <p:blipFill>
+          <a:blip r:embed="rId2">
+            <a:extLst>
+              <a:ext uri="{BEBA8EAE-BF5A-486C-A8C5-ECC9F3942E4B}">
+                <a14:imgProps xmlns:a14="http://schemas.microsoft.com/office/drawing/2010/main">
+                  <a14:imgLayer r:embed="rId3">
+                    <a14:imgEffect>
+                      <a14:artisticPlasticWrap/>
+                    </a14:imgEffect>
+                  </a14:imgLayer>
+                </a14:imgProps>
+              </a:ext>
+            </a:extLst>
+          </a:blip>
+          <a:stretch>
+            <a:fillRect/>
+          </a:stretch>
+        </p:blipFill>
+        <p:spPr>
+          <a:xfrm>
+            <a:off x="338819" y="550721"/>
+            <a:ext cx="10911072" cy="6130636"/>
+          </a:xfrm>
+          <a:prstGeom prst="rect">
+            <a:avLst/>
+          </a:prstGeom>
+        </p:spPr>
+      </p:pic>
+      <p:sp>
+        <p:nvSpPr>
+          <p:cNvPr id="7" name="CuadroTexto 6"/>
+          <p:cNvSpPr txBox="1"/>
+          <p:nvPr/>
+        </p:nvSpPr>
+        <p:spPr>
+          <a:xfrm>
+            <a:off x="338819" y="1997839"/>
+            <a:ext cx="2581026" cy="2862322"/>
+          </a:xfrm>
+          <a:prstGeom prst="rect">
+            <a:avLst/>
+          </a:prstGeom>
+          <a:noFill/>
+        </p:spPr>
+        <p:txBody>
+          <a:bodyPr wrap="square" rtlCol="0">
+            <a:spAutoFit/>
+          </a:bodyPr>
+          <a:lstStyle/>
+          <a:p>
+            <a:pPr algn="ctr"/>
+            <a:r>
+              <a:rPr lang="es-ES" sz="3600" b="1" dirty="0" smtClean="0">
+                <a:latin typeface="Garamond" panose="02020404030301010803" pitchFamily="18" charset="0"/>
+              </a:rPr>
+              <a:t>Pero….</a:t>
+            </a:r>
+          </a:p>
+          <a:p>
+            <a:pPr algn="ctr"/>
+            <a:r>
+              <a:rPr lang="es-ES" sz="3600" b="1" dirty="0" smtClean="0">
+                <a:latin typeface="Garamond" panose="02020404030301010803" pitchFamily="18" charset="0"/>
+              </a:rPr>
+              <a:t> </a:t>
+            </a:r>
+          </a:p>
+          <a:p>
+            <a:pPr algn="ctr"/>
+            <a:r>
+              <a:rPr lang="es-ES" sz="3600" b="1" dirty="0" smtClean="0">
+                <a:latin typeface="Garamond" panose="02020404030301010803" pitchFamily="18" charset="0"/>
+              </a:rPr>
+              <a:t>¿Porque este proyecto?</a:t>
+            </a:r>
+            <a:endParaRPr lang="es-ES" sz="3600" b="1" dirty="0">
+              <a:latin typeface="Garamond" panose="02020404030301010803" pitchFamily="18" charset="0"/>
+            </a:endParaRPr>
+          </a:p>
+        </p:txBody>
+      </p:sp>
+    </p:spTree>
+    <p:extLst>
+      <p:ext uri="{BB962C8B-B14F-4D97-AF65-F5344CB8AC3E}">
+        <p14:creationId xmlns:p14="http://schemas.microsoft.com/office/powerpoint/2010/main" val="2837678414"/>
+      </p:ext>
+    </p:extLst>
+  </p:cSld>
+  <p:clrMapOvr>
+    <a:masterClrMapping/>
+  </p:clrMapOvr>
+  <p:timing>
+    <p:tnLst>
+      <p:par>
+        <p:cTn id="1" dur="indefinite" restart="never" nodeType="tmRoot"/>
+      </p:par>
+    </p:tnLst>
+  </p:timing>
+</p:sld>
+</file>
+
+<file path=ppt/slides/slide4.xml><?xml version="1.0" encoding="utf-8"?>
+<p:sld xmlns:a="http://schemas.openxmlformats.org/drawingml/2006/main" xmlns:r="http://schemas.openxmlformats.org/officeDocument/2006/relationships" xmlns:p="http://schemas.openxmlformats.org/presentationml/2006/main">
+  <p:cSld>
+    <p:spTree>
+      <p:nvGrpSpPr>
+        <p:cNvPr id="1" name=""/>
+        <p:cNvGrpSpPr/>
+        <p:nvPr/>
+      </p:nvGrpSpPr>
+      <p:grpSpPr>
+        <a:xfrm>
+          <a:off x="0" y="0"/>
+          <a:ext cx="0" cy="0"/>
+          <a:chOff x="0" y="0"/>
+          <a:chExt cx="0" cy="0"/>
+        </a:xfrm>
+      </p:grpSpPr>
+      <p:sp>
+        <p:nvSpPr>
+          <p:cNvPr id="4" name="Marcador de número de diapositiva 3">
+            <a:extLst>
+              <a:ext uri="{FF2B5EF4-FFF2-40B4-BE49-F238E27FC236}">
+                <a16:creationId xmlns="" xmlns:a16="http://schemas.microsoft.com/office/drawing/2014/main" id="{7BF440B6-5B25-452B-92AF-7A7005307F73}"/>
+              </a:ext>
+            </a:extLst>
+          </p:cNvPr>
+          <p:cNvSpPr>
+            <a:spLocks noGrp="1"/>
+          </p:cNvSpPr>
+          <p:nvPr>
+            <p:ph type="sldNum" sz="quarter" idx="12"/>
+          </p:nvPr>
+        </p:nvSpPr>
+        <p:spPr/>
+        <p:txBody>
+          <a:bodyPr/>
+          <a:lstStyle/>
+          <a:p>
+            <a:fld id="{072220C6-3BBB-43D4-AF5F-545732F78A03}" type="slidenum">
+              <a:rPr lang="es-ES" smtClean="0"/>
+              <a:t>4</a:t>
+            </a:fld>
+            <a:endParaRPr lang="es-ES"/>
+          </a:p>
+        </p:txBody>
+      </p:sp>
+      <p:grpSp>
+        <p:nvGrpSpPr>
+          <p:cNvPr id="2" name="Grupo 1"/>
+          <p:cNvGrpSpPr/>
+          <p:nvPr/>
+        </p:nvGrpSpPr>
+        <p:grpSpPr>
+          <a:xfrm>
+            <a:off x="2501630" y="1416725"/>
+            <a:ext cx="2997128" cy="3277436"/>
+            <a:chOff x="1265662" y="459365"/>
+            <a:chExt cx="3202384" cy="3411195"/>
+          </a:xfrm>
+        </p:grpSpPr>
+        <p:sp>
+          <p:nvSpPr>
+            <p:cNvPr id="5" name="Rectángulo: esquinas redondeadas 4">
+              <a:extLst>
+                <a:ext uri="{FF2B5EF4-FFF2-40B4-BE49-F238E27FC236}">
+                  <a16:creationId xmlns="" xmlns:a16="http://schemas.microsoft.com/office/drawing/2014/main" id="{15DB727B-D55A-4720-86D2-AE9BD20E0FBD}"/>
+                </a:ext>
+              </a:extLst>
+            </p:cNvPr>
+            <p:cNvSpPr/>
+            <p:nvPr/>
+          </p:nvSpPr>
+          <p:spPr>
+            <a:xfrm>
+              <a:off x="1265664" y="459365"/>
+              <a:ext cx="3202382" cy="3411195"/>
+            </a:xfrm>
+            <a:prstGeom prst="roundRect">
+              <a:avLst/>
+            </a:prstGeom>
+            <a:noFill/>
+            <a:ln w="28575">
+              <a:solidFill>
+                <a:srgbClr val="238D8A"/>
+              </a:solidFill>
+            </a:ln>
+          </p:spPr>
+          <p:style>
+            <a:lnRef idx="2">
+              <a:schemeClr val="accent1">
+                <a:shade val="50000"/>
+              </a:schemeClr>
+            </a:lnRef>
+            <a:fillRef idx="1">
+              <a:schemeClr val="accent1"/>
+            </a:fillRef>
+            <a:effectRef idx="0">
+              <a:schemeClr val="accent1"/>
+            </a:effectRef>
+            <a:fontRef idx="minor">
+              <a:schemeClr val="lt1"/>
+            </a:fontRef>
+          </p:style>
+          <p:txBody>
+            <a:bodyPr rtlCol="0" anchor="ctr"/>
+            <a:lstStyle/>
+            <a:p>
+              <a:pPr algn="ctr"/>
+              <a:endParaRPr lang="en-GB"/>
+            </a:p>
+          </p:txBody>
+        </p:sp>
+        <p:sp>
+          <p:nvSpPr>
+            <p:cNvPr id="34" name="CuadroTexto 33">
+              <a:extLst>
+                <a:ext uri="{FF2B5EF4-FFF2-40B4-BE49-F238E27FC236}">
+                  <a16:creationId xmlns="" xmlns:a16="http://schemas.microsoft.com/office/drawing/2014/main" id="{59E895E3-AEF8-41B8-96BC-6F3A2FA73FB1}"/>
+                </a:ext>
+              </a:extLst>
+            </p:cNvPr>
+            <p:cNvSpPr txBox="1"/>
+            <p:nvPr/>
+          </p:nvSpPr>
+          <p:spPr>
+            <a:xfrm>
+              <a:off x="1338374" y="648880"/>
+              <a:ext cx="3039073" cy="1107996"/>
+            </a:xfrm>
+            <a:prstGeom prst="rect">
+              <a:avLst/>
+            </a:prstGeom>
+            <a:noFill/>
+          </p:spPr>
+          <p:txBody>
+            <a:bodyPr wrap="square" rtlCol="0">
+              <a:spAutoFit/>
+            </a:bodyPr>
+            <a:lstStyle/>
+            <a:p>
+              <a:pPr algn="ctr"/>
+              <a:r>
+                <a:rPr lang="en-GB" sz="2200" b="1" dirty="0" smtClean="0">
+                  <a:latin typeface="Garamond" panose="02020404030301010803" pitchFamily="18" charset="0"/>
+                </a:rPr>
+                <a:t>Base de </a:t>
+              </a:r>
+              <a:r>
+                <a:rPr lang="en-GB" sz="2200" b="1" dirty="0" err="1" smtClean="0">
+                  <a:latin typeface="Garamond" panose="02020404030301010803" pitchFamily="18" charset="0"/>
+                </a:rPr>
+                <a:t>datos</a:t>
+              </a:r>
+              <a:r>
+                <a:rPr lang="en-GB" sz="2200" b="1" dirty="0" smtClean="0">
+                  <a:latin typeface="Garamond" panose="02020404030301010803" pitchFamily="18" charset="0"/>
+                </a:rPr>
+                <a:t> de </a:t>
+              </a:r>
+              <a:r>
+                <a:rPr lang="en-GB" sz="2200" b="1" dirty="0" err="1" smtClean="0">
+                  <a:latin typeface="Garamond" panose="02020404030301010803" pitchFamily="18" charset="0"/>
+                </a:rPr>
+                <a:t>ocurrencias</a:t>
+              </a:r>
+              <a:r>
+                <a:rPr lang="en-GB" sz="2200" b="1" dirty="0" smtClean="0">
+                  <a:latin typeface="Garamond" panose="02020404030301010803" pitchFamily="18" charset="0"/>
+                </a:rPr>
+                <a:t> de </a:t>
+              </a:r>
+              <a:r>
+                <a:rPr lang="en-GB" sz="2200" b="1" dirty="0" err="1" smtClean="0">
+                  <a:latin typeface="Garamond" panose="02020404030301010803" pitchFamily="18" charset="0"/>
+                </a:rPr>
+                <a:t>especies</a:t>
+              </a:r>
+              <a:endParaRPr lang="en-GB" sz="2200" b="1" dirty="0" smtClean="0">
+                <a:latin typeface="Garamond" panose="02020404030301010803" pitchFamily="18" charset="0"/>
+              </a:endParaRPr>
+            </a:p>
+            <a:p>
+              <a:pPr algn="ctr"/>
+              <a:r>
+                <a:rPr lang="en-GB" sz="2200" b="1" dirty="0" smtClean="0">
+                  <a:latin typeface="Garamond" panose="02020404030301010803" pitchFamily="18" charset="0"/>
+                </a:rPr>
+                <a:t>GBIF</a:t>
+              </a:r>
+              <a:endParaRPr lang="en-GB" sz="2200" b="1" dirty="0">
+                <a:latin typeface="Garamond" panose="02020404030301010803" pitchFamily="18" charset="0"/>
+              </a:endParaRPr>
+            </a:p>
+          </p:txBody>
+        </p:sp>
+        <p:sp>
+          <p:nvSpPr>
+            <p:cNvPr id="35" name="CuadroTexto 34">
+              <a:extLst>
+                <a:ext uri="{FF2B5EF4-FFF2-40B4-BE49-F238E27FC236}">
+                  <a16:creationId xmlns="" xmlns:a16="http://schemas.microsoft.com/office/drawing/2014/main" id="{79038E7C-EE77-4771-9FF2-A6FEC96AC332}"/>
+                </a:ext>
+              </a:extLst>
+            </p:cNvPr>
+            <p:cNvSpPr txBox="1"/>
+            <p:nvPr/>
+          </p:nvSpPr>
+          <p:spPr>
+            <a:xfrm>
+              <a:off x="1265662" y="2744520"/>
+              <a:ext cx="3202381" cy="430887"/>
+            </a:xfrm>
+            <a:prstGeom prst="rect">
+              <a:avLst/>
+            </a:prstGeom>
+            <a:noFill/>
+          </p:spPr>
+          <p:txBody>
+            <a:bodyPr wrap="square" rtlCol="0">
+              <a:spAutoFit/>
+            </a:bodyPr>
+            <a:lstStyle/>
+            <a:p>
+              <a:pPr algn="ctr"/>
+              <a:r>
+                <a:rPr lang="en-GB" sz="1050" dirty="0" err="1" smtClean="0">
+                  <a:latin typeface="Garamond" panose="02020404030301010803" pitchFamily="18" charset="0"/>
+                </a:rPr>
+                <a:t>Clase</a:t>
+              </a:r>
+              <a:r>
+                <a:rPr lang="en-GB" sz="1050" dirty="0" smtClean="0">
+                  <a:latin typeface="Garamond" panose="02020404030301010803" pitchFamily="18" charset="0"/>
+                </a:rPr>
+                <a:t>, </a:t>
+              </a:r>
+              <a:r>
+                <a:rPr lang="en-GB" sz="1050" dirty="0" err="1" smtClean="0">
+                  <a:latin typeface="Garamond" panose="02020404030301010803" pitchFamily="18" charset="0"/>
+                </a:rPr>
+                <a:t>Familia</a:t>
+              </a:r>
+              <a:r>
+                <a:rPr lang="en-GB" sz="1050" dirty="0" smtClean="0">
+                  <a:latin typeface="Garamond" panose="02020404030301010803" pitchFamily="18" charset="0"/>
+                </a:rPr>
+                <a:t>, </a:t>
+              </a:r>
+              <a:r>
+                <a:rPr lang="en-GB" sz="1050" dirty="0" err="1" smtClean="0">
+                  <a:latin typeface="Garamond" panose="02020404030301010803" pitchFamily="18" charset="0"/>
+                </a:rPr>
+                <a:t>Género</a:t>
+              </a:r>
+              <a:r>
+                <a:rPr lang="en-GB" sz="1050" dirty="0" smtClean="0">
+                  <a:latin typeface="Garamond" panose="02020404030301010803" pitchFamily="18" charset="0"/>
+                </a:rPr>
+                <a:t>, </a:t>
+              </a:r>
+              <a:r>
+                <a:rPr lang="en-GB" sz="1050" dirty="0" err="1" smtClean="0">
+                  <a:latin typeface="Garamond" panose="02020404030301010803" pitchFamily="18" charset="0"/>
+                </a:rPr>
+                <a:t>Especie</a:t>
+              </a:r>
+              <a:r>
+                <a:rPr lang="en-GB" sz="1050" dirty="0" smtClean="0">
+                  <a:latin typeface="Garamond" panose="02020404030301010803" pitchFamily="18" charset="0"/>
+                </a:rPr>
+                <a:t>, </a:t>
+              </a:r>
+              <a:r>
+                <a:rPr lang="en-GB" sz="1050" dirty="0" err="1" smtClean="0">
+                  <a:latin typeface="Garamond" panose="02020404030301010803" pitchFamily="18" charset="0"/>
+                </a:rPr>
+                <a:t>Nombre</a:t>
+              </a:r>
+              <a:r>
+                <a:rPr lang="en-GB" sz="1050" dirty="0" smtClean="0">
+                  <a:latin typeface="Garamond" panose="02020404030301010803" pitchFamily="18" charset="0"/>
+                </a:rPr>
+                <a:t> </a:t>
+              </a:r>
+              <a:r>
+                <a:rPr lang="en-GB" sz="1050" dirty="0" err="1" smtClean="0">
+                  <a:latin typeface="Garamond" panose="02020404030301010803" pitchFamily="18" charset="0"/>
+                </a:rPr>
+                <a:t>Común</a:t>
+              </a:r>
+              <a:r>
+                <a:rPr lang="en-GB" sz="1050" dirty="0" smtClean="0">
+                  <a:latin typeface="Garamond" panose="02020404030301010803" pitchFamily="18" charset="0"/>
+                </a:rPr>
+                <a:t>, </a:t>
+              </a:r>
+              <a:r>
+                <a:rPr lang="en-GB" sz="1050" dirty="0" err="1" smtClean="0">
+                  <a:latin typeface="Garamond" panose="02020404030301010803" pitchFamily="18" charset="0"/>
+                </a:rPr>
+                <a:t>Año</a:t>
+              </a:r>
+              <a:r>
+                <a:rPr lang="en-GB" sz="1050" dirty="0" smtClean="0">
+                  <a:latin typeface="Garamond" panose="02020404030301010803" pitchFamily="18" charset="0"/>
+                </a:rPr>
+                <a:t>, </a:t>
+              </a:r>
+              <a:r>
+                <a:rPr lang="en-GB" sz="1050" dirty="0" err="1" smtClean="0">
+                  <a:latin typeface="Garamond" panose="02020404030301010803" pitchFamily="18" charset="0"/>
+                </a:rPr>
+                <a:t>Mes</a:t>
+              </a:r>
+              <a:r>
+                <a:rPr lang="en-GB" sz="1050" dirty="0" smtClean="0">
+                  <a:latin typeface="Garamond" panose="02020404030301010803" pitchFamily="18" charset="0"/>
+                </a:rPr>
+                <a:t>, </a:t>
+              </a:r>
+              <a:r>
+                <a:rPr lang="en-GB" sz="1050" dirty="0" err="1" smtClean="0">
+                  <a:latin typeface="Garamond" panose="02020404030301010803" pitchFamily="18" charset="0"/>
+                </a:rPr>
+                <a:t>Localidad</a:t>
+              </a:r>
+              <a:r>
+                <a:rPr lang="en-GB" sz="1050" dirty="0" smtClean="0">
+                  <a:latin typeface="Garamond" panose="02020404030301010803" pitchFamily="18" charset="0"/>
+                </a:rPr>
+                <a:t>, </a:t>
+              </a:r>
+              <a:r>
+                <a:rPr lang="en-GB" sz="1050" dirty="0" err="1" smtClean="0">
+                  <a:latin typeface="Garamond" panose="02020404030301010803" pitchFamily="18" charset="0"/>
+                </a:rPr>
+                <a:t>Latitud</a:t>
+              </a:r>
+              <a:r>
+                <a:rPr lang="en-GB" sz="1050" dirty="0" smtClean="0">
+                  <a:latin typeface="Garamond" panose="02020404030301010803" pitchFamily="18" charset="0"/>
+                </a:rPr>
+                <a:t> y </a:t>
+              </a:r>
+              <a:r>
+                <a:rPr lang="en-GB" sz="1050" dirty="0" err="1" smtClean="0">
+                  <a:latin typeface="Garamond" panose="02020404030301010803" pitchFamily="18" charset="0"/>
+                </a:rPr>
+                <a:t>Logitud</a:t>
+              </a:r>
+              <a:r>
+                <a:rPr lang="en-GB" sz="1050" dirty="0" smtClean="0">
+                  <a:latin typeface="Garamond" panose="02020404030301010803" pitchFamily="18" charset="0"/>
+                </a:rPr>
+                <a:t> </a:t>
+              </a:r>
+              <a:endParaRPr lang="en-GB" sz="1050" dirty="0">
+                <a:latin typeface="Garamond" panose="02020404030301010803" pitchFamily="18" charset="0"/>
+              </a:endParaRPr>
+            </a:p>
+          </p:txBody>
+        </p:sp>
+      </p:grpSp>
+      <p:sp>
+        <p:nvSpPr>
+          <p:cNvPr id="39" name="Flecha: a la derecha con bandas 38">
+            <a:extLst>
+              <a:ext uri="{FF2B5EF4-FFF2-40B4-BE49-F238E27FC236}">
+                <a16:creationId xmlns="" xmlns:a16="http://schemas.microsoft.com/office/drawing/2014/main" id="{8A6DC2CB-BDCA-429B-B88A-F037083452DA}"/>
+              </a:ext>
+            </a:extLst>
+          </p:cNvPr>
+          <p:cNvSpPr/>
+          <p:nvPr/>
+        </p:nvSpPr>
+        <p:spPr>
+          <a:xfrm rot="5400000">
+            <a:off x="3729253" y="4997574"/>
+            <a:ext cx="501870" cy="429036"/>
+          </a:xfrm>
+          <a:prstGeom prst="stripedRightArrow">
+            <a:avLst/>
+          </a:prstGeom>
+          <a:solidFill>
+            <a:srgbClr val="238D8A"/>
+          </a:solidFill>
+          <a:ln>
+            <a:solidFill>
+              <a:schemeClr val="tx1"/>
+            </a:solidFill>
+          </a:ln>
+        </p:spPr>
+        <p:style>
+          <a:lnRef idx="2">
+            <a:schemeClr val="accent1">
+              <a:shade val="50000"/>
+            </a:schemeClr>
+          </a:lnRef>
+          <a:fillRef idx="1">
+            <a:schemeClr val="accent1"/>
+          </a:fillRef>
+          <a:effectRef idx="0">
+            <a:schemeClr val="accent1"/>
+          </a:effectRef>
+          <a:fontRef idx="minor">
+            <a:schemeClr val="lt1"/>
+          </a:fontRef>
+        </p:style>
+        <p:txBody>
+          <a:bodyPr rtlCol="0" anchor="ctr"/>
+          <a:lstStyle/>
+          <a:p>
+            <a:pPr algn="ctr"/>
+            <a:endParaRPr lang="en-GB"/>
+          </a:p>
+        </p:txBody>
+      </p:sp>
+      <p:sp>
+        <p:nvSpPr>
+          <p:cNvPr id="40" name="CuadroTexto 39">
+            <a:extLst>
+              <a:ext uri="{FF2B5EF4-FFF2-40B4-BE49-F238E27FC236}">
+                <a16:creationId xmlns="" xmlns:a16="http://schemas.microsoft.com/office/drawing/2014/main" id="{3923911E-F63F-4ABF-BBFB-5347F107636D}"/>
+              </a:ext>
+            </a:extLst>
+          </p:cNvPr>
+          <p:cNvSpPr txBox="1"/>
+          <p:nvPr/>
+        </p:nvSpPr>
+        <p:spPr>
+          <a:xfrm>
+            <a:off x="2325111" y="5470872"/>
+            <a:ext cx="3341792" cy="523220"/>
+          </a:xfrm>
+          <a:prstGeom prst="rect">
+            <a:avLst/>
+          </a:prstGeom>
+          <a:noFill/>
+        </p:spPr>
+        <p:txBody>
+          <a:bodyPr wrap="square" rtlCol="0">
+            <a:spAutoFit/>
+          </a:bodyPr>
+          <a:lstStyle/>
+          <a:p>
+            <a:pPr algn="ctr"/>
+            <a:r>
+              <a:rPr lang="en-GB" sz="2800" b="1" dirty="0" err="1" smtClean="0">
+                <a:latin typeface="Garamond" panose="02020404030301010803" pitchFamily="18" charset="0"/>
+              </a:rPr>
+              <a:t>MongoDB</a:t>
+            </a:r>
+            <a:r>
+              <a:rPr lang="en-GB" sz="2800" b="1" dirty="0" smtClean="0">
+                <a:latin typeface="Garamond" panose="02020404030301010803" pitchFamily="18" charset="0"/>
+              </a:rPr>
+              <a:t> Compass</a:t>
+            </a:r>
+            <a:endParaRPr lang="en-GB" sz="2800" b="1" dirty="0">
+              <a:latin typeface="Garamond" panose="02020404030301010803" pitchFamily="18" charset="0"/>
+            </a:endParaRPr>
+          </a:p>
+        </p:txBody>
+      </p:sp>
+      <p:sp>
+        <p:nvSpPr>
+          <p:cNvPr id="15" name="CuadroTexto 14">
+            <a:extLst>
+              <a:ext uri="{FF2B5EF4-FFF2-40B4-BE49-F238E27FC236}">
+                <a16:creationId xmlns="" xmlns:a16="http://schemas.microsoft.com/office/drawing/2014/main" id="{3923911E-F63F-4ABF-BBFB-5347F107636D}"/>
+              </a:ext>
+            </a:extLst>
+          </p:cNvPr>
+          <p:cNvSpPr txBox="1"/>
+          <p:nvPr/>
+        </p:nvSpPr>
+        <p:spPr>
+          <a:xfrm>
+            <a:off x="2309292" y="5994092"/>
+            <a:ext cx="3341792" cy="523220"/>
+          </a:xfrm>
+          <a:prstGeom prst="rect">
+            <a:avLst/>
+          </a:prstGeom>
+          <a:noFill/>
+        </p:spPr>
+        <p:txBody>
+          <a:bodyPr wrap="square" rtlCol="0">
+            <a:spAutoFit/>
+          </a:bodyPr>
+          <a:lstStyle/>
+          <a:p>
+            <a:pPr algn="ctr"/>
+            <a:r>
+              <a:rPr lang="en-GB" sz="1400" b="1" dirty="0" smtClean="0">
+                <a:latin typeface="Garamond" panose="02020404030301010803" pitchFamily="18" charset="0"/>
+              </a:rPr>
+              <a:t>API, </a:t>
+            </a:r>
+          </a:p>
+          <a:p>
+            <a:pPr algn="ctr"/>
+            <a:r>
+              <a:rPr lang="en-GB" sz="1400" b="1" dirty="0" err="1" smtClean="0">
+                <a:latin typeface="Garamond" panose="02020404030301010803" pitchFamily="18" charset="0"/>
+              </a:rPr>
+              <a:t>Modelos</a:t>
+            </a:r>
+            <a:r>
+              <a:rPr lang="en-GB" sz="1400" b="1" dirty="0" smtClean="0">
+                <a:latin typeface="Garamond" panose="02020404030301010803" pitchFamily="18" charset="0"/>
+              </a:rPr>
+              <a:t> de clustering</a:t>
+            </a:r>
+            <a:endParaRPr lang="en-GB" sz="1400" b="1" dirty="0">
+              <a:latin typeface="Garamond" panose="02020404030301010803" pitchFamily="18" charset="0"/>
+            </a:endParaRPr>
+          </a:p>
+        </p:txBody>
+      </p:sp>
+      <p:cxnSp>
+        <p:nvCxnSpPr>
+          <p:cNvPr id="22" name="Conector recto de flecha 21">
+            <a:extLst>
+              <a:ext uri="{FF2B5EF4-FFF2-40B4-BE49-F238E27FC236}">
+                <a16:creationId xmlns="" xmlns:a16="http://schemas.microsoft.com/office/drawing/2014/main" id="{38AD23BC-DF3D-4424-80C0-528DF86AFF9A}"/>
+              </a:ext>
+            </a:extLst>
+          </p:cNvPr>
+          <p:cNvCxnSpPr/>
+          <p:nvPr/>
+        </p:nvCxnSpPr>
+        <p:spPr>
+          <a:xfrm>
+            <a:off x="3996007" y="3029492"/>
+            <a:ext cx="8370" cy="364274"/>
+          </a:xfrm>
+          <a:prstGeom prst="straightConnector1">
+            <a:avLst/>
+          </a:prstGeom>
+          <a:ln w="28575">
+            <a:solidFill>
+              <a:srgbClr val="238D8A"/>
+            </a:solidFill>
+            <a:tailEnd type="triangle"/>
+          </a:ln>
+        </p:spPr>
+        <p:style>
+          <a:lnRef idx="1">
+            <a:schemeClr val="accent1"/>
+          </a:lnRef>
+          <a:fillRef idx="0">
+            <a:schemeClr val="accent1"/>
+          </a:fillRef>
+          <a:effectRef idx="0">
+            <a:schemeClr val="accent1"/>
+          </a:effectRef>
+          <a:fontRef idx="minor">
+            <a:schemeClr val="tx1"/>
+          </a:fontRef>
+        </p:style>
+      </p:cxnSp>
+      <p:sp>
+        <p:nvSpPr>
+          <p:cNvPr id="24" name="Flecha: a la derecha con bandas 38">
+            <a:extLst>
+              <a:ext uri="{FF2B5EF4-FFF2-40B4-BE49-F238E27FC236}">
+                <a16:creationId xmlns="" xmlns:a16="http://schemas.microsoft.com/office/drawing/2014/main" id="{8A6DC2CB-BDCA-429B-B88A-F037083452DA}"/>
+              </a:ext>
+            </a:extLst>
+          </p:cNvPr>
+          <p:cNvSpPr/>
+          <p:nvPr/>
+        </p:nvSpPr>
+        <p:spPr>
+          <a:xfrm>
+            <a:off x="5995013" y="2814974"/>
+            <a:ext cx="501870" cy="429036"/>
+          </a:xfrm>
+          <a:prstGeom prst="stripedRightArrow">
+            <a:avLst/>
+          </a:prstGeom>
+          <a:solidFill>
+            <a:srgbClr val="238D8A"/>
+          </a:solidFill>
+          <a:ln>
+            <a:solidFill>
+              <a:schemeClr val="tx1"/>
+            </a:solidFill>
+          </a:ln>
+        </p:spPr>
+        <p:style>
+          <a:lnRef idx="2">
+            <a:schemeClr val="accent1">
+              <a:shade val="50000"/>
+            </a:schemeClr>
+          </a:lnRef>
+          <a:fillRef idx="1">
+            <a:schemeClr val="accent1"/>
+          </a:fillRef>
+          <a:effectRef idx="0">
+            <a:schemeClr val="accent1"/>
+          </a:effectRef>
+          <a:fontRef idx="minor">
+            <a:schemeClr val="lt1"/>
+          </a:fontRef>
+        </p:style>
+        <p:txBody>
+          <a:bodyPr rtlCol="0" anchor="ctr"/>
+          <a:lstStyle/>
+          <a:p>
+            <a:pPr algn="ctr"/>
+            <a:endParaRPr lang="en-GB"/>
+          </a:p>
+        </p:txBody>
+      </p:sp>
+      <p:sp>
+        <p:nvSpPr>
+          <p:cNvPr id="25" name="CuadroTexto 24">
+            <a:extLst>
+              <a:ext uri="{FF2B5EF4-FFF2-40B4-BE49-F238E27FC236}">
+                <a16:creationId xmlns="" xmlns:a16="http://schemas.microsoft.com/office/drawing/2014/main" id="{3923911E-F63F-4ABF-BBFB-5347F107636D}"/>
+              </a:ext>
+            </a:extLst>
+          </p:cNvPr>
+          <p:cNvSpPr txBox="1"/>
+          <p:nvPr/>
+        </p:nvSpPr>
+        <p:spPr>
+          <a:xfrm>
+            <a:off x="5901737" y="2767882"/>
+            <a:ext cx="3341792" cy="523220"/>
+          </a:xfrm>
+          <a:prstGeom prst="rect">
+            <a:avLst/>
+          </a:prstGeom>
+          <a:noFill/>
+        </p:spPr>
+        <p:txBody>
+          <a:bodyPr wrap="square" rtlCol="0">
+            <a:spAutoFit/>
+          </a:bodyPr>
+          <a:lstStyle/>
+          <a:p>
+            <a:pPr algn="ctr"/>
+            <a:r>
+              <a:rPr lang="en-GB" sz="2800" b="1" dirty="0" smtClean="0">
+                <a:latin typeface="Garamond" panose="02020404030301010803" pitchFamily="18" charset="0"/>
+              </a:rPr>
+              <a:t>Flask API</a:t>
+            </a:r>
+            <a:endParaRPr lang="en-GB" sz="2800" b="1" dirty="0">
+              <a:latin typeface="Garamond" panose="02020404030301010803" pitchFamily="18" charset="0"/>
+            </a:endParaRPr>
+          </a:p>
+        </p:txBody>
+      </p:sp>
+      <p:sp>
+        <p:nvSpPr>
+          <p:cNvPr id="26" name="CuadroTexto 25">
+            <a:extLst>
+              <a:ext uri="{FF2B5EF4-FFF2-40B4-BE49-F238E27FC236}">
+                <a16:creationId xmlns="" xmlns:a16="http://schemas.microsoft.com/office/drawing/2014/main" id="{3923911E-F63F-4ABF-BBFB-5347F107636D}"/>
+              </a:ext>
+            </a:extLst>
+          </p:cNvPr>
+          <p:cNvSpPr txBox="1"/>
+          <p:nvPr/>
+        </p:nvSpPr>
+        <p:spPr>
+          <a:xfrm>
+            <a:off x="5811121" y="3274965"/>
+            <a:ext cx="3341792" cy="523220"/>
+          </a:xfrm>
+          <a:prstGeom prst="rect">
+            <a:avLst/>
+          </a:prstGeom>
+          <a:noFill/>
+        </p:spPr>
+        <p:txBody>
+          <a:bodyPr wrap="square" rtlCol="0">
+            <a:spAutoFit/>
+          </a:bodyPr>
+          <a:lstStyle/>
+          <a:p>
+            <a:pPr algn="ctr"/>
+            <a:r>
+              <a:rPr lang="en-GB" sz="1400" dirty="0" err="1" smtClean="0">
+                <a:latin typeface="Garamond" panose="02020404030301010803" pitchFamily="18" charset="0"/>
+              </a:rPr>
+              <a:t>Métodos</a:t>
+            </a:r>
+            <a:endParaRPr lang="en-GB" sz="1400" dirty="0" smtClean="0">
+              <a:latin typeface="Garamond" panose="02020404030301010803" pitchFamily="18" charset="0"/>
+            </a:endParaRPr>
+          </a:p>
+          <a:p>
+            <a:pPr algn="ctr"/>
+            <a:r>
+              <a:rPr lang="en-GB" sz="1400" dirty="0" smtClean="0">
+                <a:latin typeface="Garamond" panose="02020404030301010803" pitchFamily="18" charset="0"/>
+              </a:rPr>
+              <a:t>GET y POST</a:t>
+            </a:r>
+            <a:endParaRPr lang="en-GB" sz="1400" dirty="0">
+              <a:latin typeface="Garamond" panose="02020404030301010803" pitchFamily="18" charset="0"/>
+            </a:endParaRPr>
+          </a:p>
+        </p:txBody>
+      </p:sp>
+      <p:sp>
+        <p:nvSpPr>
+          <p:cNvPr id="7" name="Abrir llave 6"/>
+          <p:cNvSpPr/>
+          <p:nvPr/>
+        </p:nvSpPr>
+        <p:spPr>
+          <a:xfrm>
+            <a:off x="8542638" y="1598809"/>
+            <a:ext cx="313038" cy="3162661"/>
+          </a:xfrm>
+          <a:prstGeom prst="leftBrace">
+            <a:avLst/>
+          </a:prstGeom>
+        </p:spPr>
+        <p:style>
+          <a:lnRef idx="1">
+            <a:schemeClr val="accent1"/>
+          </a:lnRef>
+          <a:fillRef idx="0">
+            <a:schemeClr val="accent1"/>
+          </a:fillRef>
+          <a:effectRef idx="0">
+            <a:schemeClr val="accent1"/>
+          </a:effectRef>
+          <a:fontRef idx="minor">
+            <a:schemeClr val="tx1"/>
+          </a:fontRef>
+        </p:style>
+        <p:txBody>
+          <a:bodyPr rtlCol="0" anchor="ctr"/>
+          <a:lstStyle/>
+          <a:p>
+            <a:pPr algn="ctr"/>
+            <a:endParaRPr lang="es-ES"/>
+          </a:p>
+        </p:txBody>
+      </p:sp>
+      <p:sp>
+        <p:nvSpPr>
+          <p:cNvPr id="28" name="CuadroTexto 27">
+            <a:extLst>
+              <a:ext uri="{FF2B5EF4-FFF2-40B4-BE49-F238E27FC236}">
+                <a16:creationId xmlns="" xmlns:a16="http://schemas.microsoft.com/office/drawing/2014/main" id="{3923911E-F63F-4ABF-BBFB-5347F107636D}"/>
+              </a:ext>
+            </a:extLst>
+          </p:cNvPr>
+          <p:cNvSpPr txBox="1"/>
+          <p:nvPr/>
+        </p:nvSpPr>
+        <p:spPr>
+          <a:xfrm>
+            <a:off x="8715633" y="1589872"/>
+            <a:ext cx="3341792" cy="307777"/>
+          </a:xfrm>
+          <a:prstGeom prst="rect">
+            <a:avLst/>
+          </a:prstGeom>
+          <a:noFill/>
+        </p:spPr>
+        <p:txBody>
+          <a:bodyPr wrap="square" rtlCol="0">
+            <a:spAutoFit/>
+          </a:bodyPr>
+          <a:lstStyle/>
+          <a:p>
+            <a:pPr algn="ctr"/>
+            <a:r>
+              <a:rPr lang="en-GB" sz="1400" dirty="0" smtClean="0">
+                <a:latin typeface="Garamond" panose="02020404030301010803" pitchFamily="18" charset="0"/>
+              </a:rPr>
+              <a:t>- </a:t>
+            </a:r>
+            <a:r>
+              <a:rPr lang="en-GB" sz="1400" dirty="0" err="1" smtClean="0">
+                <a:latin typeface="Garamond" panose="02020404030301010803" pitchFamily="18" charset="0"/>
+              </a:rPr>
+              <a:t>Buscar</a:t>
+            </a:r>
+            <a:r>
+              <a:rPr lang="en-GB" sz="1400" dirty="0" smtClean="0">
+                <a:latin typeface="Garamond" panose="02020404030301010803" pitchFamily="18" charset="0"/>
+              </a:rPr>
+              <a:t> </a:t>
+            </a:r>
+            <a:r>
+              <a:rPr lang="en-GB" sz="1400" dirty="0" err="1" smtClean="0">
+                <a:latin typeface="Garamond" panose="02020404030301010803" pitchFamily="18" charset="0"/>
+              </a:rPr>
+              <a:t>todas</a:t>
+            </a:r>
+            <a:r>
+              <a:rPr lang="en-GB" sz="1400" dirty="0" smtClean="0">
+                <a:latin typeface="Garamond" panose="02020404030301010803" pitchFamily="18" charset="0"/>
+              </a:rPr>
+              <a:t> </a:t>
+            </a:r>
+            <a:r>
+              <a:rPr lang="en-GB" sz="1400" dirty="0" err="1" smtClean="0">
+                <a:latin typeface="Garamond" panose="02020404030301010803" pitchFamily="18" charset="0"/>
+              </a:rPr>
+              <a:t>las</a:t>
+            </a:r>
+            <a:r>
+              <a:rPr lang="en-GB" sz="1400" dirty="0" smtClean="0">
+                <a:latin typeface="Garamond" panose="02020404030301010803" pitchFamily="18" charset="0"/>
+              </a:rPr>
+              <a:t> </a:t>
+            </a:r>
+            <a:r>
+              <a:rPr lang="en-GB" sz="1400" dirty="0" err="1" smtClean="0">
+                <a:latin typeface="Garamond" panose="02020404030301010803" pitchFamily="18" charset="0"/>
+              </a:rPr>
+              <a:t>especies</a:t>
+            </a:r>
+            <a:r>
+              <a:rPr lang="en-GB" sz="1400" dirty="0" smtClean="0">
+                <a:latin typeface="Garamond" panose="02020404030301010803" pitchFamily="18" charset="0"/>
+              </a:rPr>
+              <a:t> para </a:t>
+            </a:r>
+            <a:r>
+              <a:rPr lang="en-GB" sz="1400" dirty="0" err="1" smtClean="0">
+                <a:latin typeface="Garamond" panose="02020404030301010803" pitchFamily="18" charset="0"/>
+              </a:rPr>
+              <a:t>una</a:t>
+            </a:r>
+            <a:r>
+              <a:rPr lang="en-GB" sz="1400" dirty="0" smtClean="0">
+                <a:latin typeface="Garamond" panose="02020404030301010803" pitchFamily="18" charset="0"/>
+              </a:rPr>
+              <a:t> </a:t>
+            </a:r>
+            <a:r>
+              <a:rPr lang="en-GB" sz="1400" dirty="0" err="1" smtClean="0">
+                <a:latin typeface="Garamond" panose="02020404030301010803" pitchFamily="18" charset="0"/>
+              </a:rPr>
+              <a:t>provincia</a:t>
+            </a:r>
+            <a:endParaRPr lang="en-GB" sz="1400" dirty="0">
+              <a:latin typeface="Garamond" panose="02020404030301010803" pitchFamily="18" charset="0"/>
+            </a:endParaRPr>
+          </a:p>
+        </p:txBody>
+      </p:sp>
+      <p:sp>
+        <p:nvSpPr>
+          <p:cNvPr id="29" name="CuadroTexto 28">
+            <a:extLst>
+              <a:ext uri="{FF2B5EF4-FFF2-40B4-BE49-F238E27FC236}">
+                <a16:creationId xmlns="" xmlns:a16="http://schemas.microsoft.com/office/drawing/2014/main" id="{3923911E-F63F-4ABF-BBFB-5347F107636D}"/>
+              </a:ext>
+            </a:extLst>
+          </p:cNvPr>
+          <p:cNvSpPr txBox="1"/>
+          <p:nvPr/>
+        </p:nvSpPr>
+        <p:spPr>
+          <a:xfrm>
+            <a:off x="8715633" y="1995941"/>
+            <a:ext cx="3341792" cy="523220"/>
+          </a:xfrm>
+          <a:prstGeom prst="rect">
+            <a:avLst/>
+          </a:prstGeom>
+          <a:noFill/>
+        </p:spPr>
+        <p:txBody>
+          <a:bodyPr wrap="square" rtlCol="0">
+            <a:spAutoFit/>
+          </a:bodyPr>
+          <a:lstStyle/>
+          <a:p>
+            <a:r>
+              <a:rPr lang="en-GB" sz="1400" dirty="0" smtClean="0">
+                <a:latin typeface="Garamond" panose="02020404030301010803" pitchFamily="18" charset="0"/>
+              </a:rPr>
+              <a:t>- </a:t>
+            </a:r>
+            <a:r>
+              <a:rPr lang="en-GB" sz="1400" dirty="0" err="1" smtClean="0">
+                <a:latin typeface="Garamond" panose="02020404030301010803" pitchFamily="18" charset="0"/>
+              </a:rPr>
+              <a:t>Buscar</a:t>
+            </a:r>
+            <a:r>
+              <a:rPr lang="en-GB" sz="1400" dirty="0" smtClean="0">
+                <a:latin typeface="Garamond" panose="02020404030301010803" pitchFamily="18" charset="0"/>
+              </a:rPr>
+              <a:t> </a:t>
+            </a:r>
+            <a:r>
+              <a:rPr lang="en-GB" sz="1400" dirty="0" err="1" smtClean="0">
+                <a:latin typeface="Garamond" panose="02020404030301010803" pitchFamily="18" charset="0"/>
+              </a:rPr>
+              <a:t>una</a:t>
+            </a:r>
+            <a:r>
+              <a:rPr lang="en-GB" sz="1400" dirty="0" smtClean="0">
+                <a:latin typeface="Garamond" panose="02020404030301010803" pitchFamily="18" charset="0"/>
+              </a:rPr>
+              <a:t> </a:t>
+            </a:r>
+            <a:r>
+              <a:rPr lang="en-GB" sz="1400" dirty="0" err="1" smtClean="0">
+                <a:latin typeface="Garamond" panose="02020404030301010803" pitchFamily="18" charset="0"/>
+              </a:rPr>
+              <a:t>especie</a:t>
+            </a:r>
+            <a:r>
+              <a:rPr lang="en-GB" sz="1400" dirty="0" smtClean="0">
+                <a:latin typeface="Garamond" panose="02020404030301010803" pitchFamily="18" charset="0"/>
+              </a:rPr>
+              <a:t> </a:t>
+            </a:r>
+            <a:r>
+              <a:rPr lang="en-GB" sz="1400" dirty="0" err="1" smtClean="0">
+                <a:latin typeface="Garamond" panose="02020404030301010803" pitchFamily="18" charset="0"/>
+              </a:rPr>
+              <a:t>concreta</a:t>
+            </a:r>
+            <a:r>
+              <a:rPr lang="en-GB" sz="1400" dirty="0" smtClean="0">
+                <a:latin typeface="Garamond" panose="02020404030301010803" pitchFamily="18" charset="0"/>
+              </a:rPr>
+              <a:t> para </a:t>
+            </a:r>
+            <a:r>
+              <a:rPr lang="en-GB" sz="1400" dirty="0" err="1" smtClean="0">
+                <a:latin typeface="Garamond" panose="02020404030301010803" pitchFamily="18" charset="0"/>
+              </a:rPr>
+              <a:t>una</a:t>
+            </a:r>
+            <a:r>
+              <a:rPr lang="en-GB" sz="1400" dirty="0" smtClean="0">
+                <a:latin typeface="Garamond" panose="02020404030301010803" pitchFamily="18" charset="0"/>
+              </a:rPr>
+              <a:t> </a:t>
+            </a:r>
+            <a:r>
+              <a:rPr lang="en-GB" sz="1400" dirty="0" err="1" smtClean="0">
+                <a:latin typeface="Garamond" panose="02020404030301010803" pitchFamily="18" charset="0"/>
+              </a:rPr>
+              <a:t>provincia</a:t>
+            </a:r>
+            <a:endParaRPr lang="en-GB" sz="1400" dirty="0">
+              <a:latin typeface="Garamond" panose="02020404030301010803" pitchFamily="18" charset="0"/>
+            </a:endParaRPr>
+          </a:p>
+        </p:txBody>
+      </p:sp>
+      <p:sp>
+        <p:nvSpPr>
+          <p:cNvPr id="37" name="CuadroTexto 36">
+            <a:extLst>
+              <a:ext uri="{FF2B5EF4-FFF2-40B4-BE49-F238E27FC236}">
+                <a16:creationId xmlns="" xmlns:a16="http://schemas.microsoft.com/office/drawing/2014/main" id="{3923911E-F63F-4ABF-BBFB-5347F107636D}"/>
+              </a:ext>
+            </a:extLst>
+          </p:cNvPr>
+          <p:cNvSpPr txBox="1"/>
+          <p:nvPr/>
+        </p:nvSpPr>
+        <p:spPr>
+          <a:xfrm>
+            <a:off x="8715633" y="2617453"/>
+            <a:ext cx="3341792" cy="523220"/>
+          </a:xfrm>
+          <a:prstGeom prst="rect">
+            <a:avLst/>
+          </a:prstGeom>
+          <a:noFill/>
+        </p:spPr>
+        <p:txBody>
+          <a:bodyPr wrap="square" rtlCol="0">
+            <a:spAutoFit/>
+          </a:bodyPr>
+          <a:lstStyle/>
+          <a:p>
+            <a:r>
+              <a:rPr lang="en-GB" sz="1400" dirty="0" smtClean="0">
+                <a:latin typeface="Garamond" panose="02020404030301010803" pitchFamily="18" charset="0"/>
+              </a:rPr>
+              <a:t>- </a:t>
+            </a:r>
+            <a:r>
+              <a:rPr lang="en-GB" sz="1400" dirty="0" err="1" smtClean="0">
+                <a:latin typeface="Garamond" panose="02020404030301010803" pitchFamily="18" charset="0"/>
+              </a:rPr>
+              <a:t>Buscar</a:t>
+            </a:r>
+            <a:r>
+              <a:rPr lang="en-GB" sz="1400" dirty="0" smtClean="0">
+                <a:latin typeface="Garamond" panose="02020404030301010803" pitchFamily="18" charset="0"/>
+              </a:rPr>
+              <a:t> </a:t>
+            </a:r>
+            <a:r>
+              <a:rPr lang="en-GB" sz="1400" dirty="0" err="1" smtClean="0">
+                <a:latin typeface="Garamond" panose="02020404030301010803" pitchFamily="18" charset="0"/>
+              </a:rPr>
+              <a:t>una</a:t>
+            </a:r>
+            <a:r>
+              <a:rPr lang="en-GB" sz="1400" dirty="0" smtClean="0">
+                <a:latin typeface="Garamond" panose="02020404030301010803" pitchFamily="18" charset="0"/>
+              </a:rPr>
+              <a:t> </a:t>
+            </a:r>
+            <a:r>
+              <a:rPr lang="en-GB" sz="1400" dirty="0" err="1" smtClean="0">
+                <a:latin typeface="Garamond" panose="02020404030301010803" pitchFamily="18" charset="0"/>
+              </a:rPr>
+              <a:t>especie</a:t>
+            </a:r>
+            <a:r>
+              <a:rPr lang="en-GB" sz="1400" dirty="0" smtClean="0">
+                <a:latin typeface="Garamond" panose="02020404030301010803" pitchFamily="18" charset="0"/>
+              </a:rPr>
+              <a:t> </a:t>
+            </a:r>
+            <a:r>
+              <a:rPr lang="en-GB" sz="1400" dirty="0" err="1" smtClean="0">
+                <a:latin typeface="Garamond" panose="02020404030301010803" pitchFamily="18" charset="0"/>
+              </a:rPr>
+              <a:t>concreta</a:t>
+            </a:r>
+            <a:r>
+              <a:rPr lang="en-GB" sz="1400" dirty="0" smtClean="0">
+                <a:latin typeface="Garamond" panose="02020404030301010803" pitchFamily="18" charset="0"/>
+              </a:rPr>
+              <a:t> en </a:t>
+            </a:r>
+            <a:r>
+              <a:rPr lang="en-GB" sz="1400" dirty="0" err="1" smtClean="0">
+                <a:latin typeface="Garamond" panose="02020404030301010803" pitchFamily="18" charset="0"/>
+              </a:rPr>
+              <a:t>determinado</a:t>
+            </a:r>
+            <a:r>
+              <a:rPr lang="en-GB" sz="1400" dirty="0" smtClean="0">
+                <a:latin typeface="Garamond" panose="02020404030301010803" pitchFamily="18" charset="0"/>
+              </a:rPr>
+              <a:t> </a:t>
+            </a:r>
+            <a:r>
+              <a:rPr lang="en-GB" sz="1400" dirty="0" err="1" smtClean="0">
+                <a:latin typeface="Garamond" panose="02020404030301010803" pitchFamily="18" charset="0"/>
+              </a:rPr>
+              <a:t>mes</a:t>
+            </a:r>
+            <a:endParaRPr lang="en-GB" sz="1400" dirty="0">
+              <a:latin typeface="Garamond" panose="02020404030301010803" pitchFamily="18" charset="0"/>
+            </a:endParaRPr>
+          </a:p>
+        </p:txBody>
+      </p:sp>
+      <p:sp>
+        <p:nvSpPr>
+          <p:cNvPr id="38" name="CuadroTexto 37">
+            <a:extLst>
+              <a:ext uri="{FF2B5EF4-FFF2-40B4-BE49-F238E27FC236}">
+                <a16:creationId xmlns="" xmlns:a16="http://schemas.microsoft.com/office/drawing/2014/main" id="{3923911E-F63F-4ABF-BBFB-5347F107636D}"/>
+              </a:ext>
+            </a:extLst>
+          </p:cNvPr>
+          <p:cNvSpPr txBox="1"/>
+          <p:nvPr/>
+        </p:nvSpPr>
+        <p:spPr>
+          <a:xfrm>
+            <a:off x="8715633" y="3238965"/>
+            <a:ext cx="3341792" cy="307777"/>
+          </a:xfrm>
+          <a:prstGeom prst="rect">
+            <a:avLst/>
+          </a:prstGeom>
+          <a:noFill/>
+        </p:spPr>
+        <p:txBody>
+          <a:bodyPr wrap="square" rtlCol="0">
+            <a:spAutoFit/>
+          </a:bodyPr>
+          <a:lstStyle/>
+          <a:p>
+            <a:r>
+              <a:rPr lang="en-GB" sz="1400" dirty="0" smtClean="0">
+                <a:latin typeface="Garamond" panose="02020404030301010803" pitchFamily="18" charset="0"/>
+              </a:rPr>
+              <a:t>- </a:t>
+            </a:r>
+            <a:r>
+              <a:rPr lang="en-GB" sz="1400" dirty="0" err="1" smtClean="0">
+                <a:latin typeface="Garamond" panose="02020404030301010803" pitchFamily="18" charset="0"/>
+              </a:rPr>
+              <a:t>Insertar</a:t>
+            </a:r>
+            <a:endParaRPr lang="en-GB" sz="1400" dirty="0">
+              <a:latin typeface="Garamond" panose="02020404030301010803" pitchFamily="18" charset="0"/>
+            </a:endParaRPr>
+          </a:p>
+        </p:txBody>
+      </p:sp>
+      <p:sp>
+        <p:nvSpPr>
+          <p:cNvPr id="41" name="CuadroTexto 40">
+            <a:extLst>
+              <a:ext uri="{FF2B5EF4-FFF2-40B4-BE49-F238E27FC236}">
+                <a16:creationId xmlns="" xmlns:a16="http://schemas.microsoft.com/office/drawing/2014/main" id="{3923911E-F63F-4ABF-BBFB-5347F107636D}"/>
+              </a:ext>
+            </a:extLst>
+          </p:cNvPr>
+          <p:cNvSpPr txBox="1"/>
+          <p:nvPr/>
+        </p:nvSpPr>
+        <p:spPr>
+          <a:xfrm>
+            <a:off x="8715633" y="3645034"/>
+            <a:ext cx="3341792" cy="307777"/>
+          </a:xfrm>
+          <a:prstGeom prst="rect">
+            <a:avLst/>
+          </a:prstGeom>
+          <a:noFill/>
+        </p:spPr>
+        <p:txBody>
+          <a:bodyPr wrap="square" rtlCol="0">
+            <a:spAutoFit/>
+          </a:bodyPr>
+          <a:lstStyle/>
+          <a:p>
+            <a:r>
+              <a:rPr lang="en-GB" sz="1400" dirty="0" smtClean="0">
+                <a:latin typeface="Garamond" panose="02020404030301010803" pitchFamily="18" charset="0"/>
+              </a:rPr>
+              <a:t>- </a:t>
+            </a:r>
+            <a:r>
+              <a:rPr lang="en-GB" sz="1400" dirty="0" err="1" smtClean="0">
+                <a:latin typeface="Garamond" panose="02020404030301010803" pitchFamily="18" charset="0"/>
+              </a:rPr>
+              <a:t>Eliminar</a:t>
+            </a:r>
+            <a:endParaRPr lang="en-GB" sz="1400" dirty="0">
+              <a:latin typeface="Garamond" panose="02020404030301010803" pitchFamily="18" charset="0"/>
+            </a:endParaRPr>
+          </a:p>
+        </p:txBody>
+      </p:sp>
+      <p:sp>
+        <p:nvSpPr>
+          <p:cNvPr id="42" name="CuadroTexto 41">
+            <a:extLst>
+              <a:ext uri="{FF2B5EF4-FFF2-40B4-BE49-F238E27FC236}">
+                <a16:creationId xmlns="" xmlns:a16="http://schemas.microsoft.com/office/drawing/2014/main" id="{3923911E-F63F-4ABF-BBFB-5347F107636D}"/>
+              </a:ext>
+            </a:extLst>
+          </p:cNvPr>
+          <p:cNvSpPr txBox="1"/>
+          <p:nvPr/>
+        </p:nvSpPr>
+        <p:spPr>
+          <a:xfrm>
+            <a:off x="8715633" y="4051103"/>
+            <a:ext cx="3341792" cy="307777"/>
+          </a:xfrm>
+          <a:prstGeom prst="rect">
+            <a:avLst/>
+          </a:prstGeom>
+          <a:noFill/>
+        </p:spPr>
+        <p:txBody>
+          <a:bodyPr wrap="square" rtlCol="0">
+            <a:spAutoFit/>
+          </a:bodyPr>
+          <a:lstStyle/>
+          <a:p>
+            <a:r>
+              <a:rPr lang="en-GB" sz="1400" dirty="0" smtClean="0">
+                <a:latin typeface="Garamond" panose="02020404030301010803" pitchFamily="18" charset="0"/>
+              </a:rPr>
+              <a:t>- ¿</a:t>
+            </a:r>
+            <a:r>
+              <a:rPr lang="en-GB" sz="1400" dirty="0" err="1" smtClean="0">
+                <a:latin typeface="Garamond" panose="02020404030301010803" pitchFamily="18" charset="0"/>
+              </a:rPr>
+              <a:t>Que</a:t>
+            </a:r>
+            <a:r>
+              <a:rPr lang="en-GB" sz="1400" dirty="0" smtClean="0">
+                <a:latin typeface="Garamond" panose="02020404030301010803" pitchFamily="18" charset="0"/>
+              </a:rPr>
+              <a:t> </a:t>
+            </a:r>
+            <a:r>
+              <a:rPr lang="en-GB" sz="1400" dirty="0" err="1" smtClean="0">
+                <a:latin typeface="Garamond" panose="02020404030301010803" pitchFamily="18" charset="0"/>
+              </a:rPr>
+              <a:t>tengo</a:t>
+            </a:r>
+            <a:r>
+              <a:rPr lang="en-GB" sz="1400" dirty="0" smtClean="0">
+                <a:latin typeface="Garamond" panose="02020404030301010803" pitchFamily="18" charset="0"/>
+              </a:rPr>
+              <a:t> </a:t>
+            </a:r>
+            <a:r>
+              <a:rPr lang="en-GB" sz="1400" dirty="0" err="1" smtClean="0">
+                <a:latin typeface="Garamond" panose="02020404030301010803" pitchFamily="18" charset="0"/>
+              </a:rPr>
+              <a:t>más</a:t>
+            </a:r>
+            <a:r>
+              <a:rPr lang="en-GB" sz="1400" dirty="0" smtClean="0">
+                <a:latin typeface="Garamond" panose="02020404030301010803" pitchFamily="18" charset="0"/>
+              </a:rPr>
+              <a:t> </a:t>
+            </a:r>
+            <a:r>
+              <a:rPr lang="en-GB" sz="1400" dirty="0" err="1" smtClean="0">
+                <a:latin typeface="Garamond" panose="02020404030301010803" pitchFamily="18" charset="0"/>
+              </a:rPr>
+              <a:t>cerca</a:t>
+            </a:r>
+            <a:r>
+              <a:rPr lang="en-GB" sz="1400" dirty="0" smtClean="0">
+                <a:latin typeface="Garamond" panose="02020404030301010803" pitchFamily="18" charset="0"/>
+              </a:rPr>
+              <a:t>?</a:t>
+            </a:r>
+            <a:endParaRPr lang="en-GB" sz="1400" dirty="0">
+              <a:latin typeface="Garamond" panose="02020404030301010803" pitchFamily="18" charset="0"/>
+            </a:endParaRPr>
+          </a:p>
+        </p:txBody>
+      </p:sp>
+      <p:sp>
+        <p:nvSpPr>
+          <p:cNvPr id="43" name="CuadroTexto 42">
+            <a:extLst>
+              <a:ext uri="{FF2B5EF4-FFF2-40B4-BE49-F238E27FC236}">
+                <a16:creationId xmlns="" xmlns:a16="http://schemas.microsoft.com/office/drawing/2014/main" id="{3923911E-F63F-4ABF-BBFB-5347F107636D}"/>
+              </a:ext>
+            </a:extLst>
+          </p:cNvPr>
+          <p:cNvSpPr txBox="1"/>
+          <p:nvPr/>
+        </p:nvSpPr>
+        <p:spPr>
+          <a:xfrm>
+            <a:off x="8715633" y="4457171"/>
+            <a:ext cx="3341792" cy="307777"/>
+          </a:xfrm>
+          <a:prstGeom prst="rect">
+            <a:avLst/>
+          </a:prstGeom>
+          <a:noFill/>
+        </p:spPr>
+        <p:txBody>
+          <a:bodyPr wrap="square" rtlCol="0">
+            <a:spAutoFit/>
+          </a:bodyPr>
+          <a:lstStyle/>
+          <a:p>
+            <a:r>
+              <a:rPr lang="en-GB" sz="1400" dirty="0" smtClean="0">
+                <a:latin typeface="Garamond" panose="02020404030301010803" pitchFamily="18" charset="0"/>
+              </a:rPr>
+              <a:t>- </a:t>
+            </a:r>
+            <a:r>
+              <a:rPr lang="en-GB" sz="1400" dirty="0" err="1" smtClean="0">
+                <a:latin typeface="Garamond" panose="02020404030301010803" pitchFamily="18" charset="0"/>
+              </a:rPr>
+              <a:t>Mapas</a:t>
+            </a:r>
+            <a:r>
+              <a:rPr lang="en-GB" sz="1400" dirty="0" smtClean="0">
+                <a:latin typeface="Garamond" panose="02020404030301010803" pitchFamily="18" charset="0"/>
+              </a:rPr>
+              <a:t> de </a:t>
+            </a:r>
+            <a:r>
+              <a:rPr lang="en-GB" sz="1400" dirty="0" err="1" smtClean="0">
+                <a:latin typeface="Garamond" panose="02020404030301010803" pitchFamily="18" charset="0"/>
+              </a:rPr>
+              <a:t>calor</a:t>
+            </a:r>
+            <a:endParaRPr lang="en-GB" sz="1400" dirty="0">
+              <a:latin typeface="Garamond" panose="02020404030301010803" pitchFamily="18" charset="0"/>
+            </a:endParaRPr>
+          </a:p>
+        </p:txBody>
+      </p:sp>
+      <p:sp>
+        <p:nvSpPr>
+          <p:cNvPr id="23" name="CuadroTexto 22">
+            <a:extLst>
+              <a:ext uri="{FF2B5EF4-FFF2-40B4-BE49-F238E27FC236}">
+                <a16:creationId xmlns="" xmlns:a16="http://schemas.microsoft.com/office/drawing/2014/main" id="{79038E7C-EE77-4771-9FF2-A6FEC96AC332}"/>
+              </a:ext>
+            </a:extLst>
+          </p:cNvPr>
+          <p:cNvSpPr txBox="1"/>
+          <p:nvPr/>
+        </p:nvSpPr>
+        <p:spPr>
+          <a:xfrm>
+            <a:off x="2569682" y="4261247"/>
+            <a:ext cx="2997125" cy="253916"/>
+          </a:xfrm>
+          <a:prstGeom prst="rect">
+            <a:avLst/>
+          </a:prstGeom>
+          <a:noFill/>
+        </p:spPr>
+        <p:txBody>
+          <a:bodyPr wrap="square" rtlCol="0">
+            <a:spAutoFit/>
+          </a:bodyPr>
+          <a:lstStyle/>
+          <a:p>
+            <a:pPr algn="ctr"/>
+            <a:r>
+              <a:rPr lang="en-GB" sz="1050" dirty="0" err="1" smtClean="0">
+                <a:latin typeface="Garamond" panose="02020404030301010803" pitchFamily="18" charset="0"/>
+              </a:rPr>
+              <a:t>Provincia</a:t>
+            </a:r>
+            <a:r>
+              <a:rPr lang="en-GB" sz="1050" dirty="0" smtClean="0">
+                <a:latin typeface="Garamond" panose="02020404030301010803" pitchFamily="18" charset="0"/>
+              </a:rPr>
+              <a:t> y </a:t>
+            </a:r>
+            <a:r>
+              <a:rPr lang="en-GB" sz="1050" dirty="0" err="1" smtClean="0">
+                <a:latin typeface="Garamond" panose="02020404030301010803" pitchFamily="18" charset="0"/>
+              </a:rPr>
+              <a:t>Comunidad</a:t>
+            </a:r>
+            <a:r>
+              <a:rPr lang="en-GB" sz="1050" dirty="0" smtClean="0">
+                <a:latin typeface="Garamond" panose="02020404030301010803" pitchFamily="18" charset="0"/>
+              </a:rPr>
+              <a:t> </a:t>
+            </a:r>
+            <a:r>
+              <a:rPr lang="en-GB" sz="1050" dirty="0" err="1" smtClean="0">
+                <a:latin typeface="Garamond" panose="02020404030301010803" pitchFamily="18" charset="0"/>
+              </a:rPr>
+              <a:t>Autónoma</a:t>
+            </a:r>
+            <a:endParaRPr lang="en-GB" sz="1050" dirty="0">
+              <a:latin typeface="Garamond" panose="02020404030301010803" pitchFamily="18" charset="0"/>
+            </a:endParaRPr>
+          </a:p>
+        </p:txBody>
+      </p:sp>
+      <p:sp>
+        <p:nvSpPr>
+          <p:cNvPr id="27" name="CuadroTexto 26"/>
+          <p:cNvSpPr txBox="1"/>
+          <p:nvPr/>
+        </p:nvSpPr>
+        <p:spPr>
+          <a:xfrm>
+            <a:off x="188242" y="258641"/>
+            <a:ext cx="8197222" cy="646331"/>
+          </a:xfrm>
+          <a:prstGeom prst="rect">
+            <a:avLst/>
+          </a:prstGeom>
+          <a:noFill/>
+        </p:spPr>
+        <p:txBody>
+          <a:bodyPr wrap="square" rtlCol="0">
+            <a:spAutoFit/>
+          </a:bodyPr>
+          <a:lstStyle/>
+          <a:p>
+            <a:pPr algn="ctr"/>
+            <a:r>
+              <a:rPr lang="es-ES" sz="3600" b="1" dirty="0" smtClean="0">
+                <a:latin typeface="Garamond" panose="02020404030301010803" pitchFamily="18" charset="0"/>
+              </a:rPr>
+              <a:t>¿Qué datos y herramientas he utilizado?</a:t>
+            </a:r>
+            <a:endParaRPr lang="es-ES" sz="3600" b="1" dirty="0">
+              <a:latin typeface="Garamond" panose="02020404030301010803" pitchFamily="18" charset="0"/>
+            </a:endParaRPr>
+          </a:p>
+        </p:txBody>
+      </p:sp>
+      <p:sp>
+        <p:nvSpPr>
+          <p:cNvPr id="30" name="Más 29"/>
+          <p:cNvSpPr/>
+          <p:nvPr/>
+        </p:nvSpPr>
+        <p:spPr>
+          <a:xfrm>
+            <a:off x="3891599" y="4066682"/>
+            <a:ext cx="176645" cy="184246"/>
+          </a:xfrm>
+          <a:prstGeom prst="mathPlus">
+            <a:avLst/>
+          </a:prstGeom>
+          <a:solidFill>
+            <a:srgbClr val="336699"/>
+          </a:solidFill>
+          <a:ln>
+            <a:solidFill>
+              <a:srgbClr val="336699"/>
+            </a:solidFill>
+          </a:ln>
+        </p:spPr>
+        <p:style>
+          <a:lnRef idx="2">
+            <a:schemeClr val="accent1">
+              <a:shade val="50000"/>
+            </a:schemeClr>
+          </a:lnRef>
+          <a:fillRef idx="1">
+            <a:schemeClr val="accent1"/>
+          </a:fillRef>
+          <a:effectRef idx="0">
+            <a:schemeClr val="accent1"/>
+          </a:effectRef>
+          <a:fontRef idx="minor">
+            <a:schemeClr val="lt1"/>
+          </a:fontRef>
+        </p:style>
+        <p:txBody>
+          <a:bodyPr rtlCol="0" anchor="ctr"/>
+          <a:lstStyle/>
+          <a:p>
+            <a:pPr algn="ctr"/>
+            <a:endParaRPr lang="es-ES"/>
+          </a:p>
+        </p:txBody>
+      </p:sp>
+    </p:spTree>
+    <p:extLst>
+      <p:ext uri="{BB962C8B-B14F-4D97-AF65-F5344CB8AC3E}">
+        <p14:creationId xmlns:p14="http://schemas.microsoft.com/office/powerpoint/2010/main" val="3502909857"/>
+      </p:ext>
+    </p:extLst>
+  </p:cSld>
+  <p:clrMapOvr>
+    <a:masterClrMapping/>
+  </p:clrMapOvr>
+  <p:timing>
+    <p:tnLst>
+      <p:par>
+        <p:cTn id="1" dur="indefinite" restart="never" nodeType="tmRoot"/>
+      </p:par>
+    </p:tnLst>
+  </p:timing>
+</p:sld>
+</file>
+
+<file path=ppt/slides/slide5.xml><?xml version="1.0" encoding="utf-8"?>
+<p:sld xmlns:a="http://schemas.openxmlformats.org/drawingml/2006/main" xmlns:r="http://schemas.openxmlformats.org/officeDocument/2006/relationships" xmlns:p="http://schemas.openxmlformats.org/presentationml/2006/main">
+  <p:cSld>
+    <p:spTree>
+      <p:nvGrpSpPr>
+        <p:cNvPr id="1" name=""/>
+        <p:cNvGrpSpPr/>
+        <p:nvPr/>
+      </p:nvGrpSpPr>
+      <p:grpSpPr>
+        <a:xfrm>
+          <a:off x="0" y="0"/>
+          <a:ext cx="0" cy="0"/>
+          <a:chOff x="0" y="0"/>
+          <a:chExt cx="0" cy="0"/>
+        </a:xfrm>
+      </p:grpSpPr>
+      <p:sp>
+        <p:nvSpPr>
+          <p:cNvPr id="4" name="Marcador de número de diapositiva 3">
+            <a:extLst>
+              <a:ext uri="{FF2B5EF4-FFF2-40B4-BE49-F238E27FC236}">
+                <a16:creationId xmlns="" xmlns:a16="http://schemas.microsoft.com/office/drawing/2014/main" id="{7BF440B6-5B25-452B-92AF-7A7005307F73}"/>
+              </a:ext>
+            </a:extLst>
+          </p:cNvPr>
+          <p:cNvSpPr>
+            <a:spLocks noGrp="1"/>
+          </p:cNvSpPr>
+          <p:nvPr>
+            <p:ph type="sldNum" sz="quarter" idx="12"/>
+          </p:nvPr>
+        </p:nvSpPr>
+        <p:spPr/>
+        <p:txBody>
+          <a:bodyPr/>
+          <a:lstStyle/>
+          <a:p>
+            <a:fld id="{072220C6-3BBB-43D4-AF5F-545732F78A03}" type="slidenum">
+              <a:rPr lang="es-ES" smtClean="0"/>
+              <a:t>5</a:t>
+            </a:fld>
+            <a:endParaRPr lang="es-ES"/>
+          </a:p>
+        </p:txBody>
+      </p:sp>
+      <p:grpSp>
+        <p:nvGrpSpPr>
+          <p:cNvPr id="16" name="Grupo 15"/>
+          <p:cNvGrpSpPr/>
+          <p:nvPr/>
+        </p:nvGrpSpPr>
+        <p:grpSpPr>
+          <a:xfrm>
+            <a:off x="6525813" y="1457580"/>
+            <a:ext cx="2997127" cy="3277436"/>
+            <a:chOff x="1265663" y="459365"/>
+            <a:chExt cx="3202383" cy="3411195"/>
+          </a:xfrm>
+        </p:grpSpPr>
+        <p:sp>
+          <p:nvSpPr>
+            <p:cNvPr id="17" name="Rectángulo: esquinas redondeadas 4">
+              <a:extLst>
+                <a:ext uri="{FF2B5EF4-FFF2-40B4-BE49-F238E27FC236}">
+                  <a16:creationId xmlns="" xmlns:a16="http://schemas.microsoft.com/office/drawing/2014/main" id="{15DB727B-D55A-4720-86D2-AE9BD20E0FBD}"/>
+                </a:ext>
+              </a:extLst>
+            </p:cNvPr>
+            <p:cNvSpPr/>
+            <p:nvPr/>
+          </p:nvSpPr>
+          <p:spPr>
+            <a:xfrm>
+              <a:off x="1265664" y="459365"/>
+              <a:ext cx="3202382" cy="3411195"/>
+            </a:xfrm>
+            <a:prstGeom prst="roundRect">
+              <a:avLst/>
+            </a:prstGeom>
+            <a:noFill/>
+            <a:ln w="28575">
+              <a:solidFill>
+                <a:srgbClr val="238D8A"/>
+              </a:solidFill>
+            </a:ln>
+          </p:spPr>
+          <p:style>
+            <a:lnRef idx="2">
+              <a:schemeClr val="accent1">
+                <a:shade val="50000"/>
+              </a:schemeClr>
+            </a:lnRef>
+            <a:fillRef idx="1">
+              <a:schemeClr val="accent1"/>
+            </a:fillRef>
+            <a:effectRef idx="0">
+              <a:schemeClr val="accent1"/>
+            </a:effectRef>
+            <a:fontRef idx="minor">
+              <a:schemeClr val="lt1"/>
+            </a:fontRef>
+          </p:style>
+          <p:txBody>
+            <a:bodyPr rtlCol="0" anchor="ctr"/>
+            <a:lstStyle/>
+            <a:p>
+              <a:pPr algn="ctr"/>
+              <a:endParaRPr lang="en-GB"/>
+            </a:p>
+          </p:txBody>
+        </p:sp>
+        <p:sp>
+          <p:nvSpPr>
+            <p:cNvPr id="18" name="CuadroTexto 17">
+              <a:extLst>
+                <a:ext uri="{FF2B5EF4-FFF2-40B4-BE49-F238E27FC236}">
+                  <a16:creationId xmlns="" xmlns:a16="http://schemas.microsoft.com/office/drawing/2014/main" id="{59E895E3-AEF8-41B8-96BC-6F3A2FA73FB1}"/>
+                </a:ext>
+              </a:extLst>
+            </p:cNvPr>
+            <p:cNvSpPr txBox="1"/>
+            <p:nvPr/>
+          </p:nvSpPr>
+          <p:spPr>
+            <a:xfrm>
+              <a:off x="1338374" y="648880"/>
+              <a:ext cx="3039073" cy="1446550"/>
+            </a:xfrm>
+            <a:prstGeom prst="rect">
+              <a:avLst/>
+            </a:prstGeom>
+            <a:noFill/>
+          </p:spPr>
+          <p:txBody>
+            <a:bodyPr wrap="square" rtlCol="0">
+              <a:spAutoFit/>
+            </a:bodyPr>
+            <a:lstStyle/>
+            <a:p>
+              <a:pPr algn="ctr"/>
+              <a:r>
+                <a:rPr lang="en-GB" sz="2200" b="1" dirty="0" smtClean="0">
+                  <a:latin typeface="Garamond" panose="02020404030301010803" pitchFamily="18" charset="0"/>
+                </a:rPr>
+                <a:t>Base de </a:t>
+              </a:r>
+              <a:r>
+                <a:rPr lang="en-GB" sz="2200" b="1" dirty="0" err="1" smtClean="0">
+                  <a:latin typeface="Garamond" panose="02020404030301010803" pitchFamily="18" charset="0"/>
+                </a:rPr>
+                <a:t>datos</a:t>
+              </a:r>
+              <a:r>
+                <a:rPr lang="en-GB" sz="2200" b="1" dirty="0" smtClean="0">
+                  <a:latin typeface="Garamond" panose="02020404030301010803" pitchFamily="18" charset="0"/>
+                </a:rPr>
+                <a:t> de variables </a:t>
+              </a:r>
+              <a:r>
+                <a:rPr lang="en-GB" sz="2200" b="1" dirty="0" err="1" smtClean="0">
+                  <a:latin typeface="Garamond" panose="02020404030301010803" pitchFamily="18" charset="0"/>
+                </a:rPr>
+                <a:t>climáticas</a:t>
+              </a:r>
+              <a:endParaRPr lang="en-GB" sz="2200" b="1" dirty="0" smtClean="0">
+                <a:latin typeface="Garamond" panose="02020404030301010803" pitchFamily="18" charset="0"/>
+              </a:endParaRPr>
+            </a:p>
+            <a:p>
+              <a:pPr algn="ctr"/>
+              <a:r>
+                <a:rPr lang="en-GB" sz="2200" b="1" dirty="0" err="1" smtClean="0">
+                  <a:latin typeface="Garamond" panose="02020404030301010803" pitchFamily="18" charset="0"/>
+                </a:rPr>
+                <a:t>WorldClim</a:t>
+              </a:r>
+              <a:endParaRPr lang="en-GB" sz="2200" b="1" dirty="0" smtClean="0">
+                <a:latin typeface="Garamond" panose="02020404030301010803" pitchFamily="18" charset="0"/>
+              </a:endParaRPr>
+            </a:p>
+            <a:p>
+              <a:pPr algn="ctr"/>
+              <a:r>
+                <a:rPr lang="en-GB" sz="2200" dirty="0" smtClean="0">
+                  <a:latin typeface="Garamond" panose="02020404030301010803" pitchFamily="18" charset="0"/>
+                </a:rPr>
+                <a:t>1990-2015</a:t>
+              </a:r>
+              <a:endParaRPr lang="en-GB" sz="2200" dirty="0">
+                <a:latin typeface="Garamond" panose="02020404030301010803" pitchFamily="18" charset="0"/>
+              </a:endParaRPr>
+            </a:p>
+          </p:txBody>
+        </p:sp>
+        <p:sp>
+          <p:nvSpPr>
+            <p:cNvPr id="19" name="CuadroTexto 18">
+              <a:extLst>
+                <a:ext uri="{FF2B5EF4-FFF2-40B4-BE49-F238E27FC236}">
+                  <a16:creationId xmlns="" xmlns:a16="http://schemas.microsoft.com/office/drawing/2014/main" id="{79038E7C-EE77-4771-9FF2-A6FEC96AC332}"/>
+                </a:ext>
+              </a:extLst>
+            </p:cNvPr>
+            <p:cNvSpPr txBox="1"/>
+            <p:nvPr/>
+          </p:nvSpPr>
+          <p:spPr>
+            <a:xfrm>
+              <a:off x="1265663" y="2600667"/>
+              <a:ext cx="3202381" cy="1223412"/>
+            </a:xfrm>
+            <a:prstGeom prst="rect">
+              <a:avLst/>
+            </a:prstGeom>
+            <a:noFill/>
+          </p:spPr>
+          <p:txBody>
+            <a:bodyPr wrap="square" rtlCol="0">
+              <a:spAutoFit/>
+            </a:bodyPr>
+            <a:lstStyle/>
+            <a:p>
+              <a:pPr algn="ctr"/>
+              <a:r>
+                <a:rPr lang="en-GB" sz="1050" dirty="0" err="1" smtClean="0">
+                  <a:latin typeface="Garamond" panose="02020404030301010803" pitchFamily="18" charset="0"/>
+                </a:rPr>
+                <a:t>Temperatura</a:t>
+              </a:r>
+              <a:r>
+                <a:rPr lang="en-GB" sz="1050" dirty="0" smtClean="0">
+                  <a:latin typeface="Garamond" panose="02020404030301010803" pitchFamily="18" charset="0"/>
+                </a:rPr>
+                <a:t> media annual</a:t>
+              </a:r>
+            </a:p>
+            <a:p>
+              <a:pPr algn="ctr"/>
+              <a:r>
+                <a:rPr lang="en-GB" sz="1050" dirty="0" err="1" smtClean="0">
+                  <a:latin typeface="Garamond" panose="02020404030301010803" pitchFamily="18" charset="0"/>
+                </a:rPr>
+                <a:t>Temperatura</a:t>
+              </a:r>
+              <a:r>
+                <a:rPr lang="en-GB" sz="1050" dirty="0" smtClean="0">
+                  <a:latin typeface="Garamond" panose="02020404030301010803" pitchFamily="18" charset="0"/>
+                </a:rPr>
+                <a:t> </a:t>
+              </a:r>
+              <a:r>
+                <a:rPr lang="en-GB" sz="1050" dirty="0" err="1" smtClean="0">
+                  <a:latin typeface="Garamond" panose="02020404030301010803" pitchFamily="18" charset="0"/>
+                </a:rPr>
+                <a:t>máxima</a:t>
+              </a:r>
+              <a:r>
+                <a:rPr lang="en-GB" sz="1050" dirty="0" smtClean="0">
+                  <a:latin typeface="Garamond" panose="02020404030301010803" pitchFamily="18" charset="0"/>
+                </a:rPr>
+                <a:t> del </a:t>
+              </a:r>
+              <a:r>
+                <a:rPr lang="en-GB" sz="1050" dirty="0" err="1" smtClean="0">
+                  <a:latin typeface="Garamond" panose="02020404030301010803" pitchFamily="18" charset="0"/>
+                </a:rPr>
+                <a:t>mes</a:t>
+              </a:r>
+              <a:r>
+                <a:rPr lang="en-GB" sz="1050" dirty="0" smtClean="0">
+                  <a:latin typeface="Garamond" panose="02020404030301010803" pitchFamily="18" charset="0"/>
+                </a:rPr>
+                <a:t> mas </a:t>
+              </a:r>
+              <a:r>
+                <a:rPr lang="en-GB" sz="1050" dirty="0" err="1" smtClean="0">
+                  <a:latin typeface="Garamond" panose="02020404030301010803" pitchFamily="18" charset="0"/>
+                </a:rPr>
+                <a:t>cálido</a:t>
+              </a:r>
+              <a:endParaRPr lang="en-GB" sz="1050" dirty="0" smtClean="0">
+                <a:latin typeface="Garamond" panose="02020404030301010803" pitchFamily="18" charset="0"/>
+              </a:endParaRPr>
+            </a:p>
+            <a:p>
+              <a:pPr algn="ctr"/>
+              <a:r>
+                <a:rPr lang="en-GB" sz="1050" dirty="0" err="1" smtClean="0">
+                  <a:latin typeface="Garamond" panose="02020404030301010803" pitchFamily="18" charset="0"/>
+                </a:rPr>
+                <a:t>Temperatura</a:t>
+              </a:r>
+              <a:r>
+                <a:rPr lang="en-GB" sz="1050" dirty="0" smtClean="0">
+                  <a:latin typeface="Garamond" panose="02020404030301010803" pitchFamily="18" charset="0"/>
+                </a:rPr>
+                <a:t> minima del </a:t>
+              </a:r>
+              <a:r>
+                <a:rPr lang="en-GB" sz="1050" dirty="0" err="1" smtClean="0">
+                  <a:latin typeface="Garamond" panose="02020404030301010803" pitchFamily="18" charset="0"/>
+                </a:rPr>
+                <a:t>mes</a:t>
+              </a:r>
+              <a:r>
+                <a:rPr lang="en-GB" sz="1050" dirty="0" smtClean="0">
+                  <a:latin typeface="Garamond" panose="02020404030301010803" pitchFamily="18" charset="0"/>
+                </a:rPr>
+                <a:t> mas </a:t>
+              </a:r>
+              <a:r>
+                <a:rPr lang="en-GB" sz="1050" dirty="0" err="1" smtClean="0">
+                  <a:latin typeface="Garamond" panose="02020404030301010803" pitchFamily="18" charset="0"/>
+                </a:rPr>
+                <a:t>frio</a:t>
+              </a:r>
+              <a:endParaRPr lang="en-GB" sz="1050" dirty="0" smtClean="0">
+                <a:latin typeface="Garamond" panose="02020404030301010803" pitchFamily="18" charset="0"/>
+              </a:endParaRPr>
+            </a:p>
+            <a:p>
+              <a:pPr algn="ctr"/>
+              <a:r>
+                <a:rPr lang="en-GB" sz="1050" dirty="0" err="1" smtClean="0">
+                  <a:latin typeface="Garamond" panose="02020404030301010803" pitchFamily="18" charset="0"/>
+                </a:rPr>
+                <a:t>Elevación</a:t>
+              </a:r>
+              <a:endParaRPr lang="en-GB" sz="1050" dirty="0" smtClean="0">
+                <a:latin typeface="Garamond" panose="02020404030301010803" pitchFamily="18" charset="0"/>
+              </a:endParaRPr>
+            </a:p>
+            <a:p>
+              <a:pPr algn="ctr"/>
+              <a:r>
+                <a:rPr lang="en-GB" sz="1050" dirty="0" err="1" smtClean="0">
+                  <a:latin typeface="Garamond" panose="02020404030301010803" pitchFamily="18" charset="0"/>
+                </a:rPr>
+                <a:t>Precipitación</a:t>
+              </a:r>
+              <a:endParaRPr lang="en-GB" sz="1050" dirty="0" smtClean="0">
+                <a:latin typeface="Garamond" panose="02020404030301010803" pitchFamily="18" charset="0"/>
+              </a:endParaRPr>
+            </a:p>
+            <a:p>
+              <a:pPr algn="ctr"/>
+              <a:r>
+                <a:rPr lang="en-GB" sz="1050" dirty="0" err="1" smtClean="0">
+                  <a:latin typeface="Garamond" panose="02020404030301010803" pitchFamily="18" charset="0"/>
+                </a:rPr>
+                <a:t>Isotermalidad</a:t>
+              </a:r>
+              <a:endParaRPr lang="en-GB" sz="1050" dirty="0" smtClean="0">
+                <a:latin typeface="Garamond" panose="02020404030301010803" pitchFamily="18" charset="0"/>
+              </a:endParaRPr>
+            </a:p>
+            <a:p>
+              <a:pPr algn="ctr"/>
+              <a:r>
+                <a:rPr lang="en-GB" sz="1050" dirty="0" err="1" smtClean="0">
+                  <a:latin typeface="Garamond" panose="02020404030301010803" pitchFamily="18" charset="0"/>
+                </a:rPr>
+                <a:t>Variación</a:t>
+              </a:r>
+              <a:r>
+                <a:rPr lang="en-GB" sz="1050" dirty="0" smtClean="0">
+                  <a:latin typeface="Garamond" panose="02020404030301010803" pitchFamily="18" charset="0"/>
+                </a:rPr>
+                <a:t> </a:t>
+              </a:r>
+              <a:r>
+                <a:rPr lang="en-GB" sz="1050" dirty="0" err="1" smtClean="0">
+                  <a:latin typeface="Garamond" panose="02020404030301010803" pitchFamily="18" charset="0"/>
+                </a:rPr>
+                <a:t>estacional</a:t>
+              </a:r>
+              <a:r>
+                <a:rPr lang="en-GB" sz="1050" dirty="0" smtClean="0">
+                  <a:latin typeface="Garamond" panose="02020404030301010803" pitchFamily="18" charset="0"/>
+                </a:rPr>
+                <a:t> de la </a:t>
+              </a:r>
+              <a:r>
+                <a:rPr lang="en-GB" sz="1050" dirty="0" err="1" smtClean="0">
+                  <a:latin typeface="Garamond" panose="02020404030301010803" pitchFamily="18" charset="0"/>
+                </a:rPr>
+                <a:t>temperatura</a:t>
+              </a:r>
+              <a:endParaRPr lang="en-GB" sz="1050" dirty="0">
+                <a:latin typeface="Garamond" panose="02020404030301010803" pitchFamily="18" charset="0"/>
+              </a:endParaRPr>
+            </a:p>
+          </p:txBody>
+        </p:sp>
+        <p:cxnSp>
+          <p:nvCxnSpPr>
+            <p:cNvPr id="20" name="Conector recto de flecha 19">
+              <a:extLst>
+                <a:ext uri="{FF2B5EF4-FFF2-40B4-BE49-F238E27FC236}">
+                  <a16:creationId xmlns="" xmlns:a16="http://schemas.microsoft.com/office/drawing/2014/main" id="{38AD23BC-DF3D-4424-80C0-528DF86AFF9A}"/>
+                </a:ext>
+              </a:extLst>
+            </p:cNvPr>
+            <p:cNvCxnSpPr/>
+            <p:nvPr/>
+          </p:nvCxnSpPr>
+          <p:spPr>
+            <a:xfrm>
+              <a:off x="2866853" y="2208684"/>
+              <a:ext cx="8943" cy="379141"/>
+            </a:xfrm>
+            <a:prstGeom prst="straightConnector1">
+              <a:avLst/>
+            </a:prstGeom>
+            <a:ln w="28575">
+              <a:solidFill>
+                <a:srgbClr val="238D8A"/>
+              </a:solidFill>
+              <a:tailEnd type="triangle"/>
+            </a:ln>
+          </p:spPr>
+          <p:style>
+            <a:lnRef idx="1">
+              <a:schemeClr val="accent1"/>
+            </a:lnRef>
+            <a:fillRef idx="0">
+              <a:schemeClr val="accent1"/>
+            </a:fillRef>
+            <a:effectRef idx="0">
+              <a:schemeClr val="accent1"/>
+            </a:effectRef>
+            <a:fontRef idx="minor">
+              <a:schemeClr val="tx1"/>
+            </a:fontRef>
+          </p:style>
+        </p:cxnSp>
+      </p:grpSp>
+      <p:sp>
+        <p:nvSpPr>
+          <p:cNvPr id="21" name="Flecha: a la derecha con bandas 38">
+            <a:extLst>
+              <a:ext uri="{FF2B5EF4-FFF2-40B4-BE49-F238E27FC236}">
+                <a16:creationId xmlns="" xmlns:a16="http://schemas.microsoft.com/office/drawing/2014/main" id="{8A6DC2CB-BDCA-429B-B88A-F037083452DA}"/>
+              </a:ext>
+            </a:extLst>
+          </p:cNvPr>
+          <p:cNvSpPr/>
+          <p:nvPr/>
+        </p:nvSpPr>
+        <p:spPr>
+          <a:xfrm rot="16200000">
+            <a:off x="5822787" y="4873220"/>
+            <a:ext cx="501870" cy="429036"/>
+          </a:xfrm>
+          <a:prstGeom prst="stripedRightArrow">
+            <a:avLst/>
+          </a:prstGeom>
+          <a:solidFill>
+            <a:srgbClr val="238D8A"/>
+          </a:solidFill>
+          <a:ln>
+            <a:solidFill>
+              <a:schemeClr val="tx1"/>
+            </a:solidFill>
+          </a:ln>
+        </p:spPr>
+        <p:style>
+          <a:lnRef idx="2">
+            <a:schemeClr val="accent1">
+              <a:shade val="50000"/>
+            </a:schemeClr>
+          </a:lnRef>
+          <a:fillRef idx="1">
+            <a:schemeClr val="accent1"/>
+          </a:fillRef>
+          <a:effectRef idx="0">
+            <a:schemeClr val="accent1"/>
+          </a:effectRef>
+          <a:fontRef idx="minor">
+            <a:schemeClr val="lt1"/>
+          </a:fontRef>
+        </p:style>
+        <p:txBody>
+          <a:bodyPr rtlCol="0" anchor="ctr"/>
+          <a:lstStyle/>
+          <a:p>
+            <a:pPr algn="ctr"/>
+            <a:endParaRPr lang="en-GB"/>
+          </a:p>
+        </p:txBody>
+      </p:sp>
+      <p:sp>
+        <p:nvSpPr>
+          <p:cNvPr id="23" name="CuadroTexto 22">
+            <a:extLst>
+              <a:ext uri="{FF2B5EF4-FFF2-40B4-BE49-F238E27FC236}">
+                <a16:creationId xmlns="" xmlns:a16="http://schemas.microsoft.com/office/drawing/2014/main" id="{59E895E3-AEF8-41B8-96BC-6F3A2FA73FB1}"/>
+              </a:ext>
+            </a:extLst>
+          </p:cNvPr>
+          <p:cNvSpPr txBox="1"/>
+          <p:nvPr/>
+        </p:nvSpPr>
+        <p:spPr>
+          <a:xfrm>
+            <a:off x="2774468" y="5647600"/>
+            <a:ext cx="6598508" cy="523220"/>
+          </a:xfrm>
+          <a:prstGeom prst="rect">
+            <a:avLst/>
+          </a:prstGeom>
+          <a:noFill/>
+        </p:spPr>
+        <p:txBody>
+          <a:bodyPr wrap="square" rtlCol="0">
+            <a:spAutoFit/>
+          </a:bodyPr>
+          <a:lstStyle/>
+          <a:p>
+            <a:pPr algn="ctr"/>
+            <a:r>
+              <a:rPr lang="en-GB" sz="2800" b="1" dirty="0" err="1">
+                <a:latin typeface="Garamond" panose="02020404030301010803" pitchFamily="18" charset="0"/>
+              </a:rPr>
+              <a:t>Análisis</a:t>
+            </a:r>
+            <a:r>
+              <a:rPr lang="en-GB" sz="2800" b="1" dirty="0">
+                <a:latin typeface="Garamond" panose="02020404030301010803" pitchFamily="18" charset="0"/>
+              </a:rPr>
+              <a:t> de clustering</a:t>
+            </a:r>
+          </a:p>
+        </p:txBody>
+      </p:sp>
+      <p:sp>
+        <p:nvSpPr>
+          <p:cNvPr id="15" name="CuadroTexto 14"/>
+          <p:cNvSpPr txBox="1"/>
+          <p:nvPr/>
+        </p:nvSpPr>
+        <p:spPr>
+          <a:xfrm>
+            <a:off x="188242" y="258641"/>
+            <a:ext cx="8197222" cy="646331"/>
+          </a:xfrm>
+          <a:prstGeom prst="rect">
+            <a:avLst/>
+          </a:prstGeom>
+          <a:noFill/>
+        </p:spPr>
+        <p:txBody>
+          <a:bodyPr wrap="square" rtlCol="0">
+            <a:spAutoFit/>
+          </a:bodyPr>
+          <a:lstStyle/>
+          <a:p>
+            <a:pPr algn="ctr"/>
+            <a:r>
+              <a:rPr lang="es-ES" sz="3600" b="1" dirty="0" smtClean="0">
+                <a:latin typeface="Garamond" panose="02020404030301010803" pitchFamily="18" charset="0"/>
+              </a:rPr>
+              <a:t>¿Qué datos y herramientas he utilizado?</a:t>
+            </a:r>
+            <a:endParaRPr lang="es-ES" sz="3600" b="1" dirty="0">
+              <a:latin typeface="Garamond" panose="02020404030301010803" pitchFamily="18" charset="0"/>
+            </a:endParaRPr>
+          </a:p>
+        </p:txBody>
+      </p:sp>
+      <p:grpSp>
+        <p:nvGrpSpPr>
+          <p:cNvPr id="24" name="Grupo 23"/>
+          <p:cNvGrpSpPr/>
+          <p:nvPr/>
+        </p:nvGrpSpPr>
+        <p:grpSpPr>
+          <a:xfrm>
+            <a:off x="2501630" y="1416725"/>
+            <a:ext cx="2997128" cy="3277436"/>
+            <a:chOff x="1265662" y="459365"/>
+            <a:chExt cx="3202384" cy="3411195"/>
+          </a:xfrm>
+        </p:grpSpPr>
+        <p:sp>
+          <p:nvSpPr>
+            <p:cNvPr id="25" name="Rectángulo: esquinas redondeadas 4">
+              <a:extLst>
+                <a:ext uri="{FF2B5EF4-FFF2-40B4-BE49-F238E27FC236}">
+                  <a16:creationId xmlns="" xmlns:a16="http://schemas.microsoft.com/office/drawing/2014/main" id="{15DB727B-D55A-4720-86D2-AE9BD20E0FBD}"/>
+                </a:ext>
+              </a:extLst>
+            </p:cNvPr>
+            <p:cNvSpPr/>
+            <p:nvPr/>
+          </p:nvSpPr>
+          <p:spPr>
+            <a:xfrm>
+              <a:off x="1265664" y="459365"/>
+              <a:ext cx="3202382" cy="3411195"/>
+            </a:xfrm>
+            <a:prstGeom prst="roundRect">
+              <a:avLst/>
+            </a:prstGeom>
+            <a:noFill/>
+            <a:ln w="28575">
+              <a:solidFill>
+                <a:srgbClr val="238D8A"/>
+              </a:solidFill>
+            </a:ln>
+          </p:spPr>
+          <p:style>
+            <a:lnRef idx="2">
+              <a:schemeClr val="accent1">
+                <a:shade val="50000"/>
+              </a:schemeClr>
+            </a:lnRef>
+            <a:fillRef idx="1">
+              <a:schemeClr val="accent1"/>
+            </a:fillRef>
+            <a:effectRef idx="0">
+              <a:schemeClr val="accent1"/>
+            </a:effectRef>
+            <a:fontRef idx="minor">
+              <a:schemeClr val="lt1"/>
+            </a:fontRef>
+          </p:style>
+          <p:txBody>
+            <a:bodyPr rtlCol="0" anchor="ctr"/>
+            <a:lstStyle/>
+            <a:p>
+              <a:pPr algn="ctr"/>
+              <a:endParaRPr lang="en-GB"/>
+            </a:p>
+          </p:txBody>
+        </p:sp>
+        <p:sp>
+          <p:nvSpPr>
+            <p:cNvPr id="26" name="CuadroTexto 25">
+              <a:extLst>
+                <a:ext uri="{FF2B5EF4-FFF2-40B4-BE49-F238E27FC236}">
+                  <a16:creationId xmlns="" xmlns:a16="http://schemas.microsoft.com/office/drawing/2014/main" id="{59E895E3-AEF8-41B8-96BC-6F3A2FA73FB1}"/>
+                </a:ext>
+              </a:extLst>
+            </p:cNvPr>
+            <p:cNvSpPr txBox="1"/>
+            <p:nvPr/>
+          </p:nvSpPr>
+          <p:spPr>
+            <a:xfrm>
+              <a:off x="1338374" y="648880"/>
+              <a:ext cx="3039073" cy="1107996"/>
+            </a:xfrm>
+            <a:prstGeom prst="rect">
+              <a:avLst/>
+            </a:prstGeom>
+            <a:noFill/>
+          </p:spPr>
+          <p:txBody>
+            <a:bodyPr wrap="square" rtlCol="0">
+              <a:spAutoFit/>
+            </a:bodyPr>
+            <a:lstStyle/>
+            <a:p>
+              <a:pPr algn="ctr"/>
+              <a:r>
+                <a:rPr lang="en-GB" sz="2200" b="1" dirty="0" smtClean="0">
+                  <a:latin typeface="Garamond" panose="02020404030301010803" pitchFamily="18" charset="0"/>
+                </a:rPr>
+                <a:t>Base de </a:t>
+              </a:r>
+              <a:r>
+                <a:rPr lang="en-GB" sz="2200" b="1" dirty="0" err="1" smtClean="0">
+                  <a:latin typeface="Garamond" panose="02020404030301010803" pitchFamily="18" charset="0"/>
+                </a:rPr>
+                <a:t>datos</a:t>
+              </a:r>
+              <a:r>
+                <a:rPr lang="en-GB" sz="2200" b="1" dirty="0" smtClean="0">
+                  <a:latin typeface="Garamond" panose="02020404030301010803" pitchFamily="18" charset="0"/>
+                </a:rPr>
+                <a:t> de </a:t>
+              </a:r>
+              <a:r>
+                <a:rPr lang="en-GB" sz="2200" b="1" dirty="0" err="1" smtClean="0">
+                  <a:latin typeface="Garamond" panose="02020404030301010803" pitchFamily="18" charset="0"/>
+                </a:rPr>
+                <a:t>ocurrencias</a:t>
+              </a:r>
+              <a:r>
+                <a:rPr lang="en-GB" sz="2200" b="1" dirty="0" smtClean="0">
+                  <a:latin typeface="Garamond" panose="02020404030301010803" pitchFamily="18" charset="0"/>
+                </a:rPr>
+                <a:t> de </a:t>
+              </a:r>
+              <a:r>
+                <a:rPr lang="en-GB" sz="2200" b="1" dirty="0" err="1" smtClean="0">
+                  <a:latin typeface="Garamond" panose="02020404030301010803" pitchFamily="18" charset="0"/>
+                </a:rPr>
+                <a:t>especies</a:t>
+              </a:r>
+              <a:endParaRPr lang="en-GB" sz="2200" b="1" dirty="0" smtClean="0">
+                <a:latin typeface="Garamond" panose="02020404030301010803" pitchFamily="18" charset="0"/>
+              </a:endParaRPr>
+            </a:p>
+            <a:p>
+              <a:pPr algn="ctr"/>
+              <a:r>
+                <a:rPr lang="en-GB" sz="2200" b="1" dirty="0" smtClean="0">
+                  <a:latin typeface="Garamond" panose="02020404030301010803" pitchFamily="18" charset="0"/>
+                </a:rPr>
+                <a:t>GBIF</a:t>
+              </a:r>
+              <a:endParaRPr lang="en-GB" sz="2200" b="1" dirty="0">
+                <a:latin typeface="Garamond" panose="02020404030301010803" pitchFamily="18" charset="0"/>
+              </a:endParaRPr>
+            </a:p>
+          </p:txBody>
+        </p:sp>
+        <p:sp>
+          <p:nvSpPr>
+            <p:cNvPr id="27" name="CuadroTexto 26">
+              <a:extLst>
+                <a:ext uri="{FF2B5EF4-FFF2-40B4-BE49-F238E27FC236}">
+                  <a16:creationId xmlns="" xmlns:a16="http://schemas.microsoft.com/office/drawing/2014/main" id="{79038E7C-EE77-4771-9FF2-A6FEC96AC332}"/>
+                </a:ext>
+              </a:extLst>
+            </p:cNvPr>
+            <p:cNvSpPr txBox="1"/>
+            <p:nvPr/>
+          </p:nvSpPr>
+          <p:spPr>
+            <a:xfrm>
+              <a:off x="1265662" y="2744520"/>
+              <a:ext cx="3202381" cy="430887"/>
+            </a:xfrm>
+            <a:prstGeom prst="rect">
+              <a:avLst/>
+            </a:prstGeom>
+            <a:noFill/>
+          </p:spPr>
+          <p:txBody>
+            <a:bodyPr wrap="square" rtlCol="0">
+              <a:spAutoFit/>
+            </a:bodyPr>
+            <a:lstStyle/>
+            <a:p>
+              <a:pPr algn="ctr"/>
+              <a:r>
+                <a:rPr lang="en-GB" sz="1050" dirty="0" err="1" smtClean="0">
+                  <a:latin typeface="Garamond" panose="02020404030301010803" pitchFamily="18" charset="0"/>
+                </a:rPr>
+                <a:t>Clase</a:t>
+              </a:r>
+              <a:r>
+                <a:rPr lang="en-GB" sz="1050" dirty="0" smtClean="0">
+                  <a:latin typeface="Garamond" panose="02020404030301010803" pitchFamily="18" charset="0"/>
+                </a:rPr>
+                <a:t>, </a:t>
+              </a:r>
+              <a:r>
+                <a:rPr lang="en-GB" sz="1050" dirty="0" err="1" smtClean="0">
+                  <a:latin typeface="Garamond" panose="02020404030301010803" pitchFamily="18" charset="0"/>
+                </a:rPr>
+                <a:t>Familia</a:t>
+              </a:r>
+              <a:r>
+                <a:rPr lang="en-GB" sz="1050" dirty="0" smtClean="0">
+                  <a:latin typeface="Garamond" panose="02020404030301010803" pitchFamily="18" charset="0"/>
+                </a:rPr>
+                <a:t>, </a:t>
+              </a:r>
+              <a:r>
+                <a:rPr lang="en-GB" sz="1050" dirty="0" err="1" smtClean="0">
+                  <a:latin typeface="Garamond" panose="02020404030301010803" pitchFamily="18" charset="0"/>
+                </a:rPr>
+                <a:t>Género</a:t>
+              </a:r>
+              <a:r>
+                <a:rPr lang="en-GB" sz="1050" dirty="0" smtClean="0">
+                  <a:latin typeface="Garamond" panose="02020404030301010803" pitchFamily="18" charset="0"/>
+                </a:rPr>
+                <a:t>, </a:t>
+              </a:r>
+              <a:r>
+                <a:rPr lang="en-GB" sz="1050" dirty="0" err="1" smtClean="0">
+                  <a:latin typeface="Garamond" panose="02020404030301010803" pitchFamily="18" charset="0"/>
+                </a:rPr>
+                <a:t>Especie</a:t>
+              </a:r>
+              <a:r>
+                <a:rPr lang="en-GB" sz="1050" dirty="0" smtClean="0">
+                  <a:latin typeface="Garamond" panose="02020404030301010803" pitchFamily="18" charset="0"/>
+                </a:rPr>
+                <a:t>, </a:t>
+              </a:r>
+              <a:r>
+                <a:rPr lang="en-GB" sz="1050" dirty="0" err="1" smtClean="0">
+                  <a:latin typeface="Garamond" panose="02020404030301010803" pitchFamily="18" charset="0"/>
+                </a:rPr>
+                <a:t>Nombre</a:t>
+              </a:r>
+              <a:r>
+                <a:rPr lang="en-GB" sz="1050" dirty="0" smtClean="0">
+                  <a:latin typeface="Garamond" panose="02020404030301010803" pitchFamily="18" charset="0"/>
+                </a:rPr>
+                <a:t> </a:t>
+              </a:r>
+              <a:r>
+                <a:rPr lang="en-GB" sz="1050" dirty="0" err="1" smtClean="0">
+                  <a:latin typeface="Garamond" panose="02020404030301010803" pitchFamily="18" charset="0"/>
+                </a:rPr>
+                <a:t>Común</a:t>
+              </a:r>
+              <a:r>
+                <a:rPr lang="en-GB" sz="1050" dirty="0" smtClean="0">
+                  <a:latin typeface="Garamond" panose="02020404030301010803" pitchFamily="18" charset="0"/>
+                </a:rPr>
+                <a:t>, </a:t>
+              </a:r>
+              <a:r>
+                <a:rPr lang="en-GB" sz="1050" dirty="0" err="1" smtClean="0">
+                  <a:latin typeface="Garamond" panose="02020404030301010803" pitchFamily="18" charset="0"/>
+                </a:rPr>
+                <a:t>Año</a:t>
+              </a:r>
+              <a:r>
+                <a:rPr lang="en-GB" sz="1050" dirty="0" smtClean="0">
+                  <a:latin typeface="Garamond" panose="02020404030301010803" pitchFamily="18" charset="0"/>
+                </a:rPr>
+                <a:t>, </a:t>
+              </a:r>
+              <a:r>
+                <a:rPr lang="en-GB" sz="1050" dirty="0" err="1" smtClean="0">
+                  <a:latin typeface="Garamond" panose="02020404030301010803" pitchFamily="18" charset="0"/>
+                </a:rPr>
+                <a:t>Mes</a:t>
+              </a:r>
+              <a:r>
+                <a:rPr lang="en-GB" sz="1050" dirty="0" smtClean="0">
+                  <a:latin typeface="Garamond" panose="02020404030301010803" pitchFamily="18" charset="0"/>
+                </a:rPr>
+                <a:t>, </a:t>
+              </a:r>
+              <a:r>
+                <a:rPr lang="en-GB" sz="1050" dirty="0" err="1" smtClean="0">
+                  <a:latin typeface="Garamond" panose="02020404030301010803" pitchFamily="18" charset="0"/>
+                </a:rPr>
+                <a:t>Localidad</a:t>
+              </a:r>
+              <a:r>
+                <a:rPr lang="en-GB" sz="1050" dirty="0" smtClean="0">
+                  <a:latin typeface="Garamond" panose="02020404030301010803" pitchFamily="18" charset="0"/>
+                </a:rPr>
+                <a:t>, </a:t>
+              </a:r>
+              <a:r>
+                <a:rPr lang="en-GB" sz="1050" dirty="0" err="1" smtClean="0">
+                  <a:latin typeface="Garamond" panose="02020404030301010803" pitchFamily="18" charset="0"/>
+                </a:rPr>
+                <a:t>Latitud</a:t>
+              </a:r>
+              <a:r>
+                <a:rPr lang="en-GB" sz="1050" dirty="0" smtClean="0">
+                  <a:latin typeface="Garamond" panose="02020404030301010803" pitchFamily="18" charset="0"/>
+                </a:rPr>
+                <a:t> y </a:t>
+              </a:r>
+              <a:r>
+                <a:rPr lang="en-GB" sz="1050" dirty="0" err="1" smtClean="0">
+                  <a:latin typeface="Garamond" panose="02020404030301010803" pitchFamily="18" charset="0"/>
+                </a:rPr>
+                <a:t>Logitud</a:t>
+              </a:r>
+              <a:r>
+                <a:rPr lang="en-GB" sz="1050" dirty="0" smtClean="0">
+                  <a:latin typeface="Garamond" panose="02020404030301010803" pitchFamily="18" charset="0"/>
+                </a:rPr>
+                <a:t> </a:t>
+              </a:r>
+              <a:endParaRPr lang="en-GB" sz="1050" dirty="0">
+                <a:latin typeface="Garamond" panose="02020404030301010803" pitchFamily="18" charset="0"/>
+              </a:endParaRPr>
+            </a:p>
+          </p:txBody>
+        </p:sp>
+      </p:grpSp>
+      <p:cxnSp>
+        <p:nvCxnSpPr>
+          <p:cNvPr id="31" name="Conector recto de flecha 30">
+            <a:extLst>
+              <a:ext uri="{FF2B5EF4-FFF2-40B4-BE49-F238E27FC236}">
+                <a16:creationId xmlns="" xmlns:a16="http://schemas.microsoft.com/office/drawing/2014/main" id="{38AD23BC-DF3D-4424-80C0-528DF86AFF9A}"/>
+              </a:ext>
+            </a:extLst>
+          </p:cNvPr>
+          <p:cNvCxnSpPr/>
+          <p:nvPr/>
+        </p:nvCxnSpPr>
+        <p:spPr>
+          <a:xfrm>
+            <a:off x="3996007" y="3029492"/>
+            <a:ext cx="8370" cy="364274"/>
+          </a:xfrm>
+          <a:prstGeom prst="straightConnector1">
+            <a:avLst/>
+          </a:prstGeom>
+          <a:ln w="28575">
+            <a:solidFill>
+              <a:srgbClr val="238D8A"/>
+            </a:solidFill>
+            <a:tailEnd type="triangle"/>
+          </a:ln>
+        </p:spPr>
+        <p:style>
+          <a:lnRef idx="1">
+            <a:schemeClr val="accent1"/>
+          </a:lnRef>
+          <a:fillRef idx="0">
+            <a:schemeClr val="accent1"/>
+          </a:fillRef>
+          <a:effectRef idx="0">
+            <a:schemeClr val="accent1"/>
+          </a:effectRef>
+          <a:fontRef idx="minor">
+            <a:schemeClr val="tx1"/>
+          </a:fontRef>
+        </p:style>
+      </p:cxnSp>
+      <p:sp>
+        <p:nvSpPr>
+          <p:cNvPr id="32" name="CuadroTexto 31">
+            <a:extLst>
+              <a:ext uri="{FF2B5EF4-FFF2-40B4-BE49-F238E27FC236}">
+                <a16:creationId xmlns="" xmlns:a16="http://schemas.microsoft.com/office/drawing/2014/main" id="{79038E7C-EE77-4771-9FF2-A6FEC96AC332}"/>
+              </a:ext>
+            </a:extLst>
+          </p:cNvPr>
+          <p:cNvSpPr txBox="1"/>
+          <p:nvPr/>
+        </p:nvSpPr>
+        <p:spPr>
+          <a:xfrm>
+            <a:off x="2569682" y="4261247"/>
+            <a:ext cx="2997125" cy="253916"/>
+          </a:xfrm>
+          <a:prstGeom prst="rect">
+            <a:avLst/>
+          </a:prstGeom>
+          <a:noFill/>
+        </p:spPr>
+        <p:txBody>
+          <a:bodyPr wrap="square" rtlCol="0">
+            <a:spAutoFit/>
+          </a:bodyPr>
+          <a:lstStyle/>
+          <a:p>
+            <a:pPr algn="ctr"/>
+            <a:r>
+              <a:rPr lang="en-GB" sz="1050" dirty="0" err="1" smtClean="0">
+                <a:latin typeface="Garamond" panose="02020404030301010803" pitchFamily="18" charset="0"/>
+              </a:rPr>
+              <a:t>Provincia</a:t>
+            </a:r>
+            <a:r>
+              <a:rPr lang="en-GB" sz="1050" dirty="0" smtClean="0">
+                <a:latin typeface="Garamond" panose="02020404030301010803" pitchFamily="18" charset="0"/>
+              </a:rPr>
+              <a:t> y </a:t>
+            </a:r>
+            <a:r>
+              <a:rPr lang="en-GB" sz="1050" dirty="0" err="1" smtClean="0">
+                <a:latin typeface="Garamond" panose="02020404030301010803" pitchFamily="18" charset="0"/>
+              </a:rPr>
+              <a:t>Comunidad</a:t>
+            </a:r>
+            <a:r>
+              <a:rPr lang="en-GB" sz="1050" dirty="0" smtClean="0">
+                <a:latin typeface="Garamond" panose="02020404030301010803" pitchFamily="18" charset="0"/>
+              </a:rPr>
+              <a:t> </a:t>
+            </a:r>
+            <a:r>
+              <a:rPr lang="en-GB" sz="1050" dirty="0" err="1" smtClean="0">
+                <a:latin typeface="Garamond" panose="02020404030301010803" pitchFamily="18" charset="0"/>
+              </a:rPr>
+              <a:t>Autónoma</a:t>
+            </a:r>
+            <a:endParaRPr lang="en-GB" sz="1050" dirty="0">
+              <a:latin typeface="Garamond" panose="02020404030301010803" pitchFamily="18" charset="0"/>
+            </a:endParaRPr>
+          </a:p>
+        </p:txBody>
+      </p:sp>
+      <p:sp>
+        <p:nvSpPr>
+          <p:cNvPr id="33" name="Más 32"/>
+          <p:cNvSpPr/>
+          <p:nvPr/>
+        </p:nvSpPr>
+        <p:spPr>
+          <a:xfrm>
+            <a:off x="3891599" y="4066682"/>
+            <a:ext cx="176645" cy="184246"/>
+          </a:xfrm>
+          <a:prstGeom prst="mathPlus">
+            <a:avLst/>
+          </a:prstGeom>
+          <a:solidFill>
+            <a:srgbClr val="336699"/>
+          </a:solidFill>
+          <a:ln>
+            <a:solidFill>
+              <a:srgbClr val="336699"/>
+            </a:solidFill>
+          </a:ln>
+        </p:spPr>
+        <p:style>
+          <a:lnRef idx="2">
+            <a:schemeClr val="accent1">
+              <a:shade val="50000"/>
+            </a:schemeClr>
+          </a:lnRef>
+          <a:fillRef idx="1">
+            <a:schemeClr val="accent1"/>
+          </a:fillRef>
+          <a:effectRef idx="0">
+            <a:schemeClr val="accent1"/>
+          </a:effectRef>
+          <a:fontRef idx="minor">
+            <a:schemeClr val="lt1"/>
+          </a:fontRef>
+        </p:style>
+        <p:txBody>
+          <a:bodyPr rtlCol="0" anchor="ctr"/>
+          <a:lstStyle/>
+          <a:p>
+            <a:pPr algn="ctr"/>
+            <a:endParaRPr lang="es-ES"/>
+          </a:p>
+        </p:txBody>
+      </p:sp>
+    </p:spTree>
+    <p:extLst>
+      <p:ext uri="{BB962C8B-B14F-4D97-AF65-F5344CB8AC3E}">
+        <p14:creationId xmlns:p14="http://schemas.microsoft.com/office/powerpoint/2010/main" val="2752683576"/>
+      </p:ext>
+    </p:extLst>
+  </p:cSld>
+  <p:clrMapOvr>
+    <a:masterClrMapping/>
+  </p:clrMapOvr>
+  <p:timing>
+    <p:tnLst>
+      <p:par>
+        <p:cTn id="1" dur="indefinite" restart="never" nodeType="tmRoot"/>
+      </p:par>
+    </p:tnLst>
+  </p:timing>
+</p:sld>
+</file>
+
+<file path=ppt/slides/slide6.xml><?xml version="1.0" encoding="utf-8"?>
+<p:sld xmlns:a="http://schemas.openxmlformats.org/drawingml/2006/main" xmlns:r="http://schemas.openxmlformats.org/officeDocument/2006/relationships" xmlns:p="http://schemas.openxmlformats.org/presentationml/2006/main">
+  <p:cSld>
+    <p:spTree>
+      <p:nvGrpSpPr>
+        <p:cNvPr id="1" name=""/>
+        <p:cNvGrpSpPr/>
+        <p:nvPr/>
+      </p:nvGrpSpPr>
+      <p:grpSpPr>
+        <a:xfrm>
+          <a:off x="0" y="0"/>
+          <a:ext cx="0" cy="0"/>
+          <a:chOff x="0" y="0"/>
+          <a:chExt cx="0" cy="0"/>
+        </a:xfrm>
+      </p:grpSpPr>
+      <p:sp>
+        <p:nvSpPr>
+          <p:cNvPr id="4" name="Marcador de número de diapositiva 3">
+            <a:extLst>
+              <a:ext uri="{FF2B5EF4-FFF2-40B4-BE49-F238E27FC236}">
+                <a16:creationId xmlns="" xmlns:a16="http://schemas.microsoft.com/office/drawing/2014/main" id="{70E5FB58-2A6B-4635-9E5F-721FB4B3F5D2}"/>
+              </a:ext>
+            </a:extLst>
+          </p:cNvPr>
+          <p:cNvSpPr>
+            <a:spLocks noGrp="1"/>
+          </p:cNvSpPr>
+          <p:nvPr>
+            <p:ph type="sldNum" sz="quarter" idx="12"/>
+          </p:nvPr>
+        </p:nvSpPr>
+        <p:spPr/>
+        <p:txBody>
+          <a:bodyPr/>
+          <a:lstStyle/>
+          <a:p>
+            <a:fld id="{072220C6-3BBB-43D4-AF5F-545732F78A03}" type="slidenum">
+              <a:rPr lang="es-ES" smtClean="0"/>
+              <a:t>6</a:t>
             </a:fld>
             <a:endParaRPr lang="es-ES"/>
           </a:p>
@@ -9163,7 +8052,7 @@
 </p:sld>
 </file>
 
-<file path=ppt/slides/slide9.xml><?xml version="1.0" encoding="utf-8"?>
+<file path=ppt/slides/slide7.xml><?xml version="1.0" encoding="utf-8"?>
 <p:sld xmlns:a="http://schemas.openxmlformats.org/drawingml/2006/main" xmlns:r="http://schemas.openxmlformats.org/officeDocument/2006/relationships" xmlns:p="http://schemas.openxmlformats.org/presentationml/2006/main">
   <p:cSld>
     <p:spTree>
@@ -9188,7 +8077,7 @@
         </p:nvGrpSpPr>
         <p:grpSpPr>
           <a:xfrm>
-            <a:off x="5460571" y="4882276"/>
+            <a:off x="98862" y="5318694"/>
             <a:ext cx="3008536" cy="1706941"/>
             <a:chOff x="468123" y="2026859"/>
             <a:chExt cx="3008536" cy="1706941"/>
@@ -9282,7 +8171,7 @@
           <p:cNvPr id="4" name="Marcador de número de diapositiva 3">
             <a:extLst>
               <a:ext uri="{FF2B5EF4-FFF2-40B4-BE49-F238E27FC236}">
-                <a16:creationId xmlns:a16="http://schemas.microsoft.com/office/drawing/2014/main" xmlns="" id="{70E5FB58-2A6B-4635-9E5F-721FB4B3F5D2}"/>
+                <a16:creationId xmlns="" xmlns:a16="http://schemas.microsoft.com/office/drawing/2014/main" id="{70E5FB58-2A6B-4635-9E5F-721FB4B3F5D2}"/>
               </a:ext>
             </a:extLst>
           </p:cNvPr>
@@ -9300,7 +8189,7 @@
           <a:p>
             <a:fld id="{072220C6-3BBB-43D4-AF5F-545732F78A03}" type="slidenum">
               <a:rPr lang="es-ES" smtClean="0"/>
-              <a:t>9</a:t>
+              <a:t>7</a:t>
             </a:fld>
             <a:endParaRPr lang="es-ES"/>
           </a:p>
@@ -9332,98 +8221,8 @@
         </p:blipFill>
         <p:spPr>
           <a:xfrm>
-            <a:off x="5863489" y="1010334"/>
+            <a:off x="2513888" y="1122218"/>
             <a:ext cx="6218736" cy="4827559"/>
-          </a:xfrm>
-          <a:prstGeom prst="rect">
-            <a:avLst/>
-          </a:prstGeom>
-        </p:spPr>
-      </p:pic>
-      <p:pic>
-        <p:nvPicPr>
-          <p:cNvPr id="24" name="Imagen 23"/>
-          <p:cNvPicPr>
-            <a:picLocks noChangeAspect="1"/>
-          </p:cNvPicPr>
-          <p:nvPr/>
-        </p:nvPicPr>
-        <p:blipFill>
-          <a:blip r:embed="rId4" cstate="print">
-            <a:extLst>
-              <a:ext uri="{28A0092B-C50C-407E-A947-70E740481C1C}">
-                <a14:useLocalDpi xmlns:a14="http://schemas.microsoft.com/office/drawing/2010/main" val="0"/>
-              </a:ext>
-            </a:extLst>
-          </a:blip>
-          <a:stretch>
-            <a:fillRect/>
-          </a:stretch>
-        </p:blipFill>
-        <p:spPr>
-          <a:xfrm>
-            <a:off x="88638" y="1678542"/>
-            <a:ext cx="5491913" cy="1866885"/>
-          </a:xfrm>
-          <a:prstGeom prst="rect">
-            <a:avLst/>
-          </a:prstGeom>
-        </p:spPr>
-      </p:pic>
-      <p:pic>
-        <p:nvPicPr>
-          <p:cNvPr id="25" name="Imagen 24"/>
-          <p:cNvPicPr>
-            <a:picLocks noChangeAspect="1"/>
-          </p:cNvPicPr>
-          <p:nvPr/>
-        </p:nvPicPr>
-        <p:blipFill>
-          <a:blip r:embed="rId5" cstate="print">
-            <a:extLst>
-              <a:ext uri="{28A0092B-C50C-407E-A947-70E740481C1C}">
-                <a14:useLocalDpi xmlns:a14="http://schemas.microsoft.com/office/drawing/2010/main" val="0"/>
-              </a:ext>
-            </a:extLst>
-          </a:blip>
-          <a:stretch>
-            <a:fillRect/>
-          </a:stretch>
-        </p:blipFill>
-        <p:spPr>
-          <a:xfrm>
-            <a:off x="88638" y="4891375"/>
-            <a:ext cx="5491912" cy="1906300"/>
-          </a:xfrm>
-          <a:prstGeom prst="rect">
-            <a:avLst/>
-          </a:prstGeom>
-        </p:spPr>
-      </p:pic>
-      <p:pic>
-        <p:nvPicPr>
-          <p:cNvPr id="27" name="Imagen 26"/>
-          <p:cNvPicPr>
-            <a:picLocks noChangeAspect="1"/>
-          </p:cNvPicPr>
-          <p:nvPr/>
-        </p:nvPicPr>
-        <p:blipFill>
-          <a:blip r:embed="rId6" cstate="print">
-            <a:extLst>
-              <a:ext uri="{28A0092B-C50C-407E-A947-70E740481C1C}">
-                <a14:useLocalDpi xmlns:a14="http://schemas.microsoft.com/office/drawing/2010/main" val="0"/>
-              </a:ext>
-            </a:extLst>
-          </a:blip>
-          <a:stretch>
-            <a:fillRect/>
-          </a:stretch>
-        </p:blipFill>
-        <p:spPr>
-          <a:xfrm>
-            <a:off x="88900" y="77108"/>
-            <a:ext cx="5491602" cy="1866452"/>
           </a:xfrm>
           <a:prstGeom prst="rect">
             <a:avLst/>
@@ -9464,10 +8263,667 @@
           </a:p>
         </p:txBody>
       </p:sp>
+      <p:cxnSp>
+        <p:nvCxnSpPr>
+          <p:cNvPr id="6" name="Conector recto de flecha 5"/>
+          <p:cNvCxnSpPr/>
+          <p:nvPr/>
+        </p:nvCxnSpPr>
+        <p:spPr>
+          <a:xfrm flipH="1" flipV="1">
+            <a:off x="2930236" y="3626427"/>
+            <a:ext cx="1226128" cy="41565"/>
+          </a:xfrm>
+          <a:prstGeom prst="straightConnector1">
+            <a:avLst/>
+          </a:prstGeom>
+          <a:ln>
+            <a:tailEnd type="triangle"/>
+          </a:ln>
+        </p:spPr>
+        <p:style>
+          <a:lnRef idx="1">
+            <a:schemeClr val="accent1"/>
+          </a:lnRef>
+          <a:fillRef idx="0">
+            <a:schemeClr val="accent1"/>
+          </a:fillRef>
+          <a:effectRef idx="0">
+            <a:schemeClr val="accent1"/>
+          </a:effectRef>
+          <a:fontRef idx="minor">
+            <a:schemeClr val="tx1"/>
+          </a:fontRef>
+        </p:style>
+      </p:cxnSp>
+      <p:sp>
+        <p:nvSpPr>
+          <p:cNvPr id="10" name="CuadroTexto 9"/>
+          <p:cNvSpPr txBox="1"/>
+          <p:nvPr/>
+        </p:nvSpPr>
+        <p:spPr>
+          <a:xfrm>
+            <a:off x="1109659" y="3026262"/>
+            <a:ext cx="1820577" cy="1200329"/>
+          </a:xfrm>
+          <a:prstGeom prst="rect">
+            <a:avLst/>
+          </a:prstGeom>
+          <a:noFill/>
+        </p:spPr>
+        <p:txBody>
+          <a:bodyPr wrap="square" rtlCol="0">
+            <a:spAutoFit/>
+          </a:bodyPr>
+          <a:lstStyle/>
+          <a:p>
+            <a:pPr algn="ctr"/>
+            <a:r>
+              <a:rPr lang="es-ES" dirty="0" smtClean="0">
+                <a:latin typeface="Garamond" panose="02020404030301010803" pitchFamily="18" charset="0"/>
+              </a:rPr>
+              <a:t>Clima seco, grandes sequias estivales y temperaturas altas</a:t>
+            </a:r>
+            <a:endParaRPr lang="es-ES" dirty="0">
+              <a:latin typeface="Garamond" panose="02020404030301010803" pitchFamily="18" charset="0"/>
+            </a:endParaRPr>
+          </a:p>
+        </p:txBody>
+      </p:sp>
+      <p:cxnSp>
+        <p:nvCxnSpPr>
+          <p:cNvPr id="16" name="Conector recto de flecha 15"/>
+          <p:cNvCxnSpPr/>
+          <p:nvPr/>
+        </p:nvCxnSpPr>
+        <p:spPr>
+          <a:xfrm flipH="1" flipV="1">
+            <a:off x="2904196" y="1353050"/>
+            <a:ext cx="722231" cy="397091"/>
+          </a:xfrm>
+          <a:prstGeom prst="straightConnector1">
+            <a:avLst/>
+          </a:prstGeom>
+          <a:ln>
+            <a:tailEnd type="triangle"/>
+          </a:ln>
+        </p:spPr>
+        <p:style>
+          <a:lnRef idx="1">
+            <a:schemeClr val="accent1"/>
+          </a:lnRef>
+          <a:fillRef idx="0">
+            <a:schemeClr val="accent1"/>
+          </a:fillRef>
+          <a:effectRef idx="0">
+            <a:schemeClr val="accent1"/>
+          </a:effectRef>
+          <a:fontRef idx="minor">
+            <a:schemeClr val="tx1"/>
+          </a:fontRef>
+        </p:style>
+      </p:cxnSp>
+      <p:sp>
+        <p:nvSpPr>
+          <p:cNvPr id="18" name="CuadroTexto 17"/>
+          <p:cNvSpPr txBox="1"/>
+          <p:nvPr/>
+        </p:nvSpPr>
+        <p:spPr>
+          <a:xfrm>
+            <a:off x="1083619" y="522053"/>
+            <a:ext cx="1820577" cy="1200329"/>
+          </a:xfrm>
+          <a:prstGeom prst="rect">
+            <a:avLst/>
+          </a:prstGeom>
+          <a:noFill/>
+        </p:spPr>
+        <p:txBody>
+          <a:bodyPr wrap="square" rtlCol="0">
+            <a:spAutoFit/>
+          </a:bodyPr>
+          <a:lstStyle/>
+          <a:p>
+            <a:pPr algn="ctr"/>
+            <a:r>
+              <a:rPr lang="es-ES" dirty="0" smtClean="0">
+                <a:latin typeface="Garamond" panose="02020404030301010803" pitchFamily="18" charset="0"/>
+              </a:rPr>
+              <a:t>Clima húmedo, </a:t>
+            </a:r>
+          </a:p>
+          <a:p>
+            <a:pPr algn="ctr"/>
+            <a:r>
+              <a:rPr lang="es-ES" dirty="0">
+                <a:latin typeface="Garamond" panose="02020404030301010803" pitchFamily="18" charset="0"/>
+              </a:rPr>
+              <a:t>c</a:t>
+            </a:r>
+            <a:r>
+              <a:rPr lang="es-ES" dirty="0" smtClean="0">
+                <a:latin typeface="Garamond" panose="02020404030301010803" pitchFamily="18" charset="0"/>
+              </a:rPr>
+              <a:t>on temperaturas máximas bajas y baja </a:t>
+            </a:r>
+            <a:r>
+              <a:rPr lang="es-ES" u="sng" dirty="0" err="1" smtClean="0">
+                <a:latin typeface="Garamond" panose="02020404030301010803" pitchFamily="18" charset="0"/>
+              </a:rPr>
+              <a:t>isotermalidad</a:t>
+            </a:r>
+            <a:endParaRPr lang="es-ES" u="sng" dirty="0">
+              <a:latin typeface="Garamond" panose="02020404030301010803" pitchFamily="18" charset="0"/>
+            </a:endParaRPr>
+          </a:p>
+        </p:txBody>
+      </p:sp>
+      <p:cxnSp>
+        <p:nvCxnSpPr>
+          <p:cNvPr id="21" name="Conector recto de flecha 20"/>
+          <p:cNvCxnSpPr/>
+          <p:nvPr/>
+        </p:nvCxnSpPr>
+        <p:spPr>
+          <a:xfrm flipV="1">
+            <a:off x="7062802" y="2181400"/>
+            <a:ext cx="2453814" cy="397363"/>
+          </a:xfrm>
+          <a:prstGeom prst="straightConnector1">
+            <a:avLst/>
+          </a:prstGeom>
+          <a:ln>
+            <a:tailEnd type="triangle"/>
+          </a:ln>
+        </p:spPr>
+        <p:style>
+          <a:lnRef idx="1">
+            <a:schemeClr val="accent1"/>
+          </a:lnRef>
+          <a:fillRef idx="0">
+            <a:schemeClr val="accent1"/>
+          </a:fillRef>
+          <a:effectRef idx="0">
+            <a:schemeClr val="accent1"/>
+          </a:effectRef>
+          <a:fontRef idx="minor">
+            <a:schemeClr val="tx1"/>
+          </a:fontRef>
+        </p:style>
+      </p:cxnSp>
+      <p:sp>
+        <p:nvSpPr>
+          <p:cNvPr id="26" name="CuadroTexto 25"/>
+          <p:cNvSpPr txBox="1"/>
+          <p:nvPr/>
+        </p:nvSpPr>
+        <p:spPr>
+          <a:xfrm>
+            <a:off x="9632956" y="1101435"/>
+            <a:ext cx="2152015" cy="1477328"/>
+          </a:xfrm>
+          <a:prstGeom prst="rect">
+            <a:avLst/>
+          </a:prstGeom>
+          <a:noFill/>
+        </p:spPr>
+        <p:txBody>
+          <a:bodyPr wrap="square" rtlCol="0">
+            <a:spAutoFit/>
+          </a:bodyPr>
+          <a:lstStyle/>
+          <a:p>
+            <a:pPr algn="ctr"/>
+            <a:r>
+              <a:rPr lang="es-ES" dirty="0" smtClean="0">
+                <a:latin typeface="Garamond" panose="02020404030301010803" pitchFamily="18" charset="0"/>
+              </a:rPr>
+              <a:t>Clima de extremos. </a:t>
+            </a:r>
+          </a:p>
+          <a:p>
+            <a:pPr algn="ctr"/>
+            <a:r>
+              <a:rPr lang="es-ES" dirty="0" smtClean="0">
+                <a:latin typeface="Garamond" panose="02020404030301010803" pitchFamily="18" charset="0"/>
+              </a:rPr>
+              <a:t>Altas temperaturas en verano, bajas temperaturas en invierno. </a:t>
+            </a:r>
+            <a:endParaRPr lang="es-ES" u="sng" dirty="0">
+              <a:latin typeface="Garamond" panose="02020404030301010803" pitchFamily="18" charset="0"/>
+            </a:endParaRPr>
+          </a:p>
+        </p:txBody>
+      </p:sp>
+      <p:cxnSp>
+        <p:nvCxnSpPr>
+          <p:cNvPr id="29" name="Conector recto de flecha 28"/>
+          <p:cNvCxnSpPr/>
+          <p:nvPr/>
+        </p:nvCxnSpPr>
+        <p:spPr>
+          <a:xfrm>
+            <a:off x="8139993" y="3845891"/>
+            <a:ext cx="1492963" cy="422984"/>
+          </a:xfrm>
+          <a:prstGeom prst="straightConnector1">
+            <a:avLst/>
+          </a:prstGeom>
+          <a:ln>
+            <a:tailEnd type="triangle"/>
+          </a:ln>
+        </p:spPr>
+        <p:style>
+          <a:lnRef idx="1">
+            <a:schemeClr val="accent1"/>
+          </a:lnRef>
+          <a:fillRef idx="0">
+            <a:schemeClr val="accent1"/>
+          </a:fillRef>
+          <a:effectRef idx="0">
+            <a:schemeClr val="accent1"/>
+          </a:effectRef>
+          <a:fontRef idx="minor">
+            <a:schemeClr val="tx1"/>
+          </a:fontRef>
+        </p:style>
+      </p:cxnSp>
+      <p:sp>
+        <p:nvSpPr>
+          <p:cNvPr id="30" name="CuadroTexto 29"/>
+          <p:cNvSpPr txBox="1"/>
+          <p:nvPr/>
+        </p:nvSpPr>
+        <p:spPr>
+          <a:xfrm>
+            <a:off x="9816529" y="3739283"/>
+            <a:ext cx="2152015" cy="1477328"/>
+          </a:xfrm>
+          <a:prstGeom prst="rect">
+            <a:avLst/>
+          </a:prstGeom>
+          <a:noFill/>
+        </p:spPr>
+        <p:txBody>
+          <a:bodyPr wrap="square" rtlCol="0">
+            <a:spAutoFit/>
+          </a:bodyPr>
+          <a:lstStyle/>
+          <a:p>
+            <a:pPr algn="ctr"/>
+            <a:r>
+              <a:rPr lang="es-ES" dirty="0" smtClean="0">
+                <a:latin typeface="Garamond" panose="02020404030301010803" pitchFamily="18" charset="0"/>
+              </a:rPr>
+              <a:t>Altas temperaturas en verano, medias temperaturas en invierno. Con gran sequía estival.</a:t>
+            </a:r>
+            <a:endParaRPr lang="es-ES" u="sng" dirty="0">
+              <a:latin typeface="Garamond" panose="02020404030301010803" pitchFamily="18" charset="0"/>
+            </a:endParaRPr>
+          </a:p>
+        </p:txBody>
+      </p:sp>
     </p:spTree>
     <p:extLst>
       <p:ext uri="{BB962C8B-B14F-4D97-AF65-F5344CB8AC3E}">
         <p14:creationId xmlns:p14="http://schemas.microsoft.com/office/powerpoint/2010/main" val="2818383806"/>
+      </p:ext>
+    </p:extLst>
+  </p:cSld>
+  <p:clrMapOvr>
+    <a:masterClrMapping/>
+  </p:clrMapOvr>
+  <p:timing>
+    <p:tnLst>
+      <p:par>
+        <p:cTn id="1" dur="indefinite" restart="never" nodeType="tmRoot"/>
+      </p:par>
+    </p:tnLst>
+  </p:timing>
+</p:sld>
+</file>
+
+<file path=ppt/slides/slide8.xml><?xml version="1.0" encoding="utf-8"?>
+<p:sld xmlns:a="http://schemas.openxmlformats.org/drawingml/2006/main" xmlns:r="http://schemas.openxmlformats.org/officeDocument/2006/relationships" xmlns:p="http://schemas.openxmlformats.org/presentationml/2006/main">
+  <p:cSld>
+    <p:spTree>
+      <p:nvGrpSpPr>
+        <p:cNvPr id="1" name=""/>
+        <p:cNvGrpSpPr/>
+        <p:nvPr/>
+      </p:nvGrpSpPr>
+      <p:grpSpPr>
+        <a:xfrm>
+          <a:off x="0" y="0"/>
+          <a:ext cx="0" cy="0"/>
+          <a:chOff x="0" y="0"/>
+          <a:chExt cx="0" cy="0"/>
+        </a:xfrm>
+      </p:grpSpPr>
+      <p:sp>
+        <p:nvSpPr>
+          <p:cNvPr id="7" name="CuadroTexto 6"/>
+          <p:cNvSpPr txBox="1"/>
+          <p:nvPr/>
+        </p:nvSpPr>
+        <p:spPr>
+          <a:xfrm>
+            <a:off x="3822700" y="2890391"/>
+            <a:ext cx="4165600" cy="1077218"/>
+          </a:xfrm>
+          <a:prstGeom prst="rect">
+            <a:avLst/>
+          </a:prstGeom>
+          <a:noFill/>
+        </p:spPr>
+        <p:txBody>
+          <a:bodyPr wrap="square" rtlCol="0">
+            <a:spAutoFit/>
+          </a:bodyPr>
+          <a:lstStyle/>
+          <a:p>
+            <a:pPr algn="ctr"/>
+            <a:r>
+              <a:rPr lang="es-ES" sz="3200" b="1" dirty="0" smtClean="0">
+                <a:latin typeface="Garamond" panose="02020404030301010803" pitchFamily="18" charset="0"/>
+              </a:rPr>
+              <a:t>Vamos a la API!!</a:t>
+            </a:r>
+          </a:p>
+          <a:p>
+            <a:pPr algn="ctr"/>
+            <a:endParaRPr lang="es-ES" sz="3200" b="1" dirty="0">
+              <a:latin typeface="Garamond" panose="02020404030301010803" pitchFamily="18" charset="0"/>
+            </a:endParaRPr>
+          </a:p>
+        </p:txBody>
+      </p:sp>
+      <p:pic>
+        <p:nvPicPr>
+          <p:cNvPr id="8" name="Imagen 7"/>
+          <p:cNvPicPr>
+            <a:picLocks noChangeAspect="1"/>
+          </p:cNvPicPr>
+          <p:nvPr/>
+        </p:nvPicPr>
+        <p:blipFill rotWithShape="1">
+          <a:blip r:embed="rId2"/>
+          <a:srcRect t="12033" b="20333"/>
+          <a:stretch/>
+        </p:blipFill>
+        <p:spPr>
+          <a:xfrm rot="16200000">
+            <a:off x="-2862226" y="2846786"/>
+            <a:ext cx="6858000" cy="1164431"/>
+          </a:xfrm>
+          <a:prstGeom prst="rect">
+            <a:avLst/>
+          </a:prstGeom>
+        </p:spPr>
+      </p:pic>
+      <p:pic>
+        <p:nvPicPr>
+          <p:cNvPr id="9" name="Imagen 8"/>
+          <p:cNvPicPr>
+            <a:picLocks noChangeAspect="1"/>
+          </p:cNvPicPr>
+          <p:nvPr/>
+        </p:nvPicPr>
+        <p:blipFill rotWithShape="1">
+          <a:blip r:embed="rId2"/>
+          <a:srcRect t="12033" b="20333"/>
+          <a:stretch/>
+        </p:blipFill>
+        <p:spPr>
+          <a:xfrm rot="16200000">
+            <a:off x="8167724" y="2856309"/>
+            <a:ext cx="6858000" cy="1164431"/>
+          </a:xfrm>
+          <a:prstGeom prst="rect">
+            <a:avLst/>
+          </a:prstGeom>
+        </p:spPr>
+      </p:pic>
+    </p:spTree>
+    <p:extLst>
+      <p:ext uri="{BB962C8B-B14F-4D97-AF65-F5344CB8AC3E}">
+        <p14:creationId xmlns:p14="http://schemas.microsoft.com/office/powerpoint/2010/main" val="4076958799"/>
+      </p:ext>
+    </p:extLst>
+  </p:cSld>
+  <p:clrMapOvr>
+    <a:masterClrMapping/>
+  </p:clrMapOvr>
+  <p:timing>
+    <p:tnLst>
+      <p:par>
+        <p:cTn id="1" dur="indefinite" restart="never" nodeType="tmRoot"/>
+      </p:par>
+    </p:tnLst>
+  </p:timing>
+</p:sld>
+</file>
+
+<file path=ppt/slides/slide9.xml><?xml version="1.0" encoding="utf-8"?>
+<p:sld xmlns:a="http://schemas.openxmlformats.org/drawingml/2006/main" xmlns:r="http://schemas.openxmlformats.org/officeDocument/2006/relationships" xmlns:p="http://schemas.openxmlformats.org/presentationml/2006/main">
+  <p:cSld>
+    <p:spTree>
+      <p:nvGrpSpPr>
+        <p:cNvPr id="1" name=""/>
+        <p:cNvGrpSpPr/>
+        <p:nvPr/>
+      </p:nvGrpSpPr>
+      <p:grpSpPr>
+        <a:xfrm>
+          <a:off x="0" y="0"/>
+          <a:ext cx="0" cy="0"/>
+          <a:chOff x="0" y="0"/>
+          <a:chExt cx="0" cy="0"/>
+        </a:xfrm>
+      </p:grpSpPr>
+      <p:pic>
+        <p:nvPicPr>
+          <p:cNvPr id="4" name="Imagen 3"/>
+          <p:cNvPicPr>
+            <a:picLocks noChangeAspect="1"/>
+          </p:cNvPicPr>
+          <p:nvPr/>
+        </p:nvPicPr>
+        <p:blipFill rotWithShape="1">
+          <a:blip r:embed="rId2">
+            <a:extLst>
+              <a:ext uri="{BEBA8EAE-BF5A-486C-A8C5-ECC9F3942E4B}">
+                <a14:imgProps xmlns:a14="http://schemas.microsoft.com/office/drawing/2010/main">
+                  <a14:imgLayer r:embed="rId3">
+                    <a14:imgEffect>
+                      <a14:artisticPastelsSmooth/>
+                    </a14:imgEffect>
+                  </a14:imgLayer>
+                </a14:imgProps>
+              </a:ext>
+            </a:extLst>
+          </a:blip>
+          <a:srcRect t="12033" b="20333"/>
+          <a:stretch/>
+        </p:blipFill>
+        <p:spPr>
+          <a:xfrm>
+            <a:off x="0" y="0"/>
+            <a:ext cx="12192000" cy="2070100"/>
+          </a:xfrm>
+          <a:prstGeom prst="rect">
+            <a:avLst/>
+          </a:prstGeom>
+        </p:spPr>
+      </p:pic>
+      <p:sp>
+        <p:nvSpPr>
+          <p:cNvPr id="5" name="CuadroTexto 4"/>
+          <p:cNvSpPr txBox="1"/>
+          <p:nvPr/>
+        </p:nvSpPr>
+        <p:spPr>
+          <a:xfrm>
+            <a:off x="2419350" y="2717800"/>
+            <a:ext cx="7353300" cy="1446550"/>
+          </a:xfrm>
+          <a:prstGeom prst="rect">
+            <a:avLst/>
+          </a:prstGeom>
+          <a:noFill/>
+        </p:spPr>
+        <p:txBody>
+          <a:bodyPr wrap="square" rtlCol="0">
+            <a:spAutoFit/>
+          </a:bodyPr>
+          <a:lstStyle/>
+          <a:p>
+            <a:pPr algn="ctr"/>
+            <a:r>
+              <a:rPr lang="es-ES" sz="3200" b="1" dirty="0" smtClean="0">
+                <a:latin typeface="Garamond" panose="02020404030301010803" pitchFamily="18" charset="0"/>
+              </a:rPr>
+              <a:t>APISPECIES</a:t>
+            </a:r>
+          </a:p>
+          <a:p>
+            <a:pPr algn="ctr"/>
+            <a:endParaRPr lang="es-ES" sz="3200" b="1" dirty="0" smtClean="0">
+              <a:latin typeface="Garamond" panose="02020404030301010803" pitchFamily="18" charset="0"/>
+            </a:endParaRPr>
+          </a:p>
+          <a:p>
+            <a:pPr algn="ctr"/>
+            <a:r>
+              <a:rPr lang="es-ES" sz="2400" b="1" dirty="0" smtClean="0">
+                <a:latin typeface="Garamond" panose="02020404030301010803" pitchFamily="18" charset="0"/>
+              </a:rPr>
+              <a:t>Encuentra el sitio ideal para ir a bichear</a:t>
+            </a:r>
+            <a:endParaRPr lang="es-ES" sz="2400" b="1" dirty="0">
+              <a:latin typeface="Garamond" panose="02020404030301010803" pitchFamily="18" charset="0"/>
+            </a:endParaRPr>
+          </a:p>
+        </p:txBody>
+      </p:sp>
+      <p:pic>
+        <p:nvPicPr>
+          <p:cNvPr id="7" name="Imagen 6"/>
+          <p:cNvPicPr>
+            <a:picLocks noChangeAspect="1"/>
+          </p:cNvPicPr>
+          <p:nvPr/>
+        </p:nvPicPr>
+        <p:blipFill rotWithShape="1">
+          <a:blip r:embed="rId2">
+            <a:extLst>
+              <a:ext uri="{BEBA8EAE-BF5A-486C-A8C5-ECC9F3942E4B}">
+                <a14:imgProps xmlns:a14="http://schemas.microsoft.com/office/drawing/2010/main">
+                  <a14:imgLayer r:embed="rId3">
+                    <a14:imgEffect>
+                      <a14:artisticPastelsSmooth/>
+                    </a14:imgEffect>
+                  </a14:imgLayer>
+                </a14:imgProps>
+              </a:ext>
+            </a:extLst>
+          </a:blip>
+          <a:srcRect t="12033" b="20333"/>
+          <a:stretch/>
+        </p:blipFill>
+        <p:spPr>
+          <a:xfrm>
+            <a:off x="-76200" y="4787900"/>
+            <a:ext cx="12192000" cy="2070100"/>
+          </a:xfrm>
+          <a:prstGeom prst="rect">
+            <a:avLst/>
+          </a:prstGeom>
+        </p:spPr>
+      </p:pic>
+      <p:sp>
+        <p:nvSpPr>
+          <p:cNvPr id="6" name="CuadroTexto 5"/>
+          <p:cNvSpPr txBox="1"/>
+          <p:nvPr/>
+        </p:nvSpPr>
+        <p:spPr>
+          <a:xfrm>
+            <a:off x="3228975" y="4164350"/>
+            <a:ext cx="5734050" cy="523220"/>
+          </a:xfrm>
+          <a:prstGeom prst="rect">
+            <a:avLst/>
+          </a:prstGeom>
+          <a:noFill/>
+        </p:spPr>
+        <p:txBody>
+          <a:bodyPr wrap="square" rtlCol="0">
+            <a:spAutoFit/>
+          </a:bodyPr>
+          <a:lstStyle/>
+          <a:p>
+            <a:pPr algn="ctr"/>
+            <a:endParaRPr lang="es-ES" sz="1400" dirty="0" smtClean="0">
+              <a:latin typeface="Garamond" panose="02020404030301010803" pitchFamily="18" charset="0"/>
+            </a:endParaRPr>
+          </a:p>
+          <a:p>
+            <a:pPr algn="ctr"/>
+            <a:r>
+              <a:rPr lang="es-ES" sz="1400" dirty="0" smtClean="0">
+                <a:latin typeface="Garamond" panose="02020404030301010803" pitchFamily="18" charset="0"/>
+              </a:rPr>
+              <a:t>Proyecto final </a:t>
+            </a:r>
+            <a:r>
+              <a:rPr lang="es-ES" sz="1400" dirty="0" err="1" smtClean="0">
+                <a:latin typeface="Garamond" panose="02020404030301010803" pitchFamily="18" charset="0"/>
+              </a:rPr>
+              <a:t>Bootcamp</a:t>
+            </a:r>
+            <a:r>
+              <a:rPr lang="es-ES" sz="1400" dirty="0" smtClean="0">
+                <a:latin typeface="Garamond" panose="02020404030301010803" pitchFamily="18" charset="0"/>
+              </a:rPr>
+              <a:t> </a:t>
+            </a:r>
+            <a:r>
+              <a:rPr lang="es-ES" sz="1400" dirty="0" err="1" smtClean="0">
+                <a:latin typeface="Garamond" panose="02020404030301010803" pitchFamily="18" charset="0"/>
+              </a:rPr>
+              <a:t>Ironhack</a:t>
+            </a:r>
+            <a:r>
+              <a:rPr lang="es-ES" sz="1400" dirty="0" smtClean="0">
+                <a:latin typeface="Garamond" panose="02020404030301010803" pitchFamily="18" charset="0"/>
+              </a:rPr>
+              <a:t> Data </a:t>
+            </a:r>
+            <a:r>
+              <a:rPr lang="es-ES" sz="1400" dirty="0" err="1" smtClean="0">
+                <a:latin typeface="Garamond" panose="02020404030301010803" pitchFamily="18" charset="0"/>
+              </a:rPr>
+              <a:t>Analytics</a:t>
+            </a:r>
+            <a:r>
+              <a:rPr lang="es-ES" sz="1400" dirty="0" smtClean="0">
+                <a:latin typeface="Garamond" panose="02020404030301010803" pitchFamily="18" charset="0"/>
+              </a:rPr>
+              <a:t> Enero 2020</a:t>
+            </a:r>
+            <a:endParaRPr lang="es-ES" sz="1100" dirty="0">
+              <a:latin typeface="Garamond" panose="02020404030301010803" pitchFamily="18" charset="0"/>
+            </a:endParaRPr>
+          </a:p>
+        </p:txBody>
+      </p:sp>
+    </p:spTree>
+    <p:extLst>
+      <p:ext uri="{BB962C8B-B14F-4D97-AF65-F5344CB8AC3E}">
+        <p14:creationId xmlns:p14="http://schemas.microsoft.com/office/powerpoint/2010/main" val="4241459386"/>
       </p:ext>
     </p:extLst>
   </p:cSld>
